--- a/docs/diagrams/DeletePersonForLogic.pptx
+++ b/docs/diagrams/DeletePersonForLogic.pptx
@@ -5,12 +5,14 @@
     <p:sldMasterId id="2147483648" r:id="rId1"/>
   </p:sldMasterIdLst>
   <p:notesMasterIdLst>
-    <p:notesMasterId r:id="rId3"/>
+    <p:notesMasterId r:id="rId5"/>
   </p:notesMasterIdLst>
   <p:sldIdLst>
     <p:sldId id="262" r:id="rId2"/>
+    <p:sldId id="265" r:id="rId3"/>
+    <p:sldId id="263" r:id="rId4"/>
   </p:sldIdLst>
-  <p:sldSz cx="9144000" cy="6858000" type="screen4x3"/>
+  <p:sldSz cx="10799763" cy="6858000"/>
   <p:notesSz cx="6858000" cy="9144000"/>
   <p:defaultTextStyle>
     <a:defPPr>
@@ -109,13 +111,13 @@
   </p:defaultTextStyle>
   <p:extLst>
     <p:ext uri="{EFAFB233-063F-42B5-8137-9DF3F51BA10A}">
-      <p15:sldGuideLst xmlns="" xmlns:p15="http://schemas.microsoft.com/office/powerpoint/2012/main">
-        <p15:guide id="1" orient="horz" pos="1488">
+      <p15:sldGuideLst xmlns:p15="http://schemas.microsoft.com/office/powerpoint/2012/main">
+        <p15:guide id="1" orient="horz" pos="1488" userDrawn="1">
           <p15:clr>
             <a:srgbClr val="A4A3A4"/>
           </p15:clr>
         </p15:guide>
-        <p15:guide id="2" pos="2880">
+        <p15:guide id="2" pos="3402" userDrawn="1">
           <p15:clr>
             <a:srgbClr val="A4A3A4"/>
           </p15:clr>
@@ -124,10 +126,6 @@
     </p:ext>
   </p:extLst>
 </p:presentation>
-</file>
-
-<file path=ppt/revisionInfo.xml><?xml version="1.0" encoding="utf-8"?>
-<p1510:revInfo xmlns:a="http://schemas.openxmlformats.org/drawingml/2006/main" xmlns:r="http://schemas.openxmlformats.org/officeDocument/2006/relationships" xmlns:p1510="http://schemas.microsoft.com/office/powerpoint/2015/10/main"/>
 </file>
 
 <file path=ppt/notesMasters/notesMaster1.xml><?xml version="1.0" encoding="utf-8"?>
@@ -212,7 +210,7 @@
           <a:p>
             <a:fld id="{F5CC4B3F-88C1-4FFA-B1B6-F41C21DC6924}" type="datetimeFigureOut">
               <a:rPr lang="en-US" smtClean="0"/>
-              <a:t>4/2/2019</a:t>
+              <a:t>4/15/19</a:t>
             </a:fld>
             <a:endParaRPr lang="en-US"/>
           </a:p>
@@ -230,8 +228,8 @@
         </p:nvSpPr>
         <p:spPr>
           <a:xfrm>
-            <a:off x="1143000" y="685800"/>
-            <a:ext cx="4572000" cy="3429000"/>
+            <a:off x="730250" y="685800"/>
+            <a:ext cx="5397500" cy="3429000"/>
           </a:xfrm>
           <a:prstGeom prst="rect">
             <a:avLst/>
@@ -508,8 +506,8 @@
         </p:nvSpPr>
         <p:spPr>
           <a:xfrm>
-            <a:off x="685800" y="2130425"/>
-            <a:ext cx="7772400" cy="1470025"/>
+            <a:off x="809982" y="2130428"/>
+            <a:ext cx="9179799" cy="1470025"/>
           </a:xfrm>
         </p:spPr>
         <p:txBody>
@@ -535,8 +533,8 @@
         </p:nvSpPr>
         <p:spPr>
           <a:xfrm>
-            <a:off x="1371600" y="3886200"/>
-            <a:ext cx="6400800" cy="1752600"/>
+            <a:off x="1619965" y="3886200"/>
+            <a:ext cx="7559834" cy="1752600"/>
           </a:xfrm>
         </p:spPr>
         <p:txBody>
@@ -552,7 +550,7 @@
                 </a:solidFill>
               </a:defRPr>
             </a:lvl1pPr>
-            <a:lvl2pPr marL="457200" indent="0" algn="ctr">
+            <a:lvl2pPr marL="457205" indent="0" algn="ctr">
               <a:buNone/>
               <a:defRPr>
                 <a:solidFill>
@@ -562,7 +560,7 @@
                 </a:solidFill>
               </a:defRPr>
             </a:lvl2pPr>
-            <a:lvl3pPr marL="914400" indent="0" algn="ctr">
+            <a:lvl3pPr marL="914409" indent="0" algn="ctr">
               <a:buNone/>
               <a:defRPr>
                 <a:solidFill>
@@ -572,7 +570,7 @@
                 </a:solidFill>
               </a:defRPr>
             </a:lvl3pPr>
-            <a:lvl4pPr marL="1371600" indent="0" algn="ctr">
+            <a:lvl4pPr marL="1371614" indent="0" algn="ctr">
               <a:buNone/>
               <a:defRPr>
                 <a:solidFill>
@@ -582,7 +580,7 @@
                 </a:solidFill>
               </a:defRPr>
             </a:lvl4pPr>
-            <a:lvl5pPr marL="1828800" indent="0" algn="ctr">
+            <a:lvl5pPr marL="1828818" indent="0" algn="ctr">
               <a:buNone/>
               <a:defRPr>
                 <a:solidFill>
@@ -592,7 +590,7 @@
                 </a:solidFill>
               </a:defRPr>
             </a:lvl5pPr>
-            <a:lvl6pPr marL="2286000" indent="0" algn="ctr">
+            <a:lvl6pPr marL="2286022" indent="0" algn="ctr">
               <a:buNone/>
               <a:defRPr>
                 <a:solidFill>
@@ -602,7 +600,7 @@
                 </a:solidFill>
               </a:defRPr>
             </a:lvl6pPr>
-            <a:lvl7pPr marL="2743200" indent="0" algn="ctr">
+            <a:lvl7pPr marL="2743227" indent="0" algn="ctr">
               <a:buNone/>
               <a:defRPr>
                 <a:solidFill>
@@ -612,7 +610,7 @@
                 </a:solidFill>
               </a:defRPr>
             </a:lvl7pPr>
-            <a:lvl8pPr marL="3200400" indent="0" algn="ctr">
+            <a:lvl8pPr marL="3200432" indent="0" algn="ctr">
               <a:buNone/>
               <a:defRPr>
                 <a:solidFill>
@@ -622,7 +620,7 @@
                 </a:solidFill>
               </a:defRPr>
             </a:lvl8pPr>
-            <a:lvl9pPr marL="3657600" indent="0" algn="ctr">
+            <a:lvl9pPr marL="3657636" indent="0" algn="ctr">
               <a:buNone/>
               <a:defRPr>
                 <a:solidFill>
@@ -658,7 +656,7 @@
           <a:p>
             <a:fld id="{78C97017-6FC3-485B-9764-EAC9E56C1D49}" type="datetimeFigureOut">
               <a:rPr lang="en-US" smtClean="0"/>
-              <a:t>4/2/2019</a:t>
+              <a:t>4/15/19</a:t>
             </a:fld>
             <a:endParaRPr lang="en-US"/>
           </a:p>
@@ -826,7 +824,7 @@
           <a:p>
             <a:fld id="{78C97017-6FC3-485B-9764-EAC9E56C1D49}" type="datetimeFigureOut">
               <a:rPr lang="en-US" smtClean="0"/>
-              <a:t>4/2/2019</a:t>
+              <a:t>4/15/19</a:t>
             </a:fld>
             <a:endParaRPr lang="en-US"/>
           </a:p>
@@ -916,8 +914,8 @@
         </p:nvSpPr>
         <p:spPr>
           <a:xfrm>
-            <a:off x="6629400" y="274638"/>
-            <a:ext cx="2057400" cy="5851525"/>
+            <a:off x="7829828" y="274641"/>
+            <a:ext cx="2429947" cy="5851525"/>
           </a:xfrm>
         </p:spPr>
         <p:txBody>
@@ -943,8 +941,8 @@
         </p:nvSpPr>
         <p:spPr>
           <a:xfrm>
-            <a:off x="457200" y="274638"/>
-            <a:ext cx="6019800" cy="5851525"/>
+            <a:off x="539988" y="274641"/>
+            <a:ext cx="7109844" cy="5851525"/>
           </a:xfrm>
         </p:spPr>
         <p:txBody>
@@ -1004,7 +1002,7 @@
           <a:p>
             <a:fld id="{78C97017-6FC3-485B-9764-EAC9E56C1D49}" type="datetimeFigureOut">
               <a:rPr lang="en-US" smtClean="0"/>
-              <a:t>4/2/2019</a:t>
+              <a:t>4/15/19</a:t>
             </a:fld>
             <a:endParaRPr lang="en-US"/>
           </a:p>
@@ -1172,7 +1170,7 @@
           <a:p>
             <a:fld id="{78C97017-6FC3-485B-9764-EAC9E56C1D49}" type="datetimeFigureOut">
               <a:rPr lang="en-US" smtClean="0"/>
-              <a:t>4/2/2019</a:t>
+              <a:t>4/15/19</a:t>
             </a:fld>
             <a:endParaRPr lang="en-US"/>
           </a:p>
@@ -1262,8 +1260,8 @@
         </p:nvSpPr>
         <p:spPr>
           <a:xfrm>
-            <a:off x="722313" y="4406900"/>
-            <a:ext cx="7772400" cy="1362075"/>
+            <a:off x="853107" y="4406903"/>
+            <a:ext cx="9179799" cy="1362075"/>
           </a:xfrm>
         </p:spPr>
         <p:txBody>
@@ -1293,8 +1291,8 @@
         </p:nvSpPr>
         <p:spPr>
           <a:xfrm>
-            <a:off x="722313" y="2906713"/>
-            <a:ext cx="7772400" cy="1500187"/>
+            <a:off x="853107" y="2906713"/>
+            <a:ext cx="9179799" cy="1500187"/>
           </a:xfrm>
         </p:spPr>
         <p:txBody>
@@ -1310,7 +1308,7 @@
                 </a:solidFill>
               </a:defRPr>
             </a:lvl1pPr>
-            <a:lvl2pPr marL="457200" indent="0">
+            <a:lvl2pPr marL="457205" indent="0">
               <a:buNone/>
               <a:defRPr sz="1800">
                 <a:solidFill>
@@ -1320,7 +1318,7 @@
                 </a:solidFill>
               </a:defRPr>
             </a:lvl2pPr>
-            <a:lvl3pPr marL="914400" indent="0">
+            <a:lvl3pPr marL="914409" indent="0">
               <a:buNone/>
               <a:defRPr sz="1600">
                 <a:solidFill>
@@ -1330,7 +1328,7 @@
                 </a:solidFill>
               </a:defRPr>
             </a:lvl3pPr>
-            <a:lvl4pPr marL="1371600" indent="0">
+            <a:lvl4pPr marL="1371614" indent="0">
               <a:buNone/>
               <a:defRPr sz="1400">
                 <a:solidFill>
@@ -1340,7 +1338,7 @@
                 </a:solidFill>
               </a:defRPr>
             </a:lvl4pPr>
-            <a:lvl5pPr marL="1828800" indent="0">
+            <a:lvl5pPr marL="1828818" indent="0">
               <a:buNone/>
               <a:defRPr sz="1400">
                 <a:solidFill>
@@ -1350,7 +1348,7 @@
                 </a:solidFill>
               </a:defRPr>
             </a:lvl5pPr>
-            <a:lvl6pPr marL="2286000" indent="0">
+            <a:lvl6pPr marL="2286022" indent="0">
               <a:buNone/>
               <a:defRPr sz="1400">
                 <a:solidFill>
@@ -1360,7 +1358,7 @@
                 </a:solidFill>
               </a:defRPr>
             </a:lvl6pPr>
-            <a:lvl7pPr marL="2743200" indent="0">
+            <a:lvl7pPr marL="2743227" indent="0">
               <a:buNone/>
               <a:defRPr sz="1400">
                 <a:solidFill>
@@ -1370,7 +1368,7 @@
                 </a:solidFill>
               </a:defRPr>
             </a:lvl7pPr>
-            <a:lvl8pPr marL="3200400" indent="0">
+            <a:lvl8pPr marL="3200432" indent="0">
               <a:buNone/>
               <a:defRPr sz="1400">
                 <a:solidFill>
@@ -1380,7 +1378,7 @@
                 </a:solidFill>
               </a:defRPr>
             </a:lvl8pPr>
-            <a:lvl9pPr marL="3657600" indent="0">
+            <a:lvl9pPr marL="3657636" indent="0">
               <a:buNone/>
               <a:defRPr sz="1400">
                 <a:solidFill>
@@ -1417,7 +1415,7 @@
           <a:p>
             <a:fld id="{78C97017-6FC3-485B-9764-EAC9E56C1D49}" type="datetimeFigureOut">
               <a:rPr lang="en-US" smtClean="0"/>
-              <a:t>4/2/2019</a:t>
+              <a:t>4/15/19</a:t>
             </a:fld>
             <a:endParaRPr lang="en-US"/>
           </a:p>
@@ -1529,8 +1527,8 @@
         </p:nvSpPr>
         <p:spPr>
           <a:xfrm>
-            <a:off x="457200" y="1600200"/>
-            <a:ext cx="4038600" cy="4525963"/>
+            <a:off x="539988" y="1600203"/>
+            <a:ext cx="4769895" cy="4525963"/>
           </a:xfrm>
         </p:spPr>
         <p:txBody>
@@ -1613,8 +1611,8 @@
         </p:nvSpPr>
         <p:spPr>
           <a:xfrm>
-            <a:off x="4648200" y="1600200"/>
-            <a:ext cx="4038600" cy="4525963"/>
+            <a:off x="5489881" y="1600203"/>
+            <a:ext cx="4769895" cy="4525963"/>
           </a:xfrm>
         </p:spPr>
         <p:txBody>
@@ -1702,7 +1700,7 @@
           <a:p>
             <a:fld id="{78C97017-6FC3-485B-9764-EAC9E56C1D49}" type="datetimeFigureOut">
               <a:rPr lang="en-US" smtClean="0"/>
-              <a:t>4/2/2019</a:t>
+              <a:t>4/15/19</a:t>
             </a:fld>
             <a:endParaRPr lang="en-US"/>
           </a:p>
@@ -1818,8 +1816,8 @@
         </p:nvSpPr>
         <p:spPr>
           <a:xfrm>
-            <a:off x="457200" y="1535113"/>
-            <a:ext cx="4040188" cy="639762"/>
+            <a:off x="539988" y="1535113"/>
+            <a:ext cx="4771771" cy="639762"/>
           </a:xfrm>
         </p:spPr>
         <p:txBody>
@@ -1829,35 +1827,35 @@
               <a:buNone/>
               <a:defRPr sz="2400" b="1"/>
             </a:lvl1pPr>
-            <a:lvl2pPr marL="457200" indent="0">
+            <a:lvl2pPr marL="457205" indent="0">
               <a:buNone/>
               <a:defRPr sz="2000" b="1"/>
             </a:lvl2pPr>
-            <a:lvl3pPr marL="914400" indent="0">
+            <a:lvl3pPr marL="914409" indent="0">
               <a:buNone/>
               <a:defRPr sz="1800" b="1"/>
             </a:lvl3pPr>
-            <a:lvl4pPr marL="1371600" indent="0">
+            <a:lvl4pPr marL="1371614" indent="0">
               <a:buNone/>
               <a:defRPr sz="1600" b="1"/>
             </a:lvl4pPr>
-            <a:lvl5pPr marL="1828800" indent="0">
+            <a:lvl5pPr marL="1828818" indent="0">
               <a:buNone/>
               <a:defRPr sz="1600" b="1"/>
             </a:lvl5pPr>
-            <a:lvl6pPr marL="2286000" indent="0">
+            <a:lvl6pPr marL="2286022" indent="0">
               <a:buNone/>
               <a:defRPr sz="1600" b="1"/>
             </a:lvl6pPr>
-            <a:lvl7pPr marL="2743200" indent="0">
+            <a:lvl7pPr marL="2743227" indent="0">
               <a:buNone/>
               <a:defRPr sz="1600" b="1"/>
             </a:lvl7pPr>
-            <a:lvl8pPr marL="3200400" indent="0">
+            <a:lvl8pPr marL="3200432" indent="0">
               <a:buNone/>
               <a:defRPr sz="1600" b="1"/>
             </a:lvl8pPr>
-            <a:lvl9pPr marL="3657600" indent="0">
+            <a:lvl9pPr marL="3657636" indent="0">
               <a:buNone/>
               <a:defRPr sz="1600" b="1"/>
             </a:lvl9pPr>
@@ -1883,8 +1881,8 @@
         </p:nvSpPr>
         <p:spPr>
           <a:xfrm>
-            <a:off x="457200" y="2174875"/>
-            <a:ext cx="4040188" cy="3951288"/>
+            <a:off x="539988" y="2174875"/>
+            <a:ext cx="4771771" cy="3951288"/>
           </a:xfrm>
         </p:spPr>
         <p:txBody>
@@ -1967,8 +1965,8 @@
         </p:nvSpPr>
         <p:spPr>
           <a:xfrm>
-            <a:off x="4645025" y="1535113"/>
-            <a:ext cx="4041775" cy="639762"/>
+            <a:off x="5486132" y="1535113"/>
+            <a:ext cx="4773645" cy="639762"/>
           </a:xfrm>
         </p:spPr>
         <p:txBody>
@@ -1978,35 +1976,35 @@
               <a:buNone/>
               <a:defRPr sz="2400" b="1"/>
             </a:lvl1pPr>
-            <a:lvl2pPr marL="457200" indent="0">
+            <a:lvl2pPr marL="457205" indent="0">
               <a:buNone/>
               <a:defRPr sz="2000" b="1"/>
             </a:lvl2pPr>
-            <a:lvl3pPr marL="914400" indent="0">
+            <a:lvl3pPr marL="914409" indent="0">
               <a:buNone/>
               <a:defRPr sz="1800" b="1"/>
             </a:lvl3pPr>
-            <a:lvl4pPr marL="1371600" indent="0">
+            <a:lvl4pPr marL="1371614" indent="0">
               <a:buNone/>
               <a:defRPr sz="1600" b="1"/>
             </a:lvl4pPr>
-            <a:lvl5pPr marL="1828800" indent="0">
+            <a:lvl5pPr marL="1828818" indent="0">
               <a:buNone/>
               <a:defRPr sz="1600" b="1"/>
             </a:lvl5pPr>
-            <a:lvl6pPr marL="2286000" indent="0">
+            <a:lvl6pPr marL="2286022" indent="0">
               <a:buNone/>
               <a:defRPr sz="1600" b="1"/>
             </a:lvl6pPr>
-            <a:lvl7pPr marL="2743200" indent="0">
+            <a:lvl7pPr marL="2743227" indent="0">
               <a:buNone/>
               <a:defRPr sz="1600" b="1"/>
             </a:lvl7pPr>
-            <a:lvl8pPr marL="3200400" indent="0">
+            <a:lvl8pPr marL="3200432" indent="0">
               <a:buNone/>
               <a:defRPr sz="1600" b="1"/>
             </a:lvl8pPr>
-            <a:lvl9pPr marL="3657600" indent="0">
+            <a:lvl9pPr marL="3657636" indent="0">
               <a:buNone/>
               <a:defRPr sz="1600" b="1"/>
             </a:lvl9pPr>
@@ -2032,8 +2030,8 @@
         </p:nvSpPr>
         <p:spPr>
           <a:xfrm>
-            <a:off x="4645025" y="2174875"/>
-            <a:ext cx="4041775" cy="3951288"/>
+            <a:off x="5486132" y="2174875"/>
+            <a:ext cx="4773645" cy="3951288"/>
           </a:xfrm>
         </p:spPr>
         <p:txBody>
@@ -2121,7 +2119,7 @@
           <a:p>
             <a:fld id="{78C97017-6FC3-485B-9764-EAC9E56C1D49}" type="datetimeFigureOut">
               <a:rPr lang="en-US" smtClean="0"/>
-              <a:t>4/2/2019</a:t>
+              <a:t>4/15/19</a:t>
             </a:fld>
             <a:endParaRPr lang="en-US"/>
           </a:p>
@@ -2238,7 +2236,7 @@
           <a:p>
             <a:fld id="{78C97017-6FC3-485B-9764-EAC9E56C1D49}" type="datetimeFigureOut">
               <a:rPr lang="en-US" smtClean="0"/>
-              <a:t>4/2/2019</a:t>
+              <a:t>4/15/19</a:t>
             </a:fld>
             <a:endParaRPr lang="en-US"/>
           </a:p>
@@ -2333,7 +2331,7 @@
           <a:p>
             <a:fld id="{78C97017-6FC3-485B-9764-EAC9E56C1D49}" type="datetimeFigureOut">
               <a:rPr lang="en-US" smtClean="0"/>
-              <a:t>4/2/2019</a:t>
+              <a:t>4/15/19</a:t>
             </a:fld>
             <a:endParaRPr lang="en-US"/>
           </a:p>
@@ -2423,8 +2421,8 @@
         </p:nvSpPr>
         <p:spPr>
           <a:xfrm>
-            <a:off x="457200" y="273050"/>
-            <a:ext cx="3008313" cy="1162050"/>
+            <a:off x="539990" y="273050"/>
+            <a:ext cx="3553048" cy="1162050"/>
           </a:xfrm>
         </p:spPr>
         <p:txBody>
@@ -2454,8 +2452,8 @@
         </p:nvSpPr>
         <p:spPr>
           <a:xfrm>
-            <a:off x="3575050" y="273050"/>
-            <a:ext cx="5111750" cy="5853113"/>
+            <a:off x="4222407" y="273053"/>
+            <a:ext cx="6037368" cy="5853113"/>
           </a:xfrm>
         </p:spPr>
         <p:txBody>
@@ -2538,8 +2536,8 @@
         </p:nvSpPr>
         <p:spPr>
           <a:xfrm>
-            <a:off x="457200" y="1435100"/>
-            <a:ext cx="3008313" cy="4691063"/>
+            <a:off x="539990" y="1435103"/>
+            <a:ext cx="3553048" cy="4691063"/>
           </a:xfrm>
         </p:spPr>
         <p:txBody>
@@ -2549,35 +2547,35 @@
               <a:buNone/>
               <a:defRPr sz="1400"/>
             </a:lvl1pPr>
-            <a:lvl2pPr marL="457200" indent="0">
+            <a:lvl2pPr marL="457205" indent="0">
               <a:buNone/>
               <a:defRPr sz="1200"/>
             </a:lvl2pPr>
-            <a:lvl3pPr marL="914400" indent="0">
+            <a:lvl3pPr marL="914409" indent="0">
               <a:buNone/>
               <a:defRPr sz="1000"/>
             </a:lvl3pPr>
-            <a:lvl4pPr marL="1371600" indent="0">
+            <a:lvl4pPr marL="1371614" indent="0">
               <a:buNone/>
               <a:defRPr sz="900"/>
             </a:lvl4pPr>
-            <a:lvl5pPr marL="1828800" indent="0">
+            <a:lvl5pPr marL="1828818" indent="0">
               <a:buNone/>
               <a:defRPr sz="900"/>
             </a:lvl5pPr>
-            <a:lvl6pPr marL="2286000" indent="0">
+            <a:lvl6pPr marL="2286022" indent="0">
               <a:buNone/>
               <a:defRPr sz="900"/>
             </a:lvl6pPr>
-            <a:lvl7pPr marL="2743200" indent="0">
+            <a:lvl7pPr marL="2743227" indent="0">
               <a:buNone/>
               <a:defRPr sz="900"/>
             </a:lvl7pPr>
-            <a:lvl8pPr marL="3200400" indent="0">
+            <a:lvl8pPr marL="3200432" indent="0">
               <a:buNone/>
               <a:defRPr sz="900"/>
             </a:lvl8pPr>
-            <a:lvl9pPr marL="3657600" indent="0">
+            <a:lvl9pPr marL="3657636" indent="0">
               <a:buNone/>
               <a:defRPr sz="900"/>
             </a:lvl9pPr>
@@ -2608,7 +2606,7 @@
           <a:p>
             <a:fld id="{78C97017-6FC3-485B-9764-EAC9E56C1D49}" type="datetimeFigureOut">
               <a:rPr lang="en-US" smtClean="0"/>
-              <a:t>4/2/2019</a:t>
+              <a:t>4/15/19</a:t>
             </a:fld>
             <a:endParaRPr lang="en-US"/>
           </a:p>
@@ -2698,8 +2696,8 @@
         </p:nvSpPr>
         <p:spPr>
           <a:xfrm>
-            <a:off x="1792288" y="4800600"/>
-            <a:ext cx="5486400" cy="566738"/>
+            <a:off x="2116830" y="4800600"/>
+            <a:ext cx="6479858" cy="566738"/>
           </a:xfrm>
         </p:spPr>
         <p:txBody>
@@ -2729,8 +2727,8 @@
         </p:nvSpPr>
         <p:spPr>
           <a:xfrm>
-            <a:off x="1792288" y="612775"/>
-            <a:ext cx="5486400" cy="4114800"/>
+            <a:off x="2116830" y="612775"/>
+            <a:ext cx="6479858" cy="4114800"/>
           </a:xfrm>
         </p:spPr>
         <p:txBody>
@@ -2740,35 +2738,35 @@
               <a:buNone/>
               <a:defRPr sz="3200"/>
             </a:lvl1pPr>
-            <a:lvl2pPr marL="457200" indent="0">
+            <a:lvl2pPr marL="457205" indent="0">
               <a:buNone/>
               <a:defRPr sz="2800"/>
             </a:lvl2pPr>
-            <a:lvl3pPr marL="914400" indent="0">
+            <a:lvl3pPr marL="914409" indent="0">
               <a:buNone/>
               <a:defRPr sz="2400"/>
             </a:lvl3pPr>
-            <a:lvl4pPr marL="1371600" indent="0">
+            <a:lvl4pPr marL="1371614" indent="0">
               <a:buNone/>
               <a:defRPr sz="2000"/>
             </a:lvl4pPr>
-            <a:lvl5pPr marL="1828800" indent="0">
+            <a:lvl5pPr marL="1828818" indent="0">
               <a:buNone/>
               <a:defRPr sz="2000"/>
             </a:lvl5pPr>
-            <a:lvl6pPr marL="2286000" indent="0">
+            <a:lvl6pPr marL="2286022" indent="0">
               <a:buNone/>
               <a:defRPr sz="2000"/>
             </a:lvl6pPr>
-            <a:lvl7pPr marL="2743200" indent="0">
+            <a:lvl7pPr marL="2743227" indent="0">
               <a:buNone/>
               <a:defRPr sz="2000"/>
             </a:lvl7pPr>
-            <a:lvl8pPr marL="3200400" indent="0">
+            <a:lvl8pPr marL="3200432" indent="0">
               <a:buNone/>
               <a:defRPr sz="2000"/>
             </a:lvl8pPr>
-            <a:lvl9pPr marL="3657600" indent="0">
+            <a:lvl9pPr marL="3657636" indent="0">
               <a:buNone/>
               <a:defRPr sz="2000"/>
             </a:lvl9pPr>
@@ -2790,8 +2788,8 @@
         </p:nvSpPr>
         <p:spPr>
           <a:xfrm>
-            <a:off x="1792288" y="5367338"/>
-            <a:ext cx="5486400" cy="804862"/>
+            <a:off x="2116830" y="5367338"/>
+            <a:ext cx="6479858" cy="804862"/>
           </a:xfrm>
         </p:spPr>
         <p:txBody>
@@ -2801,35 +2799,35 @@
               <a:buNone/>
               <a:defRPr sz="1400"/>
             </a:lvl1pPr>
-            <a:lvl2pPr marL="457200" indent="0">
+            <a:lvl2pPr marL="457205" indent="0">
               <a:buNone/>
               <a:defRPr sz="1200"/>
             </a:lvl2pPr>
-            <a:lvl3pPr marL="914400" indent="0">
+            <a:lvl3pPr marL="914409" indent="0">
               <a:buNone/>
               <a:defRPr sz="1000"/>
             </a:lvl3pPr>
-            <a:lvl4pPr marL="1371600" indent="0">
+            <a:lvl4pPr marL="1371614" indent="0">
               <a:buNone/>
               <a:defRPr sz="900"/>
             </a:lvl4pPr>
-            <a:lvl5pPr marL="1828800" indent="0">
+            <a:lvl5pPr marL="1828818" indent="0">
               <a:buNone/>
               <a:defRPr sz="900"/>
             </a:lvl5pPr>
-            <a:lvl6pPr marL="2286000" indent="0">
+            <a:lvl6pPr marL="2286022" indent="0">
               <a:buNone/>
               <a:defRPr sz="900"/>
             </a:lvl6pPr>
-            <a:lvl7pPr marL="2743200" indent="0">
+            <a:lvl7pPr marL="2743227" indent="0">
               <a:buNone/>
               <a:defRPr sz="900"/>
             </a:lvl7pPr>
-            <a:lvl8pPr marL="3200400" indent="0">
+            <a:lvl8pPr marL="3200432" indent="0">
               <a:buNone/>
               <a:defRPr sz="900"/>
             </a:lvl8pPr>
-            <a:lvl9pPr marL="3657600" indent="0">
+            <a:lvl9pPr marL="3657636" indent="0">
               <a:buNone/>
               <a:defRPr sz="900"/>
             </a:lvl9pPr>
@@ -2860,7 +2858,7 @@
           <a:p>
             <a:fld id="{78C97017-6FC3-485B-9764-EAC9E56C1D49}" type="datetimeFigureOut">
               <a:rPr lang="en-US" smtClean="0"/>
-              <a:t>4/2/2019</a:t>
+              <a:t>4/15/19</a:t>
             </a:fld>
             <a:endParaRPr lang="en-US"/>
           </a:p>
@@ -2955,8 +2953,8 @@
         </p:nvSpPr>
         <p:spPr>
           <a:xfrm>
-            <a:off x="457200" y="274638"/>
-            <a:ext cx="8229600" cy="1143000"/>
+            <a:off x="539988" y="274638"/>
+            <a:ext cx="9719787" cy="1143000"/>
           </a:xfrm>
           <a:prstGeom prst="rect">
             <a:avLst/>
@@ -2987,8 +2985,8 @@
         </p:nvSpPr>
         <p:spPr>
           <a:xfrm>
-            <a:off x="457200" y="1600200"/>
-            <a:ext cx="8229600" cy="4525963"/>
+            <a:off x="539988" y="1600203"/>
+            <a:ext cx="9719787" cy="4525963"/>
           </a:xfrm>
           <a:prstGeom prst="rect">
             <a:avLst/>
@@ -3048,8 +3046,8 @@
         </p:nvSpPr>
         <p:spPr>
           <a:xfrm>
-            <a:off x="457200" y="6356350"/>
-            <a:ext cx="2133600" cy="365125"/>
+            <a:off x="539988" y="6356353"/>
+            <a:ext cx="2519945" cy="365125"/>
           </a:xfrm>
           <a:prstGeom prst="rect">
             <a:avLst/>
@@ -3071,7 +3069,7 @@
           <a:p>
             <a:fld id="{78C97017-6FC3-485B-9764-EAC9E56C1D49}" type="datetimeFigureOut">
               <a:rPr lang="en-US" smtClean="0"/>
-              <a:t>4/2/2019</a:t>
+              <a:t>4/15/19</a:t>
             </a:fld>
             <a:endParaRPr lang="en-US"/>
           </a:p>
@@ -3089,8 +3087,8 @@
         </p:nvSpPr>
         <p:spPr>
           <a:xfrm>
-            <a:off x="3124200" y="6356350"/>
-            <a:ext cx="2895600" cy="365125"/>
+            <a:off x="3689919" y="6356353"/>
+            <a:ext cx="3419925" cy="365125"/>
           </a:xfrm>
           <a:prstGeom prst="rect">
             <a:avLst/>
@@ -3126,8 +3124,8 @@
         </p:nvSpPr>
         <p:spPr>
           <a:xfrm>
-            <a:off x="6553200" y="6356350"/>
-            <a:ext cx="2133600" cy="365125"/>
+            <a:off x="7739830" y="6356353"/>
+            <a:ext cx="2519945" cy="365125"/>
           </a:xfrm>
           <a:prstGeom prst="rect">
             <a:avLst/>
@@ -3178,7 +3176,7 @@
   </p:sldLayoutIdLst>
   <p:txStyles>
     <p:titleStyle>
-      <a:lvl1pPr algn="ctr" defTabSz="914400" rtl="0" eaLnBrk="1" latinLnBrk="0" hangingPunct="1">
+      <a:lvl1pPr algn="ctr" defTabSz="914409" rtl="0" eaLnBrk="1" latinLnBrk="0" hangingPunct="1">
         <a:spcBef>
           <a:spcPct val="0"/>
         </a:spcBef>
@@ -3194,7 +3192,7 @@
       </a:lvl1pPr>
     </p:titleStyle>
     <p:bodyStyle>
-      <a:lvl1pPr marL="342900" indent="-342900" algn="l" defTabSz="914400" rtl="0" eaLnBrk="1" latinLnBrk="0" hangingPunct="1">
+      <a:lvl1pPr marL="342903" indent="-342903" algn="l" defTabSz="914409" rtl="0" eaLnBrk="1" latinLnBrk="0" hangingPunct="1">
         <a:spcBef>
           <a:spcPct val="20000"/>
         </a:spcBef>
@@ -3209,7 +3207,7 @@
           <a:cs typeface="+mn-cs"/>
         </a:defRPr>
       </a:lvl1pPr>
-      <a:lvl2pPr marL="742950" indent="-285750" algn="l" defTabSz="914400" rtl="0" eaLnBrk="1" latinLnBrk="0" hangingPunct="1">
+      <a:lvl2pPr marL="742958" indent="-285753" algn="l" defTabSz="914409" rtl="0" eaLnBrk="1" latinLnBrk="0" hangingPunct="1">
         <a:spcBef>
           <a:spcPct val="20000"/>
         </a:spcBef>
@@ -3224,7 +3222,7 @@
           <a:cs typeface="+mn-cs"/>
         </a:defRPr>
       </a:lvl2pPr>
-      <a:lvl3pPr marL="1143000" indent="-228600" algn="l" defTabSz="914400" rtl="0" eaLnBrk="1" latinLnBrk="0" hangingPunct="1">
+      <a:lvl3pPr marL="1143012" indent="-228602" algn="l" defTabSz="914409" rtl="0" eaLnBrk="1" latinLnBrk="0" hangingPunct="1">
         <a:spcBef>
           <a:spcPct val="20000"/>
         </a:spcBef>
@@ -3239,7 +3237,7 @@
           <a:cs typeface="+mn-cs"/>
         </a:defRPr>
       </a:lvl3pPr>
-      <a:lvl4pPr marL="1600200" indent="-228600" algn="l" defTabSz="914400" rtl="0" eaLnBrk="1" latinLnBrk="0" hangingPunct="1">
+      <a:lvl4pPr marL="1600216" indent="-228602" algn="l" defTabSz="914409" rtl="0" eaLnBrk="1" latinLnBrk="0" hangingPunct="1">
         <a:spcBef>
           <a:spcPct val="20000"/>
         </a:spcBef>
@@ -3254,7 +3252,7 @@
           <a:cs typeface="+mn-cs"/>
         </a:defRPr>
       </a:lvl4pPr>
-      <a:lvl5pPr marL="2057400" indent="-228600" algn="l" defTabSz="914400" rtl="0" eaLnBrk="1" latinLnBrk="0" hangingPunct="1">
+      <a:lvl5pPr marL="2057420" indent="-228602" algn="l" defTabSz="914409" rtl="0" eaLnBrk="1" latinLnBrk="0" hangingPunct="1">
         <a:spcBef>
           <a:spcPct val="20000"/>
         </a:spcBef>
@@ -3269,7 +3267,7 @@
           <a:cs typeface="+mn-cs"/>
         </a:defRPr>
       </a:lvl5pPr>
-      <a:lvl6pPr marL="2514600" indent="-228600" algn="l" defTabSz="914400" rtl="0" eaLnBrk="1" latinLnBrk="0" hangingPunct="1">
+      <a:lvl6pPr marL="2514625" indent="-228602" algn="l" defTabSz="914409" rtl="0" eaLnBrk="1" latinLnBrk="0" hangingPunct="1">
         <a:spcBef>
           <a:spcPct val="20000"/>
         </a:spcBef>
@@ -3284,7 +3282,7 @@
           <a:cs typeface="+mn-cs"/>
         </a:defRPr>
       </a:lvl6pPr>
-      <a:lvl7pPr marL="2971800" indent="-228600" algn="l" defTabSz="914400" rtl="0" eaLnBrk="1" latinLnBrk="0" hangingPunct="1">
+      <a:lvl7pPr marL="2971829" indent="-228602" algn="l" defTabSz="914409" rtl="0" eaLnBrk="1" latinLnBrk="0" hangingPunct="1">
         <a:spcBef>
           <a:spcPct val="20000"/>
         </a:spcBef>
@@ -3299,7 +3297,7 @@
           <a:cs typeface="+mn-cs"/>
         </a:defRPr>
       </a:lvl7pPr>
-      <a:lvl8pPr marL="3429000" indent="-228600" algn="l" defTabSz="914400" rtl="0" eaLnBrk="1" latinLnBrk="0" hangingPunct="1">
+      <a:lvl8pPr marL="3429034" indent="-228602" algn="l" defTabSz="914409" rtl="0" eaLnBrk="1" latinLnBrk="0" hangingPunct="1">
         <a:spcBef>
           <a:spcPct val="20000"/>
         </a:spcBef>
@@ -3314,7 +3312,7 @@
           <a:cs typeface="+mn-cs"/>
         </a:defRPr>
       </a:lvl8pPr>
-      <a:lvl9pPr marL="3886200" indent="-228600" algn="l" defTabSz="914400" rtl="0" eaLnBrk="1" latinLnBrk="0" hangingPunct="1">
+      <a:lvl9pPr marL="3886239" indent="-228602" algn="l" defTabSz="914409" rtl="0" eaLnBrk="1" latinLnBrk="0" hangingPunct="1">
         <a:spcBef>
           <a:spcPct val="20000"/>
         </a:spcBef>
@@ -3334,7 +3332,7 @@
       <a:defPPr>
         <a:defRPr lang="en-US"/>
       </a:defPPr>
-      <a:lvl1pPr marL="0" algn="l" defTabSz="914400" rtl="0" eaLnBrk="1" latinLnBrk="0" hangingPunct="1">
+      <a:lvl1pPr marL="0" algn="l" defTabSz="914409" rtl="0" eaLnBrk="1" latinLnBrk="0" hangingPunct="1">
         <a:defRPr sz="1800" kern="1200">
           <a:solidFill>
             <a:schemeClr val="tx1"/>
@@ -3344,7 +3342,7 @@
           <a:cs typeface="+mn-cs"/>
         </a:defRPr>
       </a:lvl1pPr>
-      <a:lvl2pPr marL="457200" algn="l" defTabSz="914400" rtl="0" eaLnBrk="1" latinLnBrk="0" hangingPunct="1">
+      <a:lvl2pPr marL="457205" algn="l" defTabSz="914409" rtl="0" eaLnBrk="1" latinLnBrk="0" hangingPunct="1">
         <a:defRPr sz="1800" kern="1200">
           <a:solidFill>
             <a:schemeClr val="tx1"/>
@@ -3354,7 +3352,7 @@
           <a:cs typeface="+mn-cs"/>
         </a:defRPr>
       </a:lvl2pPr>
-      <a:lvl3pPr marL="914400" algn="l" defTabSz="914400" rtl="0" eaLnBrk="1" latinLnBrk="0" hangingPunct="1">
+      <a:lvl3pPr marL="914409" algn="l" defTabSz="914409" rtl="0" eaLnBrk="1" latinLnBrk="0" hangingPunct="1">
         <a:defRPr sz="1800" kern="1200">
           <a:solidFill>
             <a:schemeClr val="tx1"/>
@@ -3364,7 +3362,7 @@
           <a:cs typeface="+mn-cs"/>
         </a:defRPr>
       </a:lvl3pPr>
-      <a:lvl4pPr marL="1371600" algn="l" defTabSz="914400" rtl="0" eaLnBrk="1" latinLnBrk="0" hangingPunct="1">
+      <a:lvl4pPr marL="1371614" algn="l" defTabSz="914409" rtl="0" eaLnBrk="1" latinLnBrk="0" hangingPunct="1">
         <a:defRPr sz="1800" kern="1200">
           <a:solidFill>
             <a:schemeClr val="tx1"/>
@@ -3374,7 +3372,7 @@
           <a:cs typeface="+mn-cs"/>
         </a:defRPr>
       </a:lvl4pPr>
-      <a:lvl5pPr marL="1828800" algn="l" defTabSz="914400" rtl="0" eaLnBrk="1" latinLnBrk="0" hangingPunct="1">
+      <a:lvl5pPr marL="1828818" algn="l" defTabSz="914409" rtl="0" eaLnBrk="1" latinLnBrk="0" hangingPunct="1">
         <a:defRPr sz="1800" kern="1200">
           <a:solidFill>
             <a:schemeClr val="tx1"/>
@@ -3384,7 +3382,7 @@
           <a:cs typeface="+mn-cs"/>
         </a:defRPr>
       </a:lvl5pPr>
-      <a:lvl6pPr marL="2286000" algn="l" defTabSz="914400" rtl="0" eaLnBrk="1" latinLnBrk="0" hangingPunct="1">
+      <a:lvl6pPr marL="2286022" algn="l" defTabSz="914409" rtl="0" eaLnBrk="1" latinLnBrk="0" hangingPunct="1">
         <a:defRPr sz="1800" kern="1200">
           <a:solidFill>
             <a:schemeClr val="tx1"/>
@@ -3394,7 +3392,7 @@
           <a:cs typeface="+mn-cs"/>
         </a:defRPr>
       </a:lvl6pPr>
-      <a:lvl7pPr marL="2743200" algn="l" defTabSz="914400" rtl="0" eaLnBrk="1" latinLnBrk="0" hangingPunct="1">
+      <a:lvl7pPr marL="2743227" algn="l" defTabSz="914409" rtl="0" eaLnBrk="1" latinLnBrk="0" hangingPunct="1">
         <a:defRPr sz="1800" kern="1200">
           <a:solidFill>
             <a:schemeClr val="tx1"/>
@@ -3404,7 +3402,7 @@
           <a:cs typeface="+mn-cs"/>
         </a:defRPr>
       </a:lvl7pPr>
-      <a:lvl8pPr marL="3200400" algn="l" defTabSz="914400" rtl="0" eaLnBrk="1" latinLnBrk="0" hangingPunct="1">
+      <a:lvl8pPr marL="3200432" algn="l" defTabSz="914409" rtl="0" eaLnBrk="1" latinLnBrk="0" hangingPunct="1">
         <a:defRPr sz="1800" kern="1200">
           <a:solidFill>
             <a:schemeClr val="tx1"/>
@@ -3414,7 +3412,7 @@
           <a:cs typeface="+mn-cs"/>
         </a:defRPr>
       </a:lvl8pPr>
-      <a:lvl9pPr marL="3657600" algn="l" defTabSz="914400" rtl="0" eaLnBrk="1" latinLnBrk="0" hangingPunct="1">
+      <a:lvl9pPr marL="3657636" algn="l" defTabSz="914409" rtl="0" eaLnBrk="1" latinLnBrk="0" hangingPunct="1">
         <a:defRPr sz="1800" kern="1200">
           <a:solidFill>
             <a:schemeClr val="tx1"/>
@@ -3454,7 +3452,7 @@
         </p:nvSpPr>
         <p:spPr>
           <a:xfrm>
-            <a:off x="1066800" y="914400"/>
+            <a:off x="1894681" y="914400"/>
             <a:ext cx="5867400" cy="3733800"/>
           </a:xfrm>
           <a:prstGeom prst="roundRect">
@@ -3515,7 +3513,7 @@
         </p:nvSpPr>
         <p:spPr>
           <a:xfrm>
-            <a:off x="1249645" y="1199149"/>
+            <a:off x="2077526" y="1199151"/>
             <a:ext cx="1001442" cy="300597"/>
           </a:xfrm>
           <a:prstGeom prst="rect">
@@ -3551,7 +3549,7 @@
           <a:p>
             <a:pPr algn="ctr"/>
             <a:r>
-              <a:rPr lang="en-US" sz="1050" dirty="0" smtClean="0">
+              <a:rPr lang="en-US" sz="1050" dirty="0">
                 <a:solidFill>
                   <a:schemeClr val="bg1"/>
                 </a:solidFill>
@@ -3559,7 +3557,7 @@
               <a:t>:</a:t>
             </a:r>
             <a:r>
-              <a:rPr lang="en-US" sz="1050" dirty="0" err="1" smtClean="0">
+              <a:rPr lang="en-US" sz="1050" dirty="0" err="1">
                 <a:solidFill>
                   <a:schemeClr val="bg1"/>
                 </a:solidFill>
@@ -3582,7 +3580,7 @@
         </p:nvSpPr>
         <p:spPr>
           <a:xfrm>
-            <a:off x="2498562" y="1069669"/>
+            <a:off x="3326445" y="1069671"/>
             <a:ext cx="1229991" cy="430077"/>
           </a:xfrm>
           <a:prstGeom prst="rect">
@@ -3618,7 +3616,7 @@
           <a:p>
             <a:pPr algn="ctr"/>
             <a:r>
-              <a:rPr lang="en-US" sz="1200" dirty="0" smtClean="0">
+              <a:rPr lang="en-US" sz="1200" dirty="0">
                 <a:solidFill>
                   <a:schemeClr val="bg1"/>
                 </a:solidFill>
@@ -3626,7 +3624,7 @@
               <a:t>:</a:t>
             </a:r>
             <a:r>
-              <a:rPr lang="en-US" sz="1200" dirty="0" err="1" smtClean="0">
+              <a:rPr lang="en-US" sz="1200" dirty="0" err="1">
                 <a:solidFill>
                   <a:schemeClr val="bg1"/>
                 </a:solidFill>
@@ -3649,7 +3647,7 @@
         </p:nvSpPr>
         <p:spPr>
           <a:xfrm flipH="1">
-            <a:off x="1673049" y="1827110"/>
+            <a:off x="2500930" y="1827110"/>
             <a:ext cx="154634" cy="2592490"/>
           </a:xfrm>
           <a:prstGeom prst="rect">
@@ -3700,7 +3698,7 @@
         </p:nvSpPr>
         <p:spPr>
           <a:xfrm>
-            <a:off x="3740745" y="1642239"/>
+            <a:off x="4568627" y="1642239"/>
             <a:ext cx="1239281" cy="369740"/>
           </a:xfrm>
           <a:prstGeom prst="rect">
@@ -3736,7 +3734,7 @@
           <a:p>
             <a:pPr algn="ctr"/>
             <a:r>
-              <a:rPr lang="en-US" sz="1200" dirty="0" smtClean="0">
+              <a:rPr lang="en-US" sz="1200" dirty="0">
                 <a:solidFill>
                   <a:schemeClr val="bg1"/>
                 </a:solidFill>
@@ -3744,7 +3742,7 @@
               <a:t>:</a:t>
             </a:r>
             <a:r>
-              <a:rPr lang="en-US" sz="1100" dirty="0" err="1" smtClean="0">
+              <a:rPr lang="en-US" sz="1100" dirty="0" err="1">
                 <a:solidFill>
                   <a:schemeClr val="bg1"/>
                 </a:solidFill>
@@ -3767,7 +3765,7 @@
         </p:nvSpPr>
         <p:spPr>
           <a:xfrm flipH="1">
-            <a:off x="3036240" y="1827108"/>
+            <a:off x="3864121" y="1827109"/>
             <a:ext cx="154634" cy="915033"/>
           </a:xfrm>
           <a:prstGeom prst="rect">
@@ -3818,7 +3816,7 @@
         </p:nvSpPr>
         <p:spPr>
           <a:xfrm flipH="1">
-            <a:off x="4251692" y="2011979"/>
+            <a:off x="5079573" y="2011979"/>
             <a:ext cx="154634" cy="121622"/>
           </a:xfrm>
           <a:prstGeom prst="rect">
@@ -3869,7 +3867,7 @@
         </p:nvSpPr>
         <p:spPr>
           <a:xfrm flipH="1">
-            <a:off x="4251692" y="2257491"/>
+            <a:off x="5079573" y="2257491"/>
             <a:ext cx="154634" cy="371558"/>
           </a:xfrm>
           <a:prstGeom prst="rect">
@@ -3920,7 +3918,7 @@
         </p:nvSpPr>
         <p:spPr>
           <a:xfrm>
-            <a:off x="5141711" y="1919577"/>
+            <a:off x="5969594" y="1919577"/>
             <a:ext cx="811033" cy="346760"/>
           </a:xfrm>
           <a:prstGeom prst="rect">
@@ -3956,7 +3954,7 @@
           <a:p>
             <a:pPr algn="ctr"/>
             <a:r>
-              <a:rPr lang="en-US" sz="1050" dirty="0" smtClean="0">
+              <a:rPr lang="en-US" sz="1050" dirty="0">
                 <a:solidFill>
                   <a:schemeClr val="bg1"/>
                 </a:solidFill>
@@ -3979,7 +3977,7 @@
         </p:nvSpPr>
         <p:spPr>
           <a:xfrm flipH="1">
-            <a:off x="5469910" y="2257490"/>
+            <a:off x="6297791" y="2257492"/>
             <a:ext cx="154634" cy="257109"/>
           </a:xfrm>
           <a:prstGeom prst="rect">
@@ -4030,7 +4028,7 @@
         </p:nvSpPr>
         <p:spPr>
           <a:xfrm flipH="1">
-            <a:off x="5456360" y="3048000"/>
+            <a:off x="6284241" y="3048000"/>
             <a:ext cx="168184" cy="990600"/>
           </a:xfrm>
           <a:prstGeom prst="rect">
@@ -4081,7 +4079,7 @@
         </p:nvSpPr>
         <p:spPr>
           <a:xfrm>
-            <a:off x="7081203" y="984110"/>
+            <a:off x="7909086" y="984111"/>
             <a:ext cx="1229991" cy="430077"/>
           </a:xfrm>
           <a:prstGeom prst="rect">
@@ -4123,7 +4121,7 @@
           <a:p>
             <a:pPr algn="ctr"/>
             <a:r>
-              <a:rPr lang="en-US" sz="1200" dirty="0" smtClean="0">
+              <a:rPr lang="en-US" sz="1200" dirty="0">
                 <a:solidFill>
                   <a:schemeClr val="bg1"/>
                 </a:solidFill>
@@ -4146,7 +4144,7 @@
         </p:nvSpPr>
         <p:spPr>
           <a:xfrm>
-            <a:off x="7620001" y="3011424"/>
+            <a:off x="8447884" y="3011424"/>
             <a:ext cx="152399" cy="267376"/>
           </a:xfrm>
           <a:prstGeom prst="rect">
@@ -4205,7 +4203,7 @@
         </p:nvCxnSpPr>
         <p:spPr>
           <a:xfrm>
-            <a:off x="1750366" y="1827110"/>
+            <a:off x="2578247" y="1827110"/>
             <a:ext cx="1285874" cy="0"/>
           </a:xfrm>
           <a:prstGeom prst="straightConnector1">
@@ -4238,7 +4236,7 @@
         </p:nvCxnSpPr>
         <p:spPr>
           <a:xfrm>
-            <a:off x="3190874" y="1905000"/>
+            <a:off x="4018757" y="1905000"/>
             <a:ext cx="537679" cy="0"/>
           </a:xfrm>
           <a:prstGeom prst="straightConnector1">
@@ -4271,7 +4269,7 @@
         </p:nvCxnSpPr>
         <p:spPr>
           <a:xfrm flipH="1">
-            <a:off x="609600" y="4419600"/>
+            <a:off x="1437481" y="4419600"/>
             <a:ext cx="1063450" cy="0"/>
           </a:xfrm>
           <a:prstGeom prst="straightConnector1">
@@ -4305,7 +4303,7 @@
         </p:nvSpPr>
         <p:spPr>
           <a:xfrm>
-            <a:off x="1108581" y="4191000"/>
+            <a:off x="1936464" y="4191001"/>
             <a:ext cx="511679" cy="261610"/>
           </a:xfrm>
           <a:prstGeom prst="rect">
@@ -4323,7 +4321,7 @@
           <a:lstStyle/>
           <a:p>
             <a:r>
-              <a:rPr lang="en-US" sz="1100" dirty="0" smtClean="0">
+              <a:rPr lang="en-US" sz="1100" dirty="0">
                 <a:solidFill>
                   <a:srgbClr val="0070C0"/>
                 </a:solidFill>
@@ -4346,7 +4344,7 @@
         </p:nvCxnSpPr>
         <p:spPr>
           <a:xfrm flipV="1">
-            <a:off x="609600" y="1827108"/>
+            <a:off x="1437481" y="1827108"/>
             <a:ext cx="1063450" cy="2"/>
           </a:xfrm>
           <a:prstGeom prst="straightConnector1">
@@ -4382,7 +4380,7 @@
         </p:nvSpPr>
         <p:spPr>
           <a:xfrm>
-            <a:off x="361991" y="1581588"/>
+            <a:off x="1189873" y="1581589"/>
             <a:ext cx="1309974" cy="261610"/>
           </a:xfrm>
           <a:prstGeom prst="rect">
@@ -4405,15 +4403,7 @@
                   <a:srgbClr val="0070C0"/>
                 </a:solidFill>
               </a:rPr>
-              <a:t>e</a:t>
-            </a:r>
-            <a:r>
-              <a:rPr lang="en-US" sz="1100" dirty="0" smtClean="0">
-                <a:solidFill>
-                  <a:srgbClr val="0070C0"/>
-                </a:solidFill>
-              </a:rPr>
-              <a:t>xecute(“delete 1”)</a:t>
+              <a:t>execute(“delete 1”)</a:t>
             </a:r>
             <a:endParaRPr lang="en-US" sz="1400" dirty="0">
               <a:solidFill>
@@ -4431,7 +4421,7 @@
         </p:nvSpPr>
         <p:spPr>
           <a:xfrm>
-            <a:off x="1862521" y="1589882"/>
+            <a:off x="2690403" y="1589882"/>
             <a:ext cx="1173719" cy="261610"/>
           </a:xfrm>
           <a:prstGeom prst="rect">
@@ -4454,15 +4444,7 @@
                   <a:srgbClr val="0070C0"/>
                 </a:solidFill>
               </a:rPr>
-              <a:t>p</a:t>
-            </a:r>
-            <a:r>
-              <a:rPr lang="en-US" sz="1100" dirty="0" smtClean="0">
-                <a:solidFill>
-                  <a:srgbClr val="0070C0"/>
-                </a:solidFill>
-              </a:rPr>
-              <a:t>arse(“delete 1”)</a:t>
+              <a:t>parse(“delete 1”)</a:t>
             </a:r>
             <a:endParaRPr lang="en-US" sz="1400" dirty="0">
               <a:solidFill>
@@ -4482,7 +4464,7 @@
         </p:nvCxnSpPr>
         <p:spPr>
           <a:xfrm>
-            <a:off x="1750366" y="1499746"/>
+            <a:off x="2578247" y="1499746"/>
             <a:ext cx="0" cy="327364"/>
           </a:xfrm>
           <a:prstGeom prst="line">
@@ -4517,7 +4499,7 @@
         </p:nvCxnSpPr>
         <p:spPr>
           <a:xfrm>
-            <a:off x="3113557" y="1499746"/>
+            <a:off x="3941438" y="1499746"/>
             <a:ext cx="0" cy="327362"/>
           </a:xfrm>
           <a:prstGeom prst="line">
@@ -4553,7 +4535,7 @@
         </p:nvCxnSpPr>
         <p:spPr>
           <a:xfrm>
-            <a:off x="4329009" y="2133601"/>
+            <a:off x="5156890" y="2133601"/>
             <a:ext cx="0" cy="123890"/>
           </a:xfrm>
           <a:prstGeom prst="line">
@@ -4589,7 +4571,7 @@
         </p:nvCxnSpPr>
         <p:spPr>
           <a:xfrm flipH="1">
-            <a:off x="5540452" y="2514599"/>
+            <a:off x="6368335" y="2514600"/>
             <a:ext cx="6775" cy="533401"/>
           </a:xfrm>
           <a:prstGeom prst="line">
@@ -4625,7 +4607,7 @@
         </p:nvCxnSpPr>
         <p:spPr>
           <a:xfrm>
-            <a:off x="7696199" y="1414187"/>
+            <a:off x="8524080" y="1414189"/>
             <a:ext cx="2" cy="1597237"/>
           </a:xfrm>
           <a:prstGeom prst="line">
@@ -4666,7 +4648,7 @@
         </p:nvCxnSpPr>
         <p:spPr>
           <a:xfrm>
-            <a:off x="7696201" y="3278800"/>
+            <a:off x="8524084" y="3278800"/>
             <a:ext cx="1" cy="1388274"/>
           </a:xfrm>
           <a:prstGeom prst="line">
@@ -4705,7 +4687,7 @@
         </p:nvCxnSpPr>
         <p:spPr>
           <a:xfrm flipH="1">
-            <a:off x="3190874" y="2133601"/>
+            <a:off x="4018756" y="2133601"/>
             <a:ext cx="1060818" cy="0"/>
           </a:xfrm>
           <a:prstGeom prst="straightConnector1">
@@ -4741,7 +4723,7 @@
         </p:nvCxnSpPr>
         <p:spPr>
           <a:xfrm flipV="1">
-            <a:off x="3190874" y="2284624"/>
+            <a:off x="4018756" y="2284626"/>
             <a:ext cx="1060818" cy="1"/>
           </a:xfrm>
           <a:prstGeom prst="straightConnector1">
@@ -4774,7 +4756,7 @@
         </p:nvCxnSpPr>
         <p:spPr>
           <a:xfrm>
-            <a:off x="4419600" y="2257491"/>
+            <a:off x="5247483" y="2257491"/>
             <a:ext cx="722111" cy="0"/>
           </a:xfrm>
           <a:prstGeom prst="straightConnector1">
@@ -4807,8 +4789,8 @@
         </p:nvSpPr>
         <p:spPr>
           <a:xfrm>
-            <a:off x="3388991" y="2246823"/>
-            <a:ext cx="747320" cy="253916"/>
+            <a:off x="4216874" y="2246824"/>
+            <a:ext cx="720069" cy="246221"/>
           </a:xfrm>
           <a:prstGeom prst="rect">
             <a:avLst/>
@@ -4830,15 +4812,7 @@
                   <a:srgbClr val="0070C0"/>
                 </a:solidFill>
               </a:rPr>
-              <a:t>p</a:t>
-            </a:r>
-            <a:r>
-              <a:rPr lang="en-US" sz="1000" dirty="0" smtClean="0">
-                <a:solidFill>
-                  <a:srgbClr val="0070C0"/>
-                </a:solidFill>
-              </a:rPr>
-              <a:t>arse(“1”)</a:t>
+              <a:t>parse(“1”)</a:t>
             </a:r>
             <a:endParaRPr lang="en-US" sz="1100" dirty="0">
               <a:solidFill>
@@ -4858,7 +4832,7 @@
         </p:nvCxnSpPr>
         <p:spPr>
           <a:xfrm flipH="1">
-            <a:off x="1862521" y="2742141"/>
+            <a:off x="2690402" y="2742141"/>
             <a:ext cx="1251036" cy="0"/>
           </a:xfrm>
           <a:prstGeom prst="straightConnector1">
@@ -4892,7 +4866,7 @@
         </p:nvSpPr>
         <p:spPr>
           <a:xfrm>
-            <a:off x="2433838" y="2522738"/>
+            <a:off x="3261719" y="2522739"/>
             <a:ext cx="258404" cy="261610"/>
           </a:xfrm>
           <a:prstGeom prst="rect">
@@ -4910,7 +4884,7 @@
           <a:lstStyle/>
           <a:p>
             <a:r>
-              <a:rPr lang="en-US" sz="1100" dirty="0" smtClean="0">
+              <a:rPr lang="en-US" sz="1100" dirty="0">
                 <a:solidFill>
                   <a:srgbClr val="0070C0"/>
                 </a:solidFill>
@@ -4935,7 +4909,7 @@
         </p:nvCxnSpPr>
         <p:spPr>
           <a:xfrm flipH="1">
-            <a:off x="3190874" y="2629049"/>
+            <a:off x="4018757" y="2629049"/>
             <a:ext cx="1138135" cy="0"/>
           </a:xfrm>
           <a:prstGeom prst="straightConnector1">
@@ -4971,7 +4945,7 @@
         </p:nvCxnSpPr>
         <p:spPr>
           <a:xfrm>
-            <a:off x="1827683" y="3123355"/>
+            <a:off x="2655566" y="3123355"/>
             <a:ext cx="3628677" cy="0"/>
           </a:xfrm>
           <a:prstGeom prst="straightConnector1">
@@ -5004,7 +4978,7 @@
         </p:nvCxnSpPr>
         <p:spPr>
           <a:xfrm flipH="1" flipV="1">
-            <a:off x="4419600" y="2514599"/>
+            <a:off x="5247481" y="2514601"/>
             <a:ext cx="1120852" cy="8139"/>
           </a:xfrm>
           <a:prstGeom prst="straightConnector1">
@@ -5038,7 +5012,7 @@
         </p:nvCxnSpPr>
         <p:spPr>
           <a:xfrm flipH="1">
-            <a:off x="1862521" y="4038600"/>
+            <a:off x="2690404" y="4038600"/>
             <a:ext cx="3593839" cy="0"/>
           </a:xfrm>
           <a:prstGeom prst="straightConnector1">
@@ -5072,7 +5046,7 @@
         </p:nvSpPr>
         <p:spPr>
           <a:xfrm>
-            <a:off x="3506811" y="2861745"/>
+            <a:off x="4334693" y="2861746"/>
             <a:ext cx="723275" cy="261610"/>
           </a:xfrm>
           <a:prstGeom prst="rect">
@@ -5095,15 +5069,7 @@
                   <a:srgbClr val="0070C0"/>
                 </a:solidFill>
               </a:rPr>
-              <a:t>e</a:t>
-            </a:r>
-            <a:r>
-              <a:rPr lang="en-US" sz="1100" dirty="0" smtClean="0">
-                <a:solidFill>
-                  <a:srgbClr val="0070C0"/>
-                </a:solidFill>
-              </a:rPr>
-              <a:t>xecute()</a:t>
+              <a:t>execute()</a:t>
             </a:r>
             <a:endParaRPr lang="en-US" sz="1400" dirty="0">
               <a:solidFill>
@@ -5121,7 +5087,7 @@
         </p:nvSpPr>
         <p:spPr>
           <a:xfrm>
-            <a:off x="3403600" y="3823258"/>
+            <a:off x="4231483" y="3823258"/>
             <a:ext cx="511679" cy="261610"/>
           </a:xfrm>
           <a:prstGeom prst="rect">
@@ -5139,7 +5105,7 @@
           <a:lstStyle/>
           <a:p>
             <a:r>
-              <a:rPr lang="en-US" sz="1100" dirty="0" smtClean="0">
+              <a:rPr lang="en-US" sz="1100" dirty="0">
                 <a:solidFill>
                   <a:srgbClr val="0070C0"/>
                 </a:solidFill>
@@ -5162,7 +5128,7 @@
         </p:nvCxnSpPr>
         <p:spPr>
           <a:xfrm>
-            <a:off x="5547227" y="4054936"/>
+            <a:off x="6375108" y="4054936"/>
             <a:ext cx="0" cy="266700"/>
           </a:xfrm>
           <a:prstGeom prst="line">
@@ -5197,7 +5163,7 @@
         </p:nvCxnSpPr>
         <p:spPr>
           <a:xfrm>
-            <a:off x="5540452" y="3048000"/>
+            <a:off x="6368333" y="3048000"/>
             <a:ext cx="2079548" cy="0"/>
           </a:xfrm>
           <a:prstGeom prst="straightConnector1">
@@ -5230,7 +5196,7 @@
         </p:nvSpPr>
         <p:spPr>
           <a:xfrm>
-            <a:off x="6324600" y="2816794"/>
+            <a:off x="7152481" y="2816795"/>
             <a:ext cx="708848" cy="261610"/>
           </a:xfrm>
           <a:prstGeom prst="rect">
@@ -5253,15 +5219,7 @@
                   <a:schemeClr val="accent4"/>
                 </a:solidFill>
               </a:rPr>
-              <a:t>d</a:t>
-            </a:r>
-            <a:r>
-              <a:rPr lang="en-US" sz="1100" dirty="0" smtClean="0">
-                <a:solidFill>
-                  <a:schemeClr val="accent4"/>
-                </a:solidFill>
-              </a:rPr>
-              <a:t>elete(d)</a:t>
+              <a:t>delete(d)</a:t>
             </a:r>
             <a:endParaRPr lang="en-US" sz="1400" dirty="0">
               <a:solidFill>
@@ -5279,7 +5237,7 @@
         </p:nvSpPr>
         <p:spPr>
           <a:xfrm>
-            <a:off x="6057075" y="3369920"/>
+            <a:off x="6884958" y="3369920"/>
             <a:ext cx="1093641" cy="346760"/>
           </a:xfrm>
           <a:prstGeom prst="rect">
@@ -5315,7 +5273,7 @@
           <a:p>
             <a:pPr algn="ctr"/>
             <a:r>
-              <a:rPr lang="en-US" sz="1050" dirty="0" err="1" smtClean="0">
+              <a:rPr lang="en-US" sz="1050" dirty="0" err="1">
                 <a:solidFill>
                   <a:schemeClr val="bg1"/>
                 </a:solidFill>
@@ -5323,7 +5281,7 @@
               <a:t>result:Command</a:t>
             </a:r>
             <a:r>
-              <a:rPr lang="en-US" sz="1050" dirty="0" smtClean="0">
+              <a:rPr lang="en-US" sz="1050" dirty="0">
                 <a:solidFill>
                   <a:schemeClr val="bg1"/>
                 </a:solidFill>
@@ -5348,7 +5306,7 @@
         </p:nvCxnSpPr>
         <p:spPr>
           <a:xfrm flipH="1">
-            <a:off x="5624546" y="3278800"/>
+            <a:off x="6452429" y="3278800"/>
             <a:ext cx="2071655" cy="0"/>
           </a:xfrm>
           <a:prstGeom prst="straightConnector1">
@@ -5390,7 +5348,7 @@
         </p:nvCxnSpPr>
         <p:spPr>
           <a:xfrm>
-            <a:off x="5624546" y="3543300"/>
+            <a:off x="6452429" y="3543300"/>
             <a:ext cx="432529" cy="0"/>
           </a:xfrm>
           <a:prstGeom prst="straightConnector1">
@@ -5423,7 +5381,7 @@
         </p:nvSpPr>
         <p:spPr>
           <a:xfrm flipH="1">
-            <a:off x="6505738" y="3706145"/>
+            <a:off x="7333621" y="3706146"/>
             <a:ext cx="173285" cy="180056"/>
           </a:xfrm>
           <a:prstGeom prst="rect">
@@ -5474,7 +5432,7 @@
         </p:nvCxnSpPr>
         <p:spPr>
           <a:xfrm flipH="1">
-            <a:off x="5624546" y="3886201"/>
+            <a:off x="6452429" y="3886201"/>
             <a:ext cx="979349" cy="0"/>
           </a:xfrm>
           <a:prstGeom prst="straightConnector1">
@@ -5507,6 +5465,6898 @@
     <p:extLst>
       <p:ext uri="{BB962C8B-B14F-4D97-AF65-F5344CB8AC3E}">
         <p14:creationId xmlns:p14="http://schemas.microsoft.com/office/powerpoint/2010/main" val="211586602"/>
+      </p:ext>
+    </p:extLst>
+  </p:cSld>
+  <p:clrMapOvr>
+    <a:masterClrMapping/>
+  </p:clrMapOvr>
+</p:sld>
+</file>
+
+<file path=ppt/slides/slide2.xml><?xml version="1.0" encoding="utf-8"?>
+<p:sld xmlns:a="http://schemas.openxmlformats.org/drawingml/2006/main" xmlns:r="http://schemas.openxmlformats.org/officeDocument/2006/relationships" xmlns:p="http://schemas.openxmlformats.org/presentationml/2006/main">
+  <p:cSld>
+    <p:spTree>
+      <p:nvGrpSpPr>
+        <p:cNvPr id="1" name=""/>
+        <p:cNvGrpSpPr/>
+        <p:nvPr/>
+      </p:nvGrpSpPr>
+      <p:grpSpPr>
+        <a:xfrm>
+          <a:off x="0" y="0"/>
+          <a:ext cx="0" cy="0"/>
+          <a:chOff x="0" y="0"/>
+          <a:chExt cx="0" cy="0"/>
+        </a:xfrm>
+      </p:grpSpPr>
+      <p:sp>
+        <p:nvSpPr>
+          <p:cNvPr id="18" name="Rectangle 17">
+            <a:extLst>
+              <a:ext uri="{FF2B5EF4-FFF2-40B4-BE49-F238E27FC236}">
+                <a16:creationId xmlns:a16="http://schemas.microsoft.com/office/drawing/2014/main" id="{3CF870E6-F850-2E4D-A6AE-B81FAE7FFAE7}"/>
+              </a:ext>
+            </a:extLst>
+          </p:cNvPr>
+          <p:cNvSpPr/>
+          <p:nvPr/>
+        </p:nvSpPr>
+        <p:spPr>
+          <a:xfrm>
+            <a:off x="675481" y="228600"/>
+            <a:ext cx="9296400" cy="6324600"/>
+          </a:xfrm>
+          <a:prstGeom prst="rect">
+            <a:avLst/>
+          </a:prstGeom>
+          <a:solidFill>
+            <a:schemeClr val="bg1"/>
+          </a:solidFill>
+          <a:ln>
+            <a:solidFill>
+              <a:schemeClr val="bg1"/>
+            </a:solidFill>
+          </a:ln>
+        </p:spPr>
+        <p:style>
+          <a:lnRef idx="2">
+            <a:schemeClr val="accent1">
+              <a:shade val="50000"/>
+            </a:schemeClr>
+          </a:lnRef>
+          <a:fillRef idx="1">
+            <a:schemeClr val="accent1"/>
+          </a:fillRef>
+          <a:effectRef idx="0">
+            <a:schemeClr val="accent1"/>
+          </a:effectRef>
+          <a:fontRef idx="minor">
+            <a:schemeClr val="lt1"/>
+          </a:fontRef>
+        </p:style>
+        <p:txBody>
+          <a:bodyPr rtlCol="0" anchor="ctr"/>
+          <a:lstStyle/>
+          <a:p>
+            <a:pPr algn="ctr"/>
+            <a:endParaRPr lang="en-US"/>
+          </a:p>
+        </p:txBody>
+      </p:sp>
+      <p:sp>
+        <p:nvSpPr>
+          <p:cNvPr id="2" name="Rectangle 65"/>
+          <p:cNvSpPr/>
+          <p:nvPr/>
+        </p:nvSpPr>
+        <p:spPr>
+          <a:xfrm>
+            <a:off x="1066925" y="914400"/>
+            <a:ext cx="6601480" cy="5257800"/>
+          </a:xfrm>
+          <a:prstGeom prst="roundRect">
+            <a:avLst>
+              <a:gd name="adj" fmla="val 3484"/>
+            </a:avLst>
+          </a:prstGeom>
+          <a:solidFill>
+            <a:schemeClr val="accent1">
+              <a:lumMod val="20000"/>
+              <a:lumOff val="80000"/>
+            </a:schemeClr>
+          </a:solidFill>
+          <a:ln w="19050">
+            <a:noFill/>
+          </a:ln>
+          <a:effectLst/>
+        </p:spPr>
+        <p:style>
+          <a:lnRef idx="1">
+            <a:schemeClr val="accent2"/>
+          </a:lnRef>
+          <a:fillRef idx="2">
+            <a:schemeClr val="accent2"/>
+          </a:fillRef>
+          <a:effectRef idx="1">
+            <a:schemeClr val="accent2"/>
+          </a:effectRef>
+          <a:fontRef idx="minor">
+            <a:schemeClr val="dk1"/>
+          </a:fontRef>
+        </p:style>
+        <p:txBody>
+          <a:bodyPr rtlCol="0" anchor="t"/>
+          <a:lstStyle/>
+          <a:p>
+            <a:r>
+              <a:rPr lang="en-SG" sz="1200" b="1" dirty="0" err="1">
+                <a:solidFill>
+                  <a:srgbClr val="0070C0"/>
+                </a:solidFill>
+              </a:rPr>
+              <a:t>ShowAnswer</a:t>
+            </a:r>
+            <a:endParaRPr lang="en-SG" sz="1200" b="1" dirty="0">
+              <a:solidFill>
+                <a:srgbClr val="0070C0"/>
+              </a:solidFill>
+            </a:endParaRPr>
+          </a:p>
+        </p:txBody>
+      </p:sp>
+      <p:sp>
+        <p:nvSpPr>
+          <p:cNvPr id="3" name="Rectangle 8"/>
+          <p:cNvSpPr/>
+          <p:nvPr/>
+        </p:nvSpPr>
+        <p:spPr>
+          <a:xfrm>
+            <a:off x="1109915" y="1239747"/>
+            <a:ext cx="1013367" cy="259999"/>
+          </a:xfrm>
+          <a:prstGeom prst="rect">
+            <a:avLst/>
+          </a:prstGeom>
+          <a:solidFill>
+            <a:srgbClr val="0070C0"/>
+          </a:solidFill>
+          <a:ln w="19050">
+            <a:solidFill>
+              <a:srgbClr val="0070C0"/>
+            </a:solidFill>
+          </a:ln>
+          <a:effectLst/>
+        </p:spPr>
+        <p:style>
+          <a:lnRef idx="1">
+            <a:schemeClr val="accent2"/>
+          </a:lnRef>
+          <a:fillRef idx="2">
+            <a:schemeClr val="accent2"/>
+          </a:fillRef>
+          <a:effectRef idx="1">
+            <a:schemeClr val="accent2"/>
+          </a:effectRef>
+          <a:fontRef idx="minor">
+            <a:schemeClr val="dk1"/>
+          </a:fontRef>
+        </p:style>
+        <p:txBody>
+          <a:bodyPr rtlCol="0" anchor="ctr"/>
+          <a:lstStyle/>
+          <a:p>
+            <a:pPr algn="ctr"/>
+            <a:r>
+              <a:rPr lang="en-US" sz="1000" dirty="0">
+                <a:solidFill>
+                  <a:schemeClr val="bg1"/>
+                </a:solidFill>
+              </a:rPr>
+              <a:t>:</a:t>
+            </a:r>
+            <a:r>
+              <a:rPr lang="en-US" sz="1000" dirty="0" err="1">
+                <a:solidFill>
+                  <a:schemeClr val="bg1"/>
+                </a:solidFill>
+              </a:rPr>
+              <a:t>LogicManager</a:t>
+            </a:r>
+            <a:endParaRPr lang="en-SG" sz="1000" dirty="0">
+              <a:solidFill>
+                <a:schemeClr val="bg1"/>
+              </a:solidFill>
+            </a:endParaRPr>
+          </a:p>
+        </p:txBody>
+      </p:sp>
+      <p:sp>
+        <p:nvSpPr>
+          <p:cNvPr id="59" name="Rectangle 8"/>
+          <p:cNvSpPr/>
+          <p:nvPr/>
+        </p:nvSpPr>
+        <p:spPr>
+          <a:xfrm>
+            <a:off x="2207694" y="1219200"/>
+            <a:ext cx="1081155" cy="243122"/>
+          </a:xfrm>
+          <a:prstGeom prst="rect">
+            <a:avLst/>
+          </a:prstGeom>
+          <a:solidFill>
+            <a:srgbClr val="0070C0"/>
+          </a:solidFill>
+          <a:ln w="19050">
+            <a:solidFill>
+              <a:srgbClr val="0070C0"/>
+            </a:solidFill>
+          </a:ln>
+          <a:effectLst/>
+        </p:spPr>
+        <p:style>
+          <a:lnRef idx="1">
+            <a:schemeClr val="accent2"/>
+          </a:lnRef>
+          <a:fillRef idx="2">
+            <a:schemeClr val="accent2"/>
+          </a:fillRef>
+          <a:effectRef idx="1">
+            <a:schemeClr val="accent2"/>
+          </a:effectRef>
+          <a:fontRef idx="minor">
+            <a:schemeClr val="dk1"/>
+          </a:fontRef>
+        </p:style>
+        <p:txBody>
+          <a:bodyPr rtlCol="0" anchor="ctr"/>
+          <a:lstStyle/>
+          <a:p>
+            <a:pPr algn="ctr"/>
+            <a:r>
+              <a:rPr lang="en-US" sz="1000" dirty="0">
+                <a:solidFill>
+                  <a:schemeClr val="bg1"/>
+                </a:solidFill>
+              </a:rPr>
+              <a:t>:</a:t>
+            </a:r>
+            <a:r>
+              <a:rPr lang="en-US" sz="1000" dirty="0" err="1">
+                <a:solidFill>
+                  <a:schemeClr val="bg1"/>
+                </a:solidFill>
+              </a:rPr>
+              <a:t>TopDeckParser</a:t>
+            </a:r>
+            <a:endParaRPr lang="en-SG" sz="1000" dirty="0">
+              <a:solidFill>
+                <a:schemeClr val="bg1"/>
+              </a:solidFill>
+            </a:endParaRPr>
+          </a:p>
+        </p:txBody>
+      </p:sp>
+      <p:sp>
+        <p:nvSpPr>
+          <p:cNvPr id="63" name="Rectangle 8"/>
+          <p:cNvSpPr/>
+          <p:nvPr/>
+        </p:nvSpPr>
+        <p:spPr>
+          <a:xfrm flipH="1">
+            <a:off x="1494494" y="1827110"/>
+            <a:ext cx="132760" cy="3517212"/>
+          </a:xfrm>
+          <a:prstGeom prst="rect">
+            <a:avLst/>
+          </a:prstGeom>
+          <a:solidFill>
+            <a:srgbClr val="0070C0"/>
+          </a:solidFill>
+          <a:ln w="19050">
+            <a:solidFill>
+              <a:srgbClr val="0070C0"/>
+            </a:solidFill>
+          </a:ln>
+          <a:effectLst/>
+        </p:spPr>
+        <p:style>
+          <a:lnRef idx="1">
+            <a:schemeClr val="accent2"/>
+          </a:lnRef>
+          <a:fillRef idx="2">
+            <a:schemeClr val="accent2"/>
+          </a:fillRef>
+          <a:effectRef idx="1">
+            <a:schemeClr val="accent2"/>
+          </a:effectRef>
+          <a:fontRef idx="minor">
+            <a:schemeClr val="dk1"/>
+          </a:fontRef>
+        </p:style>
+        <p:txBody>
+          <a:bodyPr rtlCol="0" anchor="ctr"/>
+          <a:lstStyle/>
+          <a:p>
+            <a:pPr algn="ctr"/>
+            <a:endParaRPr lang="en-SG" sz="1200" dirty="0">
+              <a:solidFill>
+                <a:schemeClr val="bg1"/>
+              </a:solidFill>
+            </a:endParaRPr>
+          </a:p>
+        </p:txBody>
+      </p:sp>
+      <p:sp>
+        <p:nvSpPr>
+          <p:cNvPr id="72" name="Rectangle 8"/>
+          <p:cNvSpPr/>
+          <p:nvPr/>
+        </p:nvSpPr>
+        <p:spPr>
+          <a:xfrm flipH="1">
+            <a:off x="2466031" y="1713130"/>
+            <a:ext cx="138261" cy="1326607"/>
+          </a:xfrm>
+          <a:prstGeom prst="rect">
+            <a:avLst/>
+          </a:prstGeom>
+          <a:solidFill>
+            <a:srgbClr val="0070C0"/>
+          </a:solidFill>
+          <a:ln w="19050">
+            <a:solidFill>
+              <a:srgbClr val="0070C0"/>
+            </a:solidFill>
+          </a:ln>
+          <a:effectLst/>
+        </p:spPr>
+        <p:style>
+          <a:lnRef idx="1">
+            <a:schemeClr val="accent2"/>
+          </a:lnRef>
+          <a:fillRef idx="2">
+            <a:schemeClr val="accent2"/>
+          </a:fillRef>
+          <a:effectRef idx="1">
+            <a:schemeClr val="accent2"/>
+          </a:effectRef>
+          <a:fontRef idx="minor">
+            <a:schemeClr val="dk1"/>
+          </a:fontRef>
+        </p:style>
+        <p:txBody>
+          <a:bodyPr rtlCol="0" anchor="ctr"/>
+          <a:lstStyle/>
+          <a:p>
+            <a:pPr algn="ctr"/>
+            <a:endParaRPr lang="en-SG" sz="1200" dirty="0">
+              <a:solidFill>
+                <a:schemeClr val="bg1"/>
+              </a:solidFill>
+            </a:endParaRPr>
+          </a:p>
+        </p:txBody>
+      </p:sp>
+      <p:sp>
+        <p:nvSpPr>
+          <p:cNvPr id="76" name="Rectangle 62"/>
+          <p:cNvSpPr/>
+          <p:nvPr/>
+        </p:nvSpPr>
+        <p:spPr>
+          <a:xfrm>
+            <a:off x="5659400" y="2420421"/>
+            <a:ext cx="1863298" cy="346760"/>
+          </a:xfrm>
+          <a:prstGeom prst="rect">
+            <a:avLst/>
+          </a:prstGeom>
+          <a:solidFill>
+            <a:srgbClr val="0070C0"/>
+          </a:solidFill>
+          <a:ln w="19050">
+            <a:solidFill>
+              <a:srgbClr val="0070C0"/>
+            </a:solidFill>
+          </a:ln>
+          <a:effectLst/>
+        </p:spPr>
+        <p:style>
+          <a:lnRef idx="1">
+            <a:schemeClr val="accent2"/>
+          </a:lnRef>
+          <a:fillRef idx="2">
+            <a:schemeClr val="accent2"/>
+          </a:fillRef>
+          <a:effectRef idx="1">
+            <a:schemeClr val="accent2"/>
+          </a:effectRef>
+          <a:fontRef idx="minor">
+            <a:schemeClr val="dk1"/>
+          </a:fontRef>
+        </p:style>
+        <p:txBody>
+          <a:bodyPr rtlCol="0" anchor="ctr"/>
+          <a:lstStyle/>
+          <a:p>
+            <a:pPr algn="ctr"/>
+            <a:r>
+              <a:rPr lang="en-US" sz="900" dirty="0" err="1">
+                <a:solidFill>
+                  <a:schemeClr val="bg1"/>
+                </a:solidFill>
+              </a:rPr>
+              <a:t>g:ShowAnswerCommand</a:t>
+            </a:r>
+            <a:endParaRPr lang="en-SG" sz="900" dirty="0">
+              <a:solidFill>
+                <a:schemeClr val="bg1"/>
+              </a:solidFill>
+            </a:endParaRPr>
+          </a:p>
+        </p:txBody>
+      </p:sp>
+      <p:sp>
+        <p:nvSpPr>
+          <p:cNvPr id="77" name="Rectangle 8"/>
+          <p:cNvSpPr/>
+          <p:nvPr/>
+        </p:nvSpPr>
+        <p:spPr>
+          <a:xfrm flipH="1">
+            <a:off x="5974048" y="2745907"/>
+            <a:ext cx="154634" cy="257109"/>
+          </a:xfrm>
+          <a:prstGeom prst="rect">
+            <a:avLst/>
+          </a:prstGeom>
+          <a:solidFill>
+            <a:srgbClr val="0070C0"/>
+          </a:solidFill>
+          <a:ln w="19050">
+            <a:solidFill>
+              <a:srgbClr val="0070C0"/>
+            </a:solidFill>
+          </a:ln>
+          <a:effectLst/>
+        </p:spPr>
+        <p:style>
+          <a:lnRef idx="1">
+            <a:schemeClr val="accent2"/>
+          </a:lnRef>
+          <a:fillRef idx="2">
+            <a:schemeClr val="accent2"/>
+          </a:fillRef>
+          <a:effectRef idx="1">
+            <a:schemeClr val="accent2"/>
+          </a:effectRef>
+          <a:fontRef idx="minor">
+            <a:schemeClr val="dk1"/>
+          </a:fontRef>
+        </p:style>
+        <p:txBody>
+          <a:bodyPr rtlCol="0" anchor="ctr"/>
+          <a:lstStyle/>
+          <a:p>
+            <a:pPr algn="ctr"/>
+            <a:endParaRPr lang="en-SG" sz="1200" dirty="0">
+              <a:solidFill>
+                <a:schemeClr val="bg1"/>
+              </a:solidFill>
+            </a:endParaRPr>
+          </a:p>
+        </p:txBody>
+      </p:sp>
+      <p:sp>
+        <p:nvSpPr>
+          <p:cNvPr id="78" name="Rectangle 8"/>
+          <p:cNvSpPr/>
+          <p:nvPr/>
+        </p:nvSpPr>
+        <p:spPr>
+          <a:xfrm flipH="1">
+            <a:off x="5974050" y="3393232"/>
+            <a:ext cx="177437" cy="2086371"/>
+          </a:xfrm>
+          <a:prstGeom prst="rect">
+            <a:avLst/>
+          </a:prstGeom>
+          <a:solidFill>
+            <a:srgbClr val="0070C0"/>
+          </a:solidFill>
+          <a:ln w="19050">
+            <a:solidFill>
+              <a:srgbClr val="0070C0"/>
+            </a:solidFill>
+          </a:ln>
+          <a:effectLst/>
+        </p:spPr>
+        <p:style>
+          <a:lnRef idx="1">
+            <a:schemeClr val="accent2"/>
+          </a:lnRef>
+          <a:fillRef idx="2">
+            <a:schemeClr val="accent2"/>
+          </a:fillRef>
+          <a:effectRef idx="1">
+            <a:schemeClr val="accent2"/>
+          </a:effectRef>
+          <a:fontRef idx="minor">
+            <a:schemeClr val="dk1"/>
+          </a:fontRef>
+        </p:style>
+        <p:txBody>
+          <a:bodyPr rtlCol="0" anchor="ctr"/>
+          <a:lstStyle/>
+          <a:p>
+            <a:pPr algn="ctr"/>
+            <a:endParaRPr lang="en-SG" sz="1200" dirty="0">
+              <a:solidFill>
+                <a:schemeClr val="bg1"/>
+              </a:solidFill>
+            </a:endParaRPr>
+          </a:p>
+        </p:txBody>
+      </p:sp>
+      <p:cxnSp>
+        <p:nvCxnSpPr>
+          <p:cNvPr id="41" name="Straight Arrow Connector 40"/>
+          <p:cNvCxnSpPr>
+            <a:cxnSpLocks/>
+            <a:stCxn id="63" idx="0"/>
+          </p:cNvCxnSpPr>
+          <p:nvPr/>
+        </p:nvCxnSpPr>
+        <p:spPr>
+          <a:xfrm>
+            <a:off x="1560875" y="1827110"/>
+            <a:ext cx="906517" cy="0"/>
+          </a:xfrm>
+          <a:prstGeom prst="straightConnector1">
+            <a:avLst/>
+          </a:prstGeom>
+          <a:ln w="19050">
+            <a:tailEnd type="arrow"/>
+          </a:ln>
+        </p:spPr>
+        <p:style>
+          <a:lnRef idx="1">
+            <a:schemeClr val="accent1"/>
+          </a:lnRef>
+          <a:fillRef idx="0">
+            <a:schemeClr val="accent1"/>
+          </a:fillRef>
+          <a:effectRef idx="0">
+            <a:schemeClr val="accent1"/>
+          </a:effectRef>
+          <a:fontRef idx="minor">
+            <a:schemeClr val="tx1"/>
+          </a:fontRef>
+        </p:style>
+      </p:cxnSp>
+      <p:cxnSp>
+        <p:nvCxnSpPr>
+          <p:cNvPr id="46" name="Straight Arrow Connector 45"/>
+          <p:cNvCxnSpPr>
+            <a:cxnSpLocks/>
+          </p:cNvCxnSpPr>
+          <p:nvPr/>
+        </p:nvCxnSpPr>
+        <p:spPr>
+          <a:xfrm>
+            <a:off x="3708564" y="2420421"/>
+            <a:ext cx="1950836" cy="0"/>
+          </a:xfrm>
+          <a:prstGeom prst="straightConnector1">
+            <a:avLst/>
+          </a:prstGeom>
+          <a:ln w="12700">
+            <a:tailEnd type="arrow"/>
+          </a:ln>
+        </p:spPr>
+        <p:style>
+          <a:lnRef idx="1">
+            <a:schemeClr val="accent1"/>
+          </a:lnRef>
+          <a:fillRef idx="0">
+            <a:schemeClr val="accent1"/>
+          </a:fillRef>
+          <a:effectRef idx="0">
+            <a:schemeClr val="accent1"/>
+          </a:effectRef>
+          <a:fontRef idx="minor">
+            <a:schemeClr val="tx1"/>
+          </a:fontRef>
+        </p:style>
+      </p:cxnSp>
+      <p:cxnSp>
+        <p:nvCxnSpPr>
+          <p:cNvPr id="52" name="Straight Arrow Connector 51"/>
+          <p:cNvCxnSpPr/>
+          <p:nvPr/>
+        </p:nvCxnSpPr>
+        <p:spPr>
+          <a:xfrm flipH="1">
+            <a:off x="455987" y="5207671"/>
+            <a:ext cx="1063450" cy="0"/>
+          </a:xfrm>
+          <a:prstGeom prst="straightConnector1">
+            <a:avLst/>
+          </a:prstGeom>
+          <a:ln w="19050">
+            <a:prstDash val="sysDash"/>
+            <a:tailEnd type="arrow"/>
+          </a:ln>
+        </p:spPr>
+        <p:style>
+          <a:lnRef idx="1">
+            <a:schemeClr val="accent1"/>
+          </a:lnRef>
+          <a:fillRef idx="0">
+            <a:schemeClr val="accent1"/>
+          </a:fillRef>
+          <a:effectRef idx="0">
+            <a:schemeClr val="accent1"/>
+          </a:effectRef>
+          <a:fontRef idx="minor">
+            <a:schemeClr val="tx1"/>
+          </a:fontRef>
+        </p:style>
+      </p:cxnSp>
+      <p:sp>
+        <p:nvSpPr>
+          <p:cNvPr id="53" name="TextBox 52"/>
+          <p:cNvSpPr txBox="1"/>
+          <p:nvPr/>
+        </p:nvSpPr>
+        <p:spPr>
+          <a:xfrm>
+            <a:off x="954970" y="4979071"/>
+            <a:ext cx="511679" cy="261610"/>
+          </a:xfrm>
+          <a:prstGeom prst="rect">
+            <a:avLst/>
+          </a:prstGeom>
+          <a:noFill/>
+          <a:ln>
+            <a:noFill/>
+          </a:ln>
+        </p:spPr>
+        <p:txBody>
+          <a:bodyPr wrap="none" rtlCol="0">
+            <a:spAutoFit/>
+          </a:bodyPr>
+          <a:lstStyle/>
+          <a:p>
+            <a:r>
+              <a:rPr lang="en-US" sz="1100" dirty="0">
+                <a:solidFill>
+                  <a:srgbClr val="0070C0"/>
+                </a:solidFill>
+              </a:rPr>
+              <a:t>result</a:t>
+            </a:r>
+            <a:endParaRPr lang="en-US" sz="1400" dirty="0">
+              <a:solidFill>
+                <a:srgbClr val="0070C0"/>
+              </a:solidFill>
+            </a:endParaRPr>
+          </a:p>
+        </p:txBody>
+      </p:sp>
+      <p:cxnSp>
+        <p:nvCxnSpPr>
+          <p:cNvPr id="66" name="Straight Arrow Connector 65"/>
+          <p:cNvCxnSpPr/>
+          <p:nvPr/>
+        </p:nvCxnSpPr>
+        <p:spPr>
+          <a:xfrm flipV="1">
+            <a:off x="431044" y="1827108"/>
+            <a:ext cx="1063450" cy="2"/>
+          </a:xfrm>
+          <a:prstGeom prst="straightConnector1">
+            <a:avLst/>
+          </a:prstGeom>
+          <a:ln w="19050">
+            <a:solidFill>
+              <a:srgbClr val="00B050"/>
+            </a:solidFill>
+            <a:tailEnd type="arrow"/>
+          </a:ln>
+        </p:spPr>
+        <p:style>
+          <a:lnRef idx="1">
+            <a:schemeClr val="accent1"/>
+          </a:lnRef>
+          <a:fillRef idx="0">
+            <a:schemeClr val="accent1"/>
+          </a:fillRef>
+          <a:effectRef idx="0">
+            <a:schemeClr val="accent1"/>
+          </a:effectRef>
+          <a:fontRef idx="minor">
+            <a:schemeClr val="tx1"/>
+          </a:fontRef>
+        </p:style>
+      </p:cxnSp>
+      <p:sp>
+        <p:nvSpPr>
+          <p:cNvPr id="105" name="TextBox 104"/>
+          <p:cNvSpPr txBox="1"/>
+          <p:nvPr/>
+        </p:nvSpPr>
+        <p:spPr>
+          <a:xfrm>
+            <a:off x="790968" y="1472041"/>
+            <a:ext cx="821059" cy="400110"/>
+          </a:xfrm>
+          <a:prstGeom prst="rect">
+            <a:avLst/>
+          </a:prstGeom>
+          <a:noFill/>
+          <a:ln>
+            <a:noFill/>
+          </a:ln>
+        </p:spPr>
+        <p:txBody>
+          <a:bodyPr wrap="none" rtlCol="0">
+            <a:spAutoFit/>
+          </a:bodyPr>
+          <a:lstStyle/>
+          <a:p>
+            <a:r>
+              <a:rPr lang="en-US" sz="1000" dirty="0">
+                <a:solidFill>
+                  <a:srgbClr val="0070C0"/>
+                </a:solidFill>
+              </a:rPr>
+              <a:t>execute(</a:t>
+            </a:r>
+          </a:p>
+          <a:p>
+            <a:r>
+              <a:rPr lang="en-US" sz="1000" dirty="0">
+                <a:solidFill>
+                  <a:srgbClr val="0070C0"/>
+                </a:solidFill>
+              </a:rPr>
+              <a:t>“John F. K.”)</a:t>
+            </a:r>
+          </a:p>
+        </p:txBody>
+      </p:sp>
+      <p:sp>
+        <p:nvSpPr>
+          <p:cNvPr id="106" name="TextBox 105"/>
+          <p:cNvSpPr txBox="1"/>
+          <p:nvPr/>
+        </p:nvSpPr>
+        <p:spPr>
+          <a:xfrm>
+            <a:off x="1519438" y="1637304"/>
+            <a:ext cx="1066318" cy="215444"/>
+          </a:xfrm>
+          <a:prstGeom prst="rect">
+            <a:avLst/>
+          </a:prstGeom>
+          <a:noFill/>
+          <a:ln>
+            <a:noFill/>
+          </a:ln>
+        </p:spPr>
+        <p:txBody>
+          <a:bodyPr wrap="none" rtlCol="0">
+            <a:spAutoFit/>
+          </a:bodyPr>
+          <a:lstStyle/>
+          <a:p>
+            <a:r>
+              <a:rPr lang="en-US" sz="800" dirty="0">
+                <a:solidFill>
+                  <a:srgbClr val="0070C0"/>
+                </a:solidFill>
+              </a:rPr>
+              <a:t>parse(“John”, “F. K.”)</a:t>
+            </a:r>
+          </a:p>
+        </p:txBody>
+      </p:sp>
+      <p:cxnSp>
+        <p:nvCxnSpPr>
+          <p:cNvPr id="81" name="Straight Connector 80"/>
+          <p:cNvCxnSpPr>
+            <a:cxnSpLocks/>
+            <a:endCxn id="63" idx="0"/>
+          </p:cNvCxnSpPr>
+          <p:nvPr/>
+        </p:nvCxnSpPr>
+        <p:spPr>
+          <a:xfrm flipH="1">
+            <a:off x="1560874" y="1499746"/>
+            <a:ext cx="10938" cy="327364"/>
+          </a:xfrm>
+          <a:prstGeom prst="line">
+            <a:avLst/>
+          </a:prstGeom>
+          <a:ln>
+            <a:prstDash val="sysDash"/>
+          </a:ln>
+        </p:spPr>
+        <p:style>
+          <a:lnRef idx="1">
+            <a:schemeClr val="accent1"/>
+          </a:lnRef>
+          <a:fillRef idx="0">
+            <a:schemeClr val="accent1"/>
+          </a:fillRef>
+          <a:effectRef idx="0">
+            <a:schemeClr val="accent1"/>
+          </a:effectRef>
+          <a:fontRef idx="minor">
+            <a:schemeClr val="tx1"/>
+          </a:fontRef>
+        </p:style>
+      </p:cxnSp>
+      <p:cxnSp>
+        <p:nvCxnSpPr>
+          <p:cNvPr id="84" name="Straight Connector 83"/>
+          <p:cNvCxnSpPr>
+            <a:cxnSpLocks/>
+            <a:endCxn id="72" idx="0"/>
+          </p:cNvCxnSpPr>
+          <p:nvPr/>
+        </p:nvCxnSpPr>
+        <p:spPr>
+          <a:xfrm flipH="1">
+            <a:off x="2535159" y="1385767"/>
+            <a:ext cx="8188" cy="327362"/>
+          </a:xfrm>
+          <a:prstGeom prst="line">
+            <a:avLst/>
+          </a:prstGeom>
+          <a:ln>
+            <a:prstDash val="sysDash"/>
+          </a:ln>
+        </p:spPr>
+        <p:style>
+          <a:lnRef idx="1">
+            <a:schemeClr val="accent1"/>
+          </a:lnRef>
+          <a:fillRef idx="0">
+            <a:schemeClr val="accent1"/>
+          </a:fillRef>
+          <a:effectRef idx="0">
+            <a:schemeClr val="accent1"/>
+          </a:effectRef>
+          <a:fontRef idx="minor">
+            <a:schemeClr val="tx1"/>
+          </a:fontRef>
+        </p:style>
+      </p:cxnSp>
+      <p:cxnSp>
+        <p:nvCxnSpPr>
+          <p:cNvPr id="98" name="Straight Connector 97"/>
+          <p:cNvCxnSpPr>
+            <a:cxnSpLocks/>
+            <a:stCxn id="77" idx="2"/>
+            <a:endCxn id="78" idx="0"/>
+          </p:cNvCxnSpPr>
+          <p:nvPr/>
+        </p:nvCxnSpPr>
+        <p:spPr>
+          <a:xfrm>
+            <a:off x="6051366" y="3003014"/>
+            <a:ext cx="11401" cy="390216"/>
+          </a:xfrm>
+          <a:prstGeom prst="line">
+            <a:avLst/>
+          </a:prstGeom>
+          <a:ln>
+            <a:prstDash val="sysDash"/>
+          </a:ln>
+        </p:spPr>
+        <p:style>
+          <a:lnRef idx="1">
+            <a:schemeClr val="accent1"/>
+          </a:lnRef>
+          <a:fillRef idx="0">
+            <a:schemeClr val="accent1"/>
+          </a:fillRef>
+          <a:effectRef idx="0">
+            <a:schemeClr val="accent1"/>
+          </a:effectRef>
+          <a:fontRef idx="minor">
+            <a:schemeClr val="tx1"/>
+          </a:fontRef>
+        </p:style>
+      </p:cxnSp>
+      <p:cxnSp>
+        <p:nvCxnSpPr>
+          <p:cNvPr id="117" name="Straight Arrow Connector 116"/>
+          <p:cNvCxnSpPr>
+            <a:cxnSpLocks/>
+          </p:cNvCxnSpPr>
+          <p:nvPr/>
+        </p:nvCxnSpPr>
+        <p:spPr>
+          <a:xfrm>
+            <a:off x="3718620" y="2691982"/>
+            <a:ext cx="1952438" cy="0"/>
+          </a:xfrm>
+          <a:prstGeom prst="straightConnector1">
+            <a:avLst/>
+          </a:prstGeom>
+          <a:ln>
+            <a:tailEnd type="arrow"/>
+          </a:ln>
+        </p:spPr>
+        <p:style>
+          <a:lnRef idx="1">
+            <a:schemeClr val="accent1"/>
+          </a:lnRef>
+          <a:fillRef idx="0">
+            <a:schemeClr val="accent1"/>
+          </a:fillRef>
+          <a:effectRef idx="0">
+            <a:schemeClr val="accent1"/>
+          </a:effectRef>
+          <a:fontRef idx="minor">
+            <a:schemeClr val="tx1"/>
+          </a:fontRef>
+        </p:style>
+      </p:cxnSp>
+      <p:cxnSp>
+        <p:nvCxnSpPr>
+          <p:cNvPr id="121" name="Straight Arrow Connector 120"/>
+          <p:cNvCxnSpPr>
+            <a:cxnSpLocks/>
+          </p:cNvCxnSpPr>
+          <p:nvPr/>
+        </p:nvCxnSpPr>
+        <p:spPr>
+          <a:xfrm flipH="1">
+            <a:off x="1627254" y="2971707"/>
+            <a:ext cx="816902" cy="0"/>
+          </a:xfrm>
+          <a:prstGeom prst="straightConnector1">
+            <a:avLst/>
+          </a:prstGeom>
+          <a:ln>
+            <a:prstDash val="sysDash"/>
+            <a:tailEnd type="arrow"/>
+          </a:ln>
+        </p:spPr>
+        <p:style>
+          <a:lnRef idx="1">
+            <a:schemeClr val="accent1"/>
+          </a:lnRef>
+          <a:fillRef idx="0">
+            <a:schemeClr val="accent1"/>
+          </a:fillRef>
+          <a:effectRef idx="0">
+            <a:schemeClr val="accent1"/>
+          </a:effectRef>
+          <a:fontRef idx="minor">
+            <a:schemeClr val="tx1"/>
+          </a:fontRef>
+        </p:style>
+      </p:cxnSp>
+      <p:sp>
+        <p:nvSpPr>
+          <p:cNvPr id="125" name="TextBox 124"/>
+          <p:cNvSpPr txBox="1"/>
+          <p:nvPr/>
+        </p:nvSpPr>
+        <p:spPr>
+          <a:xfrm>
+            <a:off x="1876245" y="2673021"/>
+            <a:ext cx="250390" cy="261610"/>
+          </a:xfrm>
+          <a:prstGeom prst="rect">
+            <a:avLst/>
+          </a:prstGeom>
+          <a:noFill/>
+          <a:ln>
+            <a:noFill/>
+          </a:ln>
+        </p:spPr>
+        <p:txBody>
+          <a:bodyPr wrap="none" rtlCol="0">
+            <a:spAutoFit/>
+          </a:bodyPr>
+          <a:lstStyle/>
+          <a:p>
+            <a:r>
+              <a:rPr lang="en-US" sz="1100" dirty="0">
+                <a:solidFill>
+                  <a:srgbClr val="0070C0"/>
+                </a:solidFill>
+              </a:rPr>
+              <a:t>g</a:t>
+            </a:r>
+            <a:endParaRPr lang="en-US" sz="1400" dirty="0">
+              <a:solidFill>
+                <a:srgbClr val="0070C0"/>
+              </a:solidFill>
+            </a:endParaRPr>
+          </a:p>
+        </p:txBody>
+      </p:sp>
+      <p:cxnSp>
+        <p:nvCxnSpPr>
+          <p:cNvPr id="126" name="Straight Arrow Connector 125"/>
+          <p:cNvCxnSpPr>
+            <a:cxnSpLocks/>
+          </p:cNvCxnSpPr>
+          <p:nvPr/>
+        </p:nvCxnSpPr>
+        <p:spPr>
+          <a:xfrm flipH="1">
+            <a:off x="3718620" y="2971800"/>
+            <a:ext cx="2187832" cy="0"/>
+          </a:xfrm>
+          <a:prstGeom prst="straightConnector1">
+            <a:avLst/>
+          </a:prstGeom>
+          <a:ln>
+            <a:prstDash val="sysDash"/>
+            <a:tailEnd type="arrow"/>
+          </a:ln>
+        </p:spPr>
+        <p:style>
+          <a:lnRef idx="1">
+            <a:schemeClr val="accent1"/>
+          </a:lnRef>
+          <a:fillRef idx="0">
+            <a:schemeClr val="accent1"/>
+          </a:fillRef>
+          <a:effectRef idx="0">
+            <a:schemeClr val="accent1"/>
+          </a:effectRef>
+          <a:fontRef idx="minor">
+            <a:schemeClr val="tx1"/>
+          </a:fontRef>
+        </p:style>
+      </p:cxnSp>
+      <p:cxnSp>
+        <p:nvCxnSpPr>
+          <p:cNvPr id="129" name="Straight Arrow Connector 128"/>
+          <p:cNvCxnSpPr>
+            <a:cxnSpLocks/>
+          </p:cNvCxnSpPr>
+          <p:nvPr/>
+        </p:nvCxnSpPr>
+        <p:spPr>
+          <a:xfrm>
+            <a:off x="1649127" y="3464277"/>
+            <a:ext cx="4324922" cy="0"/>
+          </a:xfrm>
+          <a:prstGeom prst="straightConnector1">
+            <a:avLst/>
+          </a:prstGeom>
+          <a:ln>
+            <a:tailEnd type="arrow"/>
+          </a:ln>
+        </p:spPr>
+        <p:style>
+          <a:lnRef idx="1">
+            <a:schemeClr val="accent1"/>
+          </a:lnRef>
+          <a:fillRef idx="0">
+            <a:schemeClr val="accent1"/>
+          </a:fillRef>
+          <a:effectRef idx="0">
+            <a:schemeClr val="accent1"/>
+          </a:effectRef>
+          <a:fontRef idx="minor">
+            <a:schemeClr val="tx1"/>
+          </a:fontRef>
+        </p:style>
+      </p:cxnSp>
+      <p:cxnSp>
+        <p:nvCxnSpPr>
+          <p:cNvPr id="137" name="Straight Arrow Connector 136"/>
+          <p:cNvCxnSpPr>
+            <a:cxnSpLocks/>
+          </p:cNvCxnSpPr>
+          <p:nvPr/>
+        </p:nvCxnSpPr>
+        <p:spPr>
+          <a:xfrm flipH="1">
+            <a:off x="1649127" y="5253691"/>
+            <a:ext cx="4324922" cy="0"/>
+          </a:xfrm>
+          <a:prstGeom prst="straightConnector1">
+            <a:avLst/>
+          </a:prstGeom>
+          <a:ln>
+            <a:prstDash val="sysDash"/>
+            <a:tailEnd type="arrow"/>
+          </a:ln>
+        </p:spPr>
+        <p:style>
+          <a:lnRef idx="1">
+            <a:schemeClr val="accent1"/>
+          </a:lnRef>
+          <a:fillRef idx="0">
+            <a:schemeClr val="accent1"/>
+          </a:fillRef>
+          <a:effectRef idx="0">
+            <a:schemeClr val="accent1"/>
+          </a:effectRef>
+          <a:fontRef idx="minor">
+            <a:schemeClr val="tx1"/>
+          </a:fontRef>
+        </p:style>
+      </p:cxnSp>
+      <p:sp>
+        <p:nvSpPr>
+          <p:cNvPr id="138" name="TextBox 137"/>
+          <p:cNvSpPr txBox="1"/>
+          <p:nvPr/>
+        </p:nvSpPr>
+        <p:spPr>
+          <a:xfrm>
+            <a:off x="4024501" y="3206977"/>
+            <a:ext cx="723275" cy="261610"/>
+          </a:xfrm>
+          <a:prstGeom prst="rect">
+            <a:avLst/>
+          </a:prstGeom>
+          <a:noFill/>
+          <a:ln>
+            <a:noFill/>
+          </a:ln>
+        </p:spPr>
+        <p:txBody>
+          <a:bodyPr wrap="none" rtlCol="0">
+            <a:spAutoFit/>
+          </a:bodyPr>
+          <a:lstStyle/>
+          <a:p>
+            <a:r>
+              <a:rPr lang="en-US" sz="1100" dirty="0">
+                <a:solidFill>
+                  <a:srgbClr val="0070C0"/>
+                </a:solidFill>
+              </a:rPr>
+              <a:t>execute()</a:t>
+            </a:r>
+            <a:endParaRPr lang="en-US" sz="1400" dirty="0">
+              <a:solidFill>
+                <a:srgbClr val="0070C0"/>
+              </a:solidFill>
+            </a:endParaRPr>
+          </a:p>
+        </p:txBody>
+      </p:sp>
+      <p:sp>
+        <p:nvSpPr>
+          <p:cNvPr id="139" name="TextBox 138"/>
+          <p:cNvSpPr txBox="1"/>
+          <p:nvPr/>
+        </p:nvSpPr>
+        <p:spPr>
+          <a:xfrm>
+            <a:off x="3921291" y="4168490"/>
+            <a:ext cx="511679" cy="261610"/>
+          </a:xfrm>
+          <a:prstGeom prst="rect">
+            <a:avLst/>
+          </a:prstGeom>
+          <a:noFill/>
+          <a:ln>
+            <a:noFill/>
+          </a:ln>
+        </p:spPr>
+        <p:txBody>
+          <a:bodyPr wrap="none" rtlCol="0">
+            <a:spAutoFit/>
+          </a:bodyPr>
+          <a:lstStyle/>
+          <a:p>
+            <a:r>
+              <a:rPr lang="en-US" sz="1100" dirty="0">
+                <a:solidFill>
+                  <a:srgbClr val="0070C0"/>
+                </a:solidFill>
+              </a:rPr>
+              <a:t>result</a:t>
+            </a:r>
+            <a:endParaRPr lang="en-US" sz="1400" dirty="0">
+              <a:solidFill>
+                <a:srgbClr val="0070C0"/>
+              </a:solidFill>
+            </a:endParaRPr>
+          </a:p>
+        </p:txBody>
+      </p:sp>
+      <p:cxnSp>
+        <p:nvCxnSpPr>
+          <p:cNvPr id="140" name="Straight Connector 139"/>
+          <p:cNvCxnSpPr>
+            <a:cxnSpLocks/>
+          </p:cNvCxnSpPr>
+          <p:nvPr/>
+        </p:nvCxnSpPr>
+        <p:spPr>
+          <a:xfrm>
+            <a:off x="6064935" y="5482750"/>
+            <a:ext cx="1" cy="398970"/>
+          </a:xfrm>
+          <a:prstGeom prst="line">
+            <a:avLst/>
+          </a:prstGeom>
+          <a:ln>
+            <a:prstDash val="sysDash"/>
+          </a:ln>
+        </p:spPr>
+        <p:style>
+          <a:lnRef idx="1">
+            <a:schemeClr val="accent1"/>
+          </a:lnRef>
+          <a:fillRef idx="0">
+            <a:schemeClr val="accent1"/>
+          </a:fillRef>
+          <a:effectRef idx="0">
+            <a:schemeClr val="accent1"/>
+          </a:effectRef>
+          <a:fontRef idx="minor">
+            <a:schemeClr val="tx1"/>
+          </a:fontRef>
+        </p:style>
+      </p:cxnSp>
+      <p:sp>
+        <p:nvSpPr>
+          <p:cNvPr id="159" name="Rectangle 62"/>
+          <p:cNvSpPr/>
+          <p:nvPr/>
+        </p:nvSpPr>
+        <p:spPr>
+          <a:xfrm>
+            <a:off x="6574765" y="4724400"/>
+            <a:ext cx="1093641" cy="346760"/>
+          </a:xfrm>
+          <a:prstGeom prst="rect">
+            <a:avLst/>
+          </a:prstGeom>
+          <a:solidFill>
+            <a:srgbClr val="0070C0"/>
+          </a:solidFill>
+          <a:ln w="19050">
+            <a:solidFill>
+              <a:srgbClr val="0070C0"/>
+            </a:solidFill>
+          </a:ln>
+          <a:effectLst/>
+        </p:spPr>
+        <p:style>
+          <a:lnRef idx="1">
+            <a:schemeClr val="accent2"/>
+          </a:lnRef>
+          <a:fillRef idx="2">
+            <a:schemeClr val="accent2"/>
+          </a:fillRef>
+          <a:effectRef idx="1">
+            <a:schemeClr val="accent2"/>
+          </a:effectRef>
+          <a:fontRef idx="minor">
+            <a:schemeClr val="dk1"/>
+          </a:fontRef>
+        </p:style>
+        <p:txBody>
+          <a:bodyPr rtlCol="0" anchor="ctr"/>
+          <a:lstStyle/>
+          <a:p>
+            <a:pPr algn="ctr"/>
+            <a:r>
+              <a:rPr lang="en-US" sz="1050" dirty="0" err="1">
+                <a:solidFill>
+                  <a:schemeClr val="bg1"/>
+                </a:solidFill>
+              </a:rPr>
+              <a:t>result:Command</a:t>
+            </a:r>
+            <a:r>
+              <a:rPr lang="en-US" sz="1050" dirty="0">
+                <a:solidFill>
+                  <a:schemeClr val="bg1"/>
+                </a:solidFill>
+              </a:rPr>
+              <a:t> Result</a:t>
+            </a:r>
+            <a:endParaRPr lang="en-SG" sz="1050" dirty="0">
+              <a:solidFill>
+                <a:schemeClr val="bg1"/>
+              </a:solidFill>
+            </a:endParaRPr>
+          </a:p>
+        </p:txBody>
+      </p:sp>
+      <p:cxnSp>
+        <p:nvCxnSpPr>
+          <p:cNvPr id="166" name="Straight Arrow Connector 165"/>
+          <p:cNvCxnSpPr>
+            <a:endCxn id="159" idx="1"/>
+          </p:cNvCxnSpPr>
+          <p:nvPr/>
+        </p:nvCxnSpPr>
+        <p:spPr>
+          <a:xfrm>
+            <a:off x="6142237" y="4897780"/>
+            <a:ext cx="432529" cy="0"/>
+          </a:xfrm>
+          <a:prstGeom prst="straightConnector1">
+            <a:avLst/>
+          </a:prstGeom>
+          <a:ln>
+            <a:tailEnd type="arrow"/>
+          </a:ln>
+        </p:spPr>
+        <p:style>
+          <a:lnRef idx="1">
+            <a:schemeClr val="accent1"/>
+          </a:lnRef>
+          <a:fillRef idx="0">
+            <a:schemeClr val="accent1"/>
+          </a:fillRef>
+          <a:effectRef idx="0">
+            <a:schemeClr val="accent1"/>
+          </a:effectRef>
+          <a:fontRef idx="minor">
+            <a:schemeClr val="tx1"/>
+          </a:fontRef>
+        </p:style>
+      </p:cxnSp>
+      <p:sp>
+        <p:nvSpPr>
+          <p:cNvPr id="167" name="Rectangle 8"/>
+          <p:cNvSpPr/>
+          <p:nvPr/>
+        </p:nvSpPr>
+        <p:spPr>
+          <a:xfrm flipH="1">
+            <a:off x="7023428" y="5060625"/>
+            <a:ext cx="173285" cy="180056"/>
+          </a:xfrm>
+          <a:prstGeom prst="rect">
+            <a:avLst/>
+          </a:prstGeom>
+          <a:solidFill>
+            <a:srgbClr val="0070C0"/>
+          </a:solidFill>
+          <a:ln w="19050">
+            <a:solidFill>
+              <a:srgbClr val="0070C0"/>
+            </a:solidFill>
+          </a:ln>
+          <a:effectLst/>
+        </p:spPr>
+        <p:style>
+          <a:lnRef idx="1">
+            <a:schemeClr val="accent2"/>
+          </a:lnRef>
+          <a:fillRef idx="2">
+            <a:schemeClr val="accent2"/>
+          </a:fillRef>
+          <a:effectRef idx="1">
+            <a:schemeClr val="accent2"/>
+          </a:effectRef>
+          <a:fontRef idx="minor">
+            <a:schemeClr val="dk1"/>
+          </a:fontRef>
+        </p:style>
+        <p:txBody>
+          <a:bodyPr rtlCol="0" anchor="ctr"/>
+          <a:lstStyle/>
+          <a:p>
+            <a:pPr algn="ctr"/>
+            <a:endParaRPr lang="en-SG" sz="1200" dirty="0">
+              <a:solidFill>
+                <a:schemeClr val="bg1"/>
+              </a:solidFill>
+            </a:endParaRPr>
+          </a:p>
+        </p:txBody>
+      </p:sp>
+      <p:cxnSp>
+        <p:nvCxnSpPr>
+          <p:cNvPr id="169" name="Straight Arrow Connector 168"/>
+          <p:cNvCxnSpPr/>
+          <p:nvPr/>
+        </p:nvCxnSpPr>
+        <p:spPr>
+          <a:xfrm flipH="1">
+            <a:off x="6142237" y="5240681"/>
+            <a:ext cx="979349" cy="0"/>
+          </a:xfrm>
+          <a:prstGeom prst="straightConnector1">
+            <a:avLst/>
+          </a:prstGeom>
+          <a:ln>
+            <a:solidFill>
+              <a:srgbClr val="0070C0"/>
+            </a:solidFill>
+            <a:prstDash val="sysDash"/>
+            <a:tailEnd type="arrow"/>
+          </a:ln>
+        </p:spPr>
+        <p:style>
+          <a:lnRef idx="1">
+            <a:schemeClr val="accent1"/>
+          </a:lnRef>
+          <a:fillRef idx="0">
+            <a:schemeClr val="accent1"/>
+          </a:fillRef>
+          <a:effectRef idx="0">
+            <a:schemeClr val="accent1"/>
+          </a:effectRef>
+          <a:fontRef idx="minor">
+            <a:schemeClr val="tx1"/>
+          </a:fontRef>
+        </p:style>
+      </p:cxnSp>
+      <p:sp>
+        <p:nvSpPr>
+          <p:cNvPr id="49" name="Rectangle 8">
+            <a:extLst>
+              <a:ext uri="{FF2B5EF4-FFF2-40B4-BE49-F238E27FC236}">
+                <a16:creationId xmlns:a16="http://schemas.microsoft.com/office/drawing/2014/main" id="{A59F472E-3A6C-2445-AD28-14BA696E0A6E}"/>
+              </a:ext>
+            </a:extLst>
+          </p:cNvPr>
+          <p:cNvSpPr/>
+          <p:nvPr/>
+        </p:nvSpPr>
+        <p:spPr>
+          <a:xfrm>
+            <a:off x="8170763" y="984111"/>
+            <a:ext cx="1229991" cy="430077"/>
+          </a:xfrm>
+          <a:prstGeom prst="rect">
+            <a:avLst/>
+          </a:prstGeom>
+          <a:solidFill>
+            <a:schemeClr val="accent4">
+              <a:lumMod val="60000"/>
+              <a:lumOff val="40000"/>
+            </a:schemeClr>
+          </a:solidFill>
+          <a:ln w="19050">
+            <a:solidFill>
+              <a:schemeClr val="accent4">
+                <a:lumMod val="60000"/>
+                <a:lumOff val="40000"/>
+              </a:schemeClr>
+            </a:solidFill>
+          </a:ln>
+          <a:effectLst/>
+        </p:spPr>
+        <p:style>
+          <a:lnRef idx="1">
+            <a:schemeClr val="accent2"/>
+          </a:lnRef>
+          <a:fillRef idx="2">
+            <a:schemeClr val="accent2"/>
+          </a:fillRef>
+          <a:effectRef idx="1">
+            <a:schemeClr val="accent2"/>
+          </a:effectRef>
+          <a:fontRef idx="minor">
+            <a:schemeClr val="dk1"/>
+          </a:fontRef>
+        </p:style>
+        <p:txBody>
+          <a:bodyPr rtlCol="0" anchor="ctr"/>
+          <a:lstStyle/>
+          <a:p>
+            <a:pPr algn="ctr"/>
+            <a:r>
+              <a:rPr lang="en-US" sz="1200" dirty="0">
+                <a:solidFill>
+                  <a:schemeClr val="bg1"/>
+                </a:solidFill>
+              </a:rPr>
+              <a:t>:</a:t>
+            </a:r>
+            <a:r>
+              <a:rPr lang="en-US" sz="1200" dirty="0" err="1">
+                <a:solidFill>
+                  <a:schemeClr val="bg1"/>
+                </a:solidFill>
+              </a:rPr>
+              <a:t>StudyView</a:t>
+            </a:r>
+            <a:endParaRPr lang="en-SG" sz="1200" dirty="0">
+              <a:solidFill>
+                <a:schemeClr val="bg1"/>
+              </a:solidFill>
+            </a:endParaRPr>
+          </a:p>
+        </p:txBody>
+      </p:sp>
+      <p:sp>
+        <p:nvSpPr>
+          <p:cNvPr id="60" name="Rectangle 8">
+            <a:extLst>
+              <a:ext uri="{FF2B5EF4-FFF2-40B4-BE49-F238E27FC236}">
+                <a16:creationId xmlns:a16="http://schemas.microsoft.com/office/drawing/2014/main" id="{CDDEF2DC-E2B8-FC45-9E6A-9258C9687CF4}"/>
+              </a:ext>
+            </a:extLst>
+          </p:cNvPr>
+          <p:cNvSpPr/>
+          <p:nvPr/>
+        </p:nvSpPr>
+        <p:spPr>
+          <a:xfrm>
+            <a:off x="8672226" y="3850431"/>
+            <a:ext cx="152399" cy="267376"/>
+          </a:xfrm>
+          <a:prstGeom prst="rect">
+            <a:avLst/>
+          </a:prstGeom>
+          <a:solidFill>
+            <a:schemeClr val="accent4">
+              <a:lumMod val="60000"/>
+              <a:lumOff val="40000"/>
+            </a:schemeClr>
+          </a:solidFill>
+          <a:ln w="19050">
+            <a:solidFill>
+              <a:schemeClr val="accent4">
+                <a:lumMod val="60000"/>
+                <a:lumOff val="40000"/>
+              </a:schemeClr>
+            </a:solidFill>
+          </a:ln>
+          <a:effectLst/>
+        </p:spPr>
+        <p:style>
+          <a:lnRef idx="1">
+            <a:schemeClr val="accent2"/>
+          </a:lnRef>
+          <a:fillRef idx="2">
+            <a:schemeClr val="accent2"/>
+          </a:fillRef>
+          <a:effectRef idx="1">
+            <a:schemeClr val="accent2"/>
+          </a:effectRef>
+          <a:fontRef idx="minor">
+            <a:schemeClr val="dk1"/>
+          </a:fontRef>
+        </p:style>
+        <p:txBody>
+          <a:bodyPr rtlCol="0" anchor="ctr"/>
+          <a:lstStyle/>
+          <a:p>
+            <a:pPr algn="ctr"/>
+            <a:endParaRPr lang="en-SG" sz="1200" dirty="0">
+              <a:solidFill>
+                <a:schemeClr val="bg1"/>
+              </a:solidFill>
+            </a:endParaRPr>
+          </a:p>
+        </p:txBody>
+      </p:sp>
+      <p:cxnSp>
+        <p:nvCxnSpPr>
+          <p:cNvPr id="61" name="Straight Connector 60">
+            <a:extLst>
+              <a:ext uri="{FF2B5EF4-FFF2-40B4-BE49-F238E27FC236}">
+                <a16:creationId xmlns:a16="http://schemas.microsoft.com/office/drawing/2014/main" id="{45B2EF2B-8E1F-9A44-8DB4-7BC427C8C656}"/>
+              </a:ext>
+            </a:extLst>
+          </p:cNvPr>
+          <p:cNvCxnSpPr>
+            <a:cxnSpLocks/>
+            <a:stCxn id="49" idx="2"/>
+            <a:endCxn id="60" idx="0"/>
+          </p:cNvCxnSpPr>
+          <p:nvPr/>
+        </p:nvCxnSpPr>
+        <p:spPr>
+          <a:xfrm flipH="1">
+            <a:off x="8748426" y="1414187"/>
+            <a:ext cx="37333" cy="2436244"/>
+          </a:xfrm>
+          <a:prstGeom prst="line">
+            <a:avLst/>
+          </a:prstGeom>
+          <a:ln>
+            <a:solidFill>
+              <a:schemeClr val="accent4">
+                <a:lumMod val="60000"/>
+                <a:lumOff val="40000"/>
+              </a:schemeClr>
+            </a:solidFill>
+            <a:prstDash val="sysDash"/>
+          </a:ln>
+        </p:spPr>
+        <p:style>
+          <a:lnRef idx="1">
+            <a:schemeClr val="accent1"/>
+          </a:lnRef>
+          <a:fillRef idx="0">
+            <a:schemeClr val="accent1"/>
+          </a:fillRef>
+          <a:effectRef idx="0">
+            <a:schemeClr val="accent1"/>
+          </a:effectRef>
+          <a:fontRef idx="minor">
+            <a:schemeClr val="tx1"/>
+          </a:fontRef>
+        </p:style>
+      </p:cxnSp>
+      <p:cxnSp>
+        <p:nvCxnSpPr>
+          <p:cNvPr id="62" name="Straight Connector 61">
+            <a:extLst>
+              <a:ext uri="{FF2B5EF4-FFF2-40B4-BE49-F238E27FC236}">
+                <a16:creationId xmlns:a16="http://schemas.microsoft.com/office/drawing/2014/main" id="{76E5EABE-8464-B245-874B-EE4449625D28}"/>
+              </a:ext>
+            </a:extLst>
+          </p:cNvPr>
+          <p:cNvCxnSpPr>
+            <a:stCxn id="60" idx="2"/>
+          </p:cNvCxnSpPr>
+          <p:nvPr/>
+        </p:nvCxnSpPr>
+        <p:spPr>
+          <a:xfrm>
+            <a:off x="8748426" y="4117807"/>
+            <a:ext cx="1" cy="1388274"/>
+          </a:xfrm>
+          <a:prstGeom prst="line">
+            <a:avLst/>
+          </a:prstGeom>
+          <a:ln>
+            <a:solidFill>
+              <a:schemeClr val="accent4">
+                <a:lumMod val="60000"/>
+                <a:lumOff val="40000"/>
+              </a:schemeClr>
+            </a:solidFill>
+            <a:prstDash val="sysDash"/>
+          </a:ln>
+        </p:spPr>
+        <p:style>
+          <a:lnRef idx="1">
+            <a:schemeClr val="accent1"/>
+          </a:lnRef>
+          <a:fillRef idx="0">
+            <a:schemeClr val="accent1"/>
+          </a:fillRef>
+          <a:effectRef idx="0">
+            <a:schemeClr val="accent1"/>
+          </a:effectRef>
+          <a:fontRef idx="minor">
+            <a:schemeClr val="tx1"/>
+          </a:fontRef>
+        </p:style>
+      </p:cxnSp>
+      <p:sp>
+        <p:nvSpPr>
+          <p:cNvPr id="65" name="Rectangle 8">
+            <a:extLst>
+              <a:ext uri="{FF2B5EF4-FFF2-40B4-BE49-F238E27FC236}">
+                <a16:creationId xmlns:a16="http://schemas.microsoft.com/office/drawing/2014/main" id="{7DA9F07D-0EE0-EB41-9568-4CF2A589EB1E}"/>
+              </a:ext>
+            </a:extLst>
+          </p:cNvPr>
+          <p:cNvSpPr/>
+          <p:nvPr/>
+        </p:nvSpPr>
+        <p:spPr>
+          <a:xfrm>
+            <a:off x="8672226" y="4288003"/>
+            <a:ext cx="152399" cy="267376"/>
+          </a:xfrm>
+          <a:prstGeom prst="rect">
+            <a:avLst/>
+          </a:prstGeom>
+          <a:solidFill>
+            <a:schemeClr val="accent4">
+              <a:lumMod val="60000"/>
+              <a:lumOff val="40000"/>
+            </a:schemeClr>
+          </a:solidFill>
+          <a:ln w="19050">
+            <a:solidFill>
+              <a:schemeClr val="accent4">
+                <a:lumMod val="60000"/>
+                <a:lumOff val="40000"/>
+              </a:schemeClr>
+            </a:solidFill>
+          </a:ln>
+          <a:effectLst/>
+        </p:spPr>
+        <p:style>
+          <a:lnRef idx="1">
+            <a:schemeClr val="accent2"/>
+          </a:lnRef>
+          <a:fillRef idx="2">
+            <a:schemeClr val="accent2"/>
+          </a:fillRef>
+          <a:effectRef idx="1">
+            <a:schemeClr val="accent2"/>
+          </a:effectRef>
+          <a:fontRef idx="minor">
+            <a:schemeClr val="dk1"/>
+          </a:fontRef>
+        </p:style>
+        <p:txBody>
+          <a:bodyPr rtlCol="0" anchor="ctr"/>
+          <a:lstStyle/>
+          <a:p>
+            <a:pPr algn="ctr"/>
+            <a:endParaRPr lang="en-SG" sz="1200" dirty="0">
+              <a:solidFill>
+                <a:schemeClr val="bg1"/>
+              </a:solidFill>
+            </a:endParaRPr>
+          </a:p>
+        </p:txBody>
+      </p:sp>
+      <p:sp>
+        <p:nvSpPr>
+          <p:cNvPr id="75" name="Rectangle 8">
+            <a:extLst>
+              <a:ext uri="{FF2B5EF4-FFF2-40B4-BE49-F238E27FC236}">
+                <a16:creationId xmlns:a16="http://schemas.microsoft.com/office/drawing/2014/main" id="{6797A8EC-C858-1040-BE8C-6A719C8C2164}"/>
+              </a:ext>
+            </a:extLst>
+          </p:cNvPr>
+          <p:cNvSpPr/>
+          <p:nvPr/>
+        </p:nvSpPr>
+        <p:spPr>
+          <a:xfrm>
+            <a:off x="3365046" y="1225258"/>
+            <a:ext cx="1209241" cy="228601"/>
+          </a:xfrm>
+          <a:prstGeom prst="rect">
+            <a:avLst/>
+          </a:prstGeom>
+          <a:solidFill>
+            <a:srgbClr val="0070C0"/>
+          </a:solidFill>
+          <a:ln w="19050">
+            <a:solidFill>
+              <a:srgbClr val="0070C0"/>
+            </a:solidFill>
+          </a:ln>
+          <a:effectLst/>
+        </p:spPr>
+        <p:style>
+          <a:lnRef idx="1">
+            <a:schemeClr val="accent2"/>
+          </a:lnRef>
+          <a:fillRef idx="2">
+            <a:schemeClr val="accent2"/>
+          </a:fillRef>
+          <a:effectRef idx="1">
+            <a:schemeClr val="accent2"/>
+          </a:effectRef>
+          <a:fontRef idx="minor">
+            <a:schemeClr val="dk1"/>
+          </a:fontRef>
+        </p:style>
+        <p:txBody>
+          <a:bodyPr rtlCol="0" anchor="ctr"/>
+          <a:lstStyle/>
+          <a:p>
+            <a:pPr algn="ctr"/>
+            <a:r>
+              <a:rPr lang="en-US" sz="1000" dirty="0">
+                <a:solidFill>
+                  <a:schemeClr val="bg1"/>
+                </a:solidFill>
+              </a:rPr>
+              <a:t>:</a:t>
+            </a:r>
+            <a:r>
+              <a:rPr lang="en-US" sz="1000" dirty="0" err="1">
+                <a:solidFill>
+                  <a:schemeClr val="bg1"/>
+                </a:solidFill>
+              </a:rPr>
+              <a:t>StudyViewParser</a:t>
+            </a:r>
+            <a:endParaRPr lang="en-SG" sz="1000" dirty="0">
+              <a:solidFill>
+                <a:schemeClr val="bg1"/>
+              </a:solidFill>
+            </a:endParaRPr>
+          </a:p>
+        </p:txBody>
+      </p:sp>
+      <p:sp>
+        <p:nvSpPr>
+          <p:cNvPr id="82" name="Rectangle 8">
+            <a:extLst>
+              <a:ext uri="{FF2B5EF4-FFF2-40B4-BE49-F238E27FC236}">
+                <a16:creationId xmlns:a16="http://schemas.microsoft.com/office/drawing/2014/main" id="{793A708D-20DF-054A-90E4-3C2330E56DF7}"/>
+              </a:ext>
+            </a:extLst>
+          </p:cNvPr>
+          <p:cNvSpPr/>
+          <p:nvPr/>
+        </p:nvSpPr>
+        <p:spPr>
+          <a:xfrm flipH="1">
+            <a:off x="3572972" y="1549466"/>
+            <a:ext cx="161911" cy="1547410"/>
+          </a:xfrm>
+          <a:prstGeom prst="rect">
+            <a:avLst/>
+          </a:prstGeom>
+          <a:solidFill>
+            <a:srgbClr val="0070C0"/>
+          </a:solidFill>
+          <a:ln w="19050">
+            <a:solidFill>
+              <a:srgbClr val="0070C0"/>
+            </a:solidFill>
+          </a:ln>
+          <a:effectLst/>
+        </p:spPr>
+        <p:style>
+          <a:lnRef idx="1">
+            <a:schemeClr val="accent2"/>
+          </a:lnRef>
+          <a:fillRef idx="2">
+            <a:schemeClr val="accent2"/>
+          </a:fillRef>
+          <a:effectRef idx="1">
+            <a:schemeClr val="accent2"/>
+          </a:effectRef>
+          <a:fontRef idx="minor">
+            <a:schemeClr val="dk1"/>
+          </a:fontRef>
+        </p:style>
+        <p:txBody>
+          <a:bodyPr rtlCol="0" anchor="ctr"/>
+          <a:lstStyle/>
+          <a:p>
+            <a:pPr algn="ctr"/>
+            <a:endParaRPr lang="en-SG" sz="1200" dirty="0">
+              <a:solidFill>
+                <a:schemeClr val="bg1"/>
+              </a:solidFill>
+            </a:endParaRPr>
+          </a:p>
+        </p:txBody>
+      </p:sp>
+      <p:cxnSp>
+        <p:nvCxnSpPr>
+          <p:cNvPr id="83" name="Straight Arrow Connector 82">
+            <a:extLst>
+              <a:ext uri="{FF2B5EF4-FFF2-40B4-BE49-F238E27FC236}">
+                <a16:creationId xmlns:a16="http://schemas.microsoft.com/office/drawing/2014/main" id="{4E5F5D16-5F26-274B-B2AC-8BAFC234FDCA}"/>
+              </a:ext>
+            </a:extLst>
+          </p:cNvPr>
+          <p:cNvCxnSpPr>
+            <a:cxnSpLocks/>
+          </p:cNvCxnSpPr>
+          <p:nvPr/>
+        </p:nvCxnSpPr>
+        <p:spPr>
+          <a:xfrm>
+            <a:off x="2620665" y="1827108"/>
+            <a:ext cx="952309" cy="0"/>
+          </a:xfrm>
+          <a:prstGeom prst="straightConnector1">
+            <a:avLst/>
+          </a:prstGeom>
+          <a:ln w="19050">
+            <a:tailEnd type="arrow"/>
+          </a:ln>
+        </p:spPr>
+        <p:style>
+          <a:lnRef idx="1">
+            <a:schemeClr val="accent1"/>
+          </a:lnRef>
+          <a:fillRef idx="0">
+            <a:schemeClr val="accent1"/>
+          </a:fillRef>
+          <a:effectRef idx="0">
+            <a:schemeClr val="accent1"/>
+          </a:effectRef>
+          <a:fontRef idx="minor">
+            <a:schemeClr val="tx1"/>
+          </a:fontRef>
+        </p:style>
+      </p:cxnSp>
+      <p:sp>
+        <p:nvSpPr>
+          <p:cNvPr id="85" name="TextBox 84">
+            <a:extLst>
+              <a:ext uri="{FF2B5EF4-FFF2-40B4-BE49-F238E27FC236}">
+                <a16:creationId xmlns:a16="http://schemas.microsoft.com/office/drawing/2014/main" id="{3A6217D5-30AF-D448-BC5E-892D42151945}"/>
+              </a:ext>
+            </a:extLst>
+          </p:cNvPr>
+          <p:cNvSpPr txBox="1"/>
+          <p:nvPr/>
+        </p:nvSpPr>
+        <p:spPr>
+          <a:xfrm>
+            <a:off x="2580964" y="1641228"/>
+            <a:ext cx="1066318" cy="215444"/>
+          </a:xfrm>
+          <a:prstGeom prst="rect">
+            <a:avLst/>
+          </a:prstGeom>
+          <a:noFill/>
+          <a:ln>
+            <a:noFill/>
+          </a:ln>
+        </p:spPr>
+        <p:txBody>
+          <a:bodyPr wrap="none" rtlCol="0">
+            <a:spAutoFit/>
+          </a:bodyPr>
+          <a:lstStyle/>
+          <a:p>
+            <a:r>
+              <a:rPr lang="en-US" sz="800" dirty="0">
+                <a:solidFill>
+                  <a:srgbClr val="0070C0"/>
+                </a:solidFill>
+              </a:rPr>
+              <a:t>parse(“John”, “F. K.”)</a:t>
+            </a:r>
+          </a:p>
+        </p:txBody>
+      </p:sp>
+      <p:cxnSp>
+        <p:nvCxnSpPr>
+          <p:cNvPr id="86" name="Straight Connector 85">
+            <a:extLst>
+              <a:ext uri="{FF2B5EF4-FFF2-40B4-BE49-F238E27FC236}">
+                <a16:creationId xmlns:a16="http://schemas.microsoft.com/office/drawing/2014/main" id="{B93543B7-3CE2-774D-A224-6F85BDE839D0}"/>
+              </a:ext>
+            </a:extLst>
+          </p:cNvPr>
+          <p:cNvCxnSpPr>
+            <a:cxnSpLocks/>
+            <a:endCxn id="82" idx="0"/>
+          </p:cNvCxnSpPr>
+          <p:nvPr/>
+        </p:nvCxnSpPr>
+        <p:spPr>
+          <a:xfrm>
+            <a:off x="3647281" y="1414188"/>
+            <a:ext cx="6644" cy="135279"/>
+          </a:xfrm>
+          <a:prstGeom prst="line">
+            <a:avLst/>
+          </a:prstGeom>
+          <a:ln>
+            <a:prstDash val="sysDash"/>
+          </a:ln>
+        </p:spPr>
+        <p:style>
+          <a:lnRef idx="1">
+            <a:schemeClr val="accent1"/>
+          </a:lnRef>
+          <a:fillRef idx="0">
+            <a:schemeClr val="accent1"/>
+          </a:fillRef>
+          <a:effectRef idx="0">
+            <a:schemeClr val="accent1"/>
+          </a:effectRef>
+          <a:fontRef idx="minor">
+            <a:schemeClr val="tx1"/>
+          </a:fontRef>
+        </p:style>
+      </p:cxnSp>
+      <p:sp>
+        <p:nvSpPr>
+          <p:cNvPr id="87" name="TextBox 86">
+            <a:extLst>
+              <a:ext uri="{FF2B5EF4-FFF2-40B4-BE49-F238E27FC236}">
+                <a16:creationId xmlns:a16="http://schemas.microsoft.com/office/drawing/2014/main" id="{1303F750-8A1F-3946-991F-6783EF0C0248}"/>
+              </a:ext>
+            </a:extLst>
+          </p:cNvPr>
+          <p:cNvSpPr txBox="1"/>
+          <p:nvPr/>
+        </p:nvSpPr>
+        <p:spPr>
+          <a:xfrm>
+            <a:off x="3808454" y="2236948"/>
+            <a:ext cx="1140495" cy="215444"/>
+          </a:xfrm>
+          <a:prstGeom prst="rect">
+            <a:avLst/>
+          </a:prstGeom>
+          <a:noFill/>
+          <a:ln>
+            <a:noFill/>
+          </a:ln>
+        </p:spPr>
+        <p:txBody>
+          <a:bodyPr wrap="square" rtlCol="0">
+            <a:spAutoFit/>
+          </a:bodyPr>
+          <a:lstStyle/>
+          <a:p>
+            <a:r>
+              <a:rPr lang="en-US" sz="800" dirty="0">
+                <a:solidFill>
+                  <a:srgbClr val="0070C0"/>
+                </a:solidFill>
+              </a:rPr>
+              <a:t>parse(“John F. K.”)</a:t>
+            </a:r>
+          </a:p>
+        </p:txBody>
+      </p:sp>
+      <p:sp>
+        <p:nvSpPr>
+          <p:cNvPr id="27" name="Rectangle 26">
+            <a:extLst>
+              <a:ext uri="{FF2B5EF4-FFF2-40B4-BE49-F238E27FC236}">
+                <a16:creationId xmlns:a16="http://schemas.microsoft.com/office/drawing/2014/main" id="{873CA403-E43F-1043-B1F0-15EC5C22493C}"/>
+              </a:ext>
+            </a:extLst>
+          </p:cNvPr>
+          <p:cNvSpPr/>
+          <p:nvPr/>
+        </p:nvSpPr>
+        <p:spPr>
+          <a:xfrm>
+            <a:off x="3572972" y="1589139"/>
+            <a:ext cx="6246511" cy="3755185"/>
+          </a:xfrm>
+          <a:prstGeom prst="rect">
+            <a:avLst/>
+          </a:prstGeom>
+          <a:noFill/>
+          <a:ln w="19050"/>
+        </p:spPr>
+        <p:style>
+          <a:lnRef idx="2">
+            <a:schemeClr val="accent1">
+              <a:shade val="50000"/>
+            </a:schemeClr>
+          </a:lnRef>
+          <a:fillRef idx="1">
+            <a:schemeClr val="accent1"/>
+          </a:fillRef>
+          <a:effectRef idx="0">
+            <a:schemeClr val="accent1"/>
+          </a:effectRef>
+          <a:fontRef idx="minor">
+            <a:schemeClr val="lt1"/>
+          </a:fontRef>
+        </p:style>
+        <p:txBody>
+          <a:bodyPr rtlCol="0" anchor="ctr"/>
+          <a:lstStyle/>
+          <a:p>
+            <a:pPr algn="ctr"/>
+            <a:endParaRPr lang="en-US"/>
+          </a:p>
+        </p:txBody>
+      </p:sp>
+      <p:cxnSp>
+        <p:nvCxnSpPr>
+          <p:cNvPr id="88" name="Straight Arrow Connector 87">
+            <a:extLst>
+              <a:ext uri="{FF2B5EF4-FFF2-40B4-BE49-F238E27FC236}">
+                <a16:creationId xmlns:a16="http://schemas.microsoft.com/office/drawing/2014/main" id="{CA9B0F67-8A19-BE4B-AA51-B5CAB16CD827}"/>
+              </a:ext>
+            </a:extLst>
+          </p:cNvPr>
+          <p:cNvCxnSpPr>
+            <a:cxnSpLocks/>
+          </p:cNvCxnSpPr>
+          <p:nvPr/>
+        </p:nvCxnSpPr>
+        <p:spPr>
+          <a:xfrm>
+            <a:off x="6151487" y="3886200"/>
+            <a:ext cx="2520739" cy="0"/>
+          </a:xfrm>
+          <a:prstGeom prst="straightConnector1">
+            <a:avLst/>
+          </a:prstGeom>
+          <a:ln>
+            <a:tailEnd type="arrow"/>
+          </a:ln>
+        </p:spPr>
+        <p:style>
+          <a:lnRef idx="1">
+            <a:schemeClr val="accent1"/>
+          </a:lnRef>
+          <a:fillRef idx="0">
+            <a:schemeClr val="accent1"/>
+          </a:fillRef>
+          <a:effectRef idx="0">
+            <a:schemeClr val="accent1"/>
+          </a:effectRef>
+          <a:fontRef idx="minor">
+            <a:schemeClr val="tx1"/>
+          </a:fontRef>
+        </p:style>
+      </p:cxnSp>
+      <p:cxnSp>
+        <p:nvCxnSpPr>
+          <p:cNvPr id="89" name="Straight Arrow Connector 88">
+            <a:extLst>
+              <a:ext uri="{FF2B5EF4-FFF2-40B4-BE49-F238E27FC236}">
+                <a16:creationId xmlns:a16="http://schemas.microsoft.com/office/drawing/2014/main" id="{7AB8C0F8-4F39-0C4C-8CC9-6D4FD1B57738}"/>
+              </a:ext>
+            </a:extLst>
+          </p:cNvPr>
+          <p:cNvCxnSpPr>
+            <a:cxnSpLocks/>
+            <a:stCxn id="60" idx="2"/>
+          </p:cNvCxnSpPr>
+          <p:nvPr/>
+        </p:nvCxnSpPr>
+        <p:spPr>
+          <a:xfrm flipH="1">
+            <a:off x="6163984" y="4117807"/>
+            <a:ext cx="2584440" cy="0"/>
+          </a:xfrm>
+          <a:prstGeom prst="straightConnector1">
+            <a:avLst/>
+          </a:prstGeom>
+          <a:ln>
+            <a:solidFill>
+              <a:schemeClr val="accent4">
+                <a:lumMod val="60000"/>
+                <a:lumOff val="40000"/>
+              </a:schemeClr>
+            </a:solidFill>
+            <a:prstDash val="sysDash"/>
+            <a:tailEnd type="arrow"/>
+          </a:ln>
+        </p:spPr>
+        <p:style>
+          <a:lnRef idx="1">
+            <a:schemeClr val="accent1"/>
+          </a:lnRef>
+          <a:fillRef idx="0">
+            <a:schemeClr val="accent1"/>
+          </a:fillRef>
+          <a:effectRef idx="0">
+            <a:schemeClr val="accent1"/>
+          </a:effectRef>
+          <a:fontRef idx="minor">
+            <a:schemeClr val="tx1"/>
+          </a:fontRef>
+        </p:style>
+      </p:cxnSp>
+      <p:sp>
+        <p:nvSpPr>
+          <p:cNvPr id="92" name="TextBox 91">
+            <a:extLst>
+              <a:ext uri="{FF2B5EF4-FFF2-40B4-BE49-F238E27FC236}">
+                <a16:creationId xmlns:a16="http://schemas.microsoft.com/office/drawing/2014/main" id="{38A3E351-DA5C-654F-A77B-092FB2D8A3D0}"/>
+              </a:ext>
+            </a:extLst>
+          </p:cNvPr>
+          <p:cNvSpPr txBox="1"/>
+          <p:nvPr/>
+        </p:nvSpPr>
+        <p:spPr>
+          <a:xfrm>
+            <a:off x="6930992" y="3668732"/>
+            <a:ext cx="1503598" cy="230832"/>
+          </a:xfrm>
+          <a:prstGeom prst="rect">
+            <a:avLst/>
+          </a:prstGeom>
+          <a:noFill/>
+          <a:ln>
+            <a:noFill/>
+          </a:ln>
+        </p:spPr>
+        <p:txBody>
+          <a:bodyPr wrap="square" rtlCol="0">
+            <a:spAutoFit/>
+          </a:bodyPr>
+          <a:lstStyle/>
+          <a:p>
+            <a:r>
+              <a:rPr lang="en-US" sz="900" dirty="0" err="1">
+                <a:solidFill>
+                  <a:schemeClr val="accent4"/>
+                </a:solidFill>
+              </a:rPr>
+              <a:t>setUserAnswer</a:t>
+            </a:r>
+            <a:r>
+              <a:rPr lang="en-US" sz="900" dirty="0">
+                <a:solidFill>
+                  <a:schemeClr val="accent4"/>
+                </a:solidFill>
+              </a:rPr>
+              <a:t>(”John F. K”)</a:t>
+            </a:r>
+          </a:p>
+        </p:txBody>
+      </p:sp>
+      <p:cxnSp>
+        <p:nvCxnSpPr>
+          <p:cNvPr id="111" name="Straight Arrow Connector 110">
+            <a:extLst>
+              <a:ext uri="{FF2B5EF4-FFF2-40B4-BE49-F238E27FC236}">
+                <a16:creationId xmlns:a16="http://schemas.microsoft.com/office/drawing/2014/main" id="{586DC224-59C7-9E45-A8D4-45463E1F2887}"/>
+              </a:ext>
+            </a:extLst>
+          </p:cNvPr>
+          <p:cNvCxnSpPr>
+            <a:cxnSpLocks/>
+          </p:cNvCxnSpPr>
+          <p:nvPr/>
+        </p:nvCxnSpPr>
+        <p:spPr>
+          <a:xfrm flipH="1">
+            <a:off x="2574342" y="2987012"/>
+            <a:ext cx="992193" cy="0"/>
+          </a:xfrm>
+          <a:prstGeom prst="straightConnector1">
+            <a:avLst/>
+          </a:prstGeom>
+          <a:ln>
+            <a:prstDash val="sysDash"/>
+            <a:tailEnd type="arrow"/>
+          </a:ln>
+        </p:spPr>
+        <p:style>
+          <a:lnRef idx="1">
+            <a:schemeClr val="accent1"/>
+          </a:lnRef>
+          <a:fillRef idx="0">
+            <a:schemeClr val="accent1"/>
+          </a:fillRef>
+          <a:effectRef idx="0">
+            <a:schemeClr val="accent1"/>
+          </a:effectRef>
+          <a:fontRef idx="minor">
+            <a:schemeClr val="tx1"/>
+          </a:fontRef>
+        </p:style>
+      </p:cxnSp>
+      <p:sp>
+        <p:nvSpPr>
+          <p:cNvPr id="112" name="TextBox 111">
+            <a:extLst>
+              <a:ext uri="{FF2B5EF4-FFF2-40B4-BE49-F238E27FC236}">
+                <a16:creationId xmlns:a16="http://schemas.microsoft.com/office/drawing/2014/main" id="{0E8BA27E-0C04-A847-9E1F-ADB7971D7138}"/>
+              </a:ext>
+            </a:extLst>
+          </p:cNvPr>
+          <p:cNvSpPr txBox="1"/>
+          <p:nvPr/>
+        </p:nvSpPr>
+        <p:spPr>
+          <a:xfrm>
+            <a:off x="2825841" y="2772752"/>
+            <a:ext cx="258404" cy="261610"/>
+          </a:xfrm>
+          <a:prstGeom prst="rect">
+            <a:avLst/>
+          </a:prstGeom>
+          <a:noFill/>
+          <a:ln>
+            <a:noFill/>
+          </a:ln>
+        </p:spPr>
+        <p:txBody>
+          <a:bodyPr wrap="square" rtlCol="0">
+            <a:spAutoFit/>
+          </a:bodyPr>
+          <a:lstStyle/>
+          <a:p>
+            <a:r>
+              <a:rPr lang="en-US" sz="1100" dirty="0">
+                <a:solidFill>
+                  <a:srgbClr val="0070C0"/>
+                </a:solidFill>
+              </a:rPr>
+              <a:t>g</a:t>
+            </a:r>
+            <a:endParaRPr lang="en-US" sz="1400" dirty="0">
+              <a:solidFill>
+                <a:srgbClr val="0070C0"/>
+              </a:solidFill>
+            </a:endParaRPr>
+          </a:p>
+        </p:txBody>
+      </p:sp>
+      <p:sp>
+        <p:nvSpPr>
+          <p:cNvPr id="90" name="Snip and Round Single Corner Rectangle 89">
+            <a:extLst>
+              <a:ext uri="{FF2B5EF4-FFF2-40B4-BE49-F238E27FC236}">
+                <a16:creationId xmlns:a16="http://schemas.microsoft.com/office/drawing/2014/main" id="{4AB6165D-0C7C-1041-B4CE-BB810AE7AE1A}"/>
+              </a:ext>
+            </a:extLst>
+          </p:cNvPr>
+          <p:cNvSpPr/>
+          <p:nvPr/>
+        </p:nvSpPr>
+        <p:spPr>
+          <a:xfrm rot="10800000" flipH="1">
+            <a:off x="3572972" y="1591090"/>
+            <a:ext cx="409639" cy="307875"/>
+          </a:xfrm>
+          <a:prstGeom prst="snipRoundRect">
+            <a:avLst/>
+          </a:prstGeom>
+          <a:noFill/>
+        </p:spPr>
+        <p:style>
+          <a:lnRef idx="2">
+            <a:schemeClr val="accent1">
+              <a:shade val="50000"/>
+            </a:schemeClr>
+          </a:lnRef>
+          <a:fillRef idx="1">
+            <a:schemeClr val="accent1"/>
+          </a:fillRef>
+          <a:effectRef idx="0">
+            <a:schemeClr val="accent1"/>
+          </a:effectRef>
+          <a:fontRef idx="minor">
+            <a:schemeClr val="lt1"/>
+          </a:fontRef>
+        </p:style>
+        <p:txBody>
+          <a:bodyPr rtlCol="0" anchor="ctr"/>
+          <a:lstStyle/>
+          <a:p>
+            <a:pPr algn="ctr"/>
+            <a:endParaRPr lang="en-US"/>
+          </a:p>
+        </p:txBody>
+      </p:sp>
+      <p:sp>
+        <p:nvSpPr>
+          <p:cNvPr id="97" name="TextBox 96">
+            <a:extLst>
+              <a:ext uri="{FF2B5EF4-FFF2-40B4-BE49-F238E27FC236}">
+                <a16:creationId xmlns:a16="http://schemas.microsoft.com/office/drawing/2014/main" id="{A23D1445-FFBA-7F43-A132-3A1DA0DC78B6}"/>
+              </a:ext>
+            </a:extLst>
+          </p:cNvPr>
+          <p:cNvSpPr txBox="1"/>
+          <p:nvPr/>
+        </p:nvSpPr>
+        <p:spPr>
+          <a:xfrm>
+            <a:off x="3949292" y="1623309"/>
+            <a:ext cx="1957160" cy="369332"/>
+          </a:xfrm>
+          <a:prstGeom prst="rect">
+            <a:avLst/>
+          </a:prstGeom>
+          <a:noFill/>
+        </p:spPr>
+        <p:txBody>
+          <a:bodyPr wrap="square" rtlCol="0">
+            <a:spAutoFit/>
+          </a:bodyPr>
+          <a:lstStyle/>
+          <a:p>
+            <a:r>
+              <a:rPr lang="en-US" sz="900" dirty="0">
+                <a:solidFill>
+                  <a:schemeClr val="tx2">
+                    <a:lumMod val="75000"/>
+                  </a:schemeClr>
+                </a:solidFill>
+              </a:rPr>
+              <a:t>[not preset commands]</a:t>
+            </a:r>
+          </a:p>
+          <a:p>
+            <a:r>
+              <a:rPr lang="en-US" sz="900" dirty="0">
+                <a:solidFill>
+                  <a:schemeClr val="tx2">
+                    <a:lumMod val="75000"/>
+                  </a:schemeClr>
+                </a:solidFill>
+              </a:rPr>
+              <a:t>[</a:t>
+            </a:r>
+            <a:r>
+              <a:rPr lang="en-US" sz="900" dirty="0" err="1">
+                <a:solidFill>
+                  <a:schemeClr val="tx2">
+                    <a:lumMod val="75000"/>
+                  </a:schemeClr>
+                </a:solidFill>
+              </a:rPr>
+              <a:t>this.studyView.isInQuestionState</a:t>
+            </a:r>
+            <a:r>
+              <a:rPr lang="en-US" sz="900" dirty="0">
+                <a:solidFill>
+                  <a:schemeClr val="tx2">
+                    <a:lumMod val="75000"/>
+                  </a:schemeClr>
+                </a:solidFill>
+              </a:rPr>
+              <a:t>()]</a:t>
+            </a:r>
+          </a:p>
+        </p:txBody>
+      </p:sp>
+      <p:sp>
+        <p:nvSpPr>
+          <p:cNvPr id="127" name="TextBox 126">
+            <a:extLst>
+              <a:ext uri="{FF2B5EF4-FFF2-40B4-BE49-F238E27FC236}">
+                <a16:creationId xmlns:a16="http://schemas.microsoft.com/office/drawing/2014/main" id="{367C14E6-7B10-CE4E-9D5E-28EE4CF85B53}"/>
+              </a:ext>
+            </a:extLst>
+          </p:cNvPr>
+          <p:cNvSpPr txBox="1"/>
+          <p:nvPr/>
+        </p:nvSpPr>
+        <p:spPr>
+          <a:xfrm>
+            <a:off x="3582994" y="1629613"/>
+            <a:ext cx="352001" cy="230832"/>
+          </a:xfrm>
+          <a:prstGeom prst="rect">
+            <a:avLst/>
+          </a:prstGeom>
+          <a:noFill/>
+        </p:spPr>
+        <p:txBody>
+          <a:bodyPr wrap="square" rtlCol="0">
+            <a:spAutoFit/>
+          </a:bodyPr>
+          <a:lstStyle/>
+          <a:p>
+            <a:r>
+              <a:rPr lang="en-US" sz="900" dirty="0">
+                <a:solidFill>
+                  <a:schemeClr val="tx2">
+                    <a:lumMod val="75000"/>
+                  </a:schemeClr>
+                </a:solidFill>
+              </a:rPr>
+              <a:t>opt</a:t>
+            </a:r>
+          </a:p>
+        </p:txBody>
+      </p:sp>
+      <p:cxnSp>
+        <p:nvCxnSpPr>
+          <p:cNvPr id="130" name="Straight Arrow Connector 129">
+            <a:extLst>
+              <a:ext uri="{FF2B5EF4-FFF2-40B4-BE49-F238E27FC236}">
+                <a16:creationId xmlns:a16="http://schemas.microsoft.com/office/drawing/2014/main" id="{439F2EF1-C89D-0744-8A67-B902DF4C6E7B}"/>
+              </a:ext>
+            </a:extLst>
+          </p:cNvPr>
+          <p:cNvCxnSpPr>
+            <a:cxnSpLocks/>
+          </p:cNvCxnSpPr>
+          <p:nvPr/>
+        </p:nvCxnSpPr>
+        <p:spPr>
+          <a:xfrm>
+            <a:off x="6163984" y="4343400"/>
+            <a:ext cx="2508240" cy="0"/>
+          </a:xfrm>
+          <a:prstGeom prst="straightConnector1">
+            <a:avLst/>
+          </a:prstGeom>
+          <a:ln>
+            <a:tailEnd type="arrow"/>
+          </a:ln>
+        </p:spPr>
+        <p:style>
+          <a:lnRef idx="1">
+            <a:schemeClr val="accent1"/>
+          </a:lnRef>
+          <a:fillRef idx="0">
+            <a:schemeClr val="accent1"/>
+          </a:fillRef>
+          <a:effectRef idx="0">
+            <a:schemeClr val="accent1"/>
+          </a:effectRef>
+          <a:fontRef idx="minor">
+            <a:schemeClr val="tx1"/>
+          </a:fontRef>
+        </p:style>
+      </p:cxnSp>
+      <p:cxnSp>
+        <p:nvCxnSpPr>
+          <p:cNvPr id="131" name="Straight Arrow Connector 130">
+            <a:extLst>
+              <a:ext uri="{FF2B5EF4-FFF2-40B4-BE49-F238E27FC236}">
+                <a16:creationId xmlns:a16="http://schemas.microsoft.com/office/drawing/2014/main" id="{DA0B23B8-2297-CD40-96DE-ADDA7DEC0C0E}"/>
+              </a:ext>
+            </a:extLst>
+          </p:cNvPr>
+          <p:cNvCxnSpPr>
+            <a:cxnSpLocks/>
+            <a:stCxn id="65" idx="2"/>
+          </p:cNvCxnSpPr>
+          <p:nvPr/>
+        </p:nvCxnSpPr>
+        <p:spPr>
+          <a:xfrm flipH="1">
+            <a:off x="6163984" y="4555379"/>
+            <a:ext cx="2584440" cy="0"/>
+          </a:xfrm>
+          <a:prstGeom prst="straightConnector1">
+            <a:avLst/>
+          </a:prstGeom>
+          <a:ln>
+            <a:solidFill>
+              <a:schemeClr val="accent4">
+                <a:lumMod val="60000"/>
+                <a:lumOff val="40000"/>
+              </a:schemeClr>
+            </a:solidFill>
+            <a:prstDash val="sysDash"/>
+            <a:tailEnd type="arrow"/>
+          </a:ln>
+        </p:spPr>
+        <p:style>
+          <a:lnRef idx="1">
+            <a:schemeClr val="accent1"/>
+          </a:lnRef>
+          <a:fillRef idx="0">
+            <a:schemeClr val="accent1"/>
+          </a:fillRef>
+          <a:effectRef idx="0">
+            <a:schemeClr val="accent1"/>
+          </a:effectRef>
+          <a:fontRef idx="minor">
+            <a:schemeClr val="tx1"/>
+          </a:fontRef>
+        </p:style>
+      </p:cxnSp>
+      <p:sp>
+        <p:nvSpPr>
+          <p:cNvPr id="132" name="TextBox 131">
+            <a:extLst>
+              <a:ext uri="{FF2B5EF4-FFF2-40B4-BE49-F238E27FC236}">
+                <a16:creationId xmlns:a16="http://schemas.microsoft.com/office/drawing/2014/main" id="{385ADB19-8E8E-3B43-9B10-EAD713F11F90}"/>
+              </a:ext>
+            </a:extLst>
+          </p:cNvPr>
+          <p:cNvSpPr txBox="1"/>
+          <p:nvPr/>
+        </p:nvSpPr>
+        <p:spPr>
+          <a:xfrm>
+            <a:off x="6971418" y="4135499"/>
+            <a:ext cx="1393232" cy="230832"/>
+          </a:xfrm>
+          <a:prstGeom prst="rect">
+            <a:avLst/>
+          </a:prstGeom>
+          <a:noFill/>
+          <a:ln>
+            <a:noFill/>
+          </a:ln>
+        </p:spPr>
+        <p:txBody>
+          <a:bodyPr wrap="square" rtlCol="0">
+            <a:spAutoFit/>
+          </a:bodyPr>
+          <a:lstStyle/>
+          <a:p>
+            <a:r>
+              <a:rPr lang="en-US" sz="900" dirty="0" err="1">
+                <a:solidFill>
+                  <a:schemeClr val="accent4"/>
+                </a:solidFill>
+              </a:rPr>
+              <a:t>setStudyState</a:t>
+            </a:r>
+            <a:r>
+              <a:rPr lang="en-US" sz="900" dirty="0">
+                <a:solidFill>
+                  <a:schemeClr val="accent4"/>
+                </a:solidFill>
+              </a:rPr>
+              <a:t>(ANSWER)</a:t>
+            </a:r>
+          </a:p>
+        </p:txBody>
+      </p:sp>
+    </p:spTree>
+    <p:extLst>
+      <p:ext uri="{BB962C8B-B14F-4D97-AF65-F5344CB8AC3E}">
+        <p14:creationId xmlns:p14="http://schemas.microsoft.com/office/powerpoint/2010/main" val="769714606"/>
+      </p:ext>
+    </p:extLst>
+  </p:cSld>
+  <p:clrMapOvr>
+    <a:masterClrMapping/>
+  </p:clrMapOvr>
+</p:sld>
+</file>
+
+<file path=ppt/slides/slide3.xml><?xml version="1.0" encoding="utf-8"?>
+<p:sld xmlns:a="http://schemas.openxmlformats.org/drawingml/2006/main" xmlns:r="http://schemas.openxmlformats.org/officeDocument/2006/relationships" xmlns:p="http://schemas.openxmlformats.org/presentationml/2006/main">
+  <p:cSld>
+    <p:spTree>
+      <p:nvGrpSpPr>
+        <p:cNvPr id="1" name=""/>
+        <p:cNvGrpSpPr/>
+        <p:nvPr/>
+      </p:nvGrpSpPr>
+      <p:grpSpPr>
+        <a:xfrm>
+          <a:off x="0" y="0"/>
+          <a:ext cx="0" cy="0"/>
+          <a:chOff x="0" y="0"/>
+          <a:chExt cx="0" cy="0"/>
+        </a:xfrm>
+      </p:grpSpPr>
+      <p:sp>
+        <p:nvSpPr>
+          <p:cNvPr id="2" name="Rectangle 65"/>
+          <p:cNvSpPr/>
+          <p:nvPr/>
+        </p:nvSpPr>
+        <p:spPr>
+          <a:xfrm>
+            <a:off x="294481" y="914400"/>
+            <a:ext cx="6601480" cy="5257800"/>
+          </a:xfrm>
+          <a:prstGeom prst="roundRect">
+            <a:avLst>
+              <a:gd name="adj" fmla="val 3484"/>
+            </a:avLst>
+          </a:prstGeom>
+          <a:solidFill>
+            <a:schemeClr val="accent1">
+              <a:lumMod val="20000"/>
+              <a:lumOff val="80000"/>
+            </a:schemeClr>
+          </a:solidFill>
+          <a:ln w="19050">
+            <a:noFill/>
+          </a:ln>
+          <a:effectLst/>
+        </p:spPr>
+        <p:style>
+          <a:lnRef idx="1">
+            <a:schemeClr val="accent2"/>
+          </a:lnRef>
+          <a:fillRef idx="2">
+            <a:schemeClr val="accent2"/>
+          </a:fillRef>
+          <a:effectRef idx="1">
+            <a:schemeClr val="accent2"/>
+          </a:effectRef>
+          <a:fontRef idx="minor">
+            <a:schemeClr val="dk1"/>
+          </a:fontRef>
+        </p:style>
+        <p:txBody>
+          <a:bodyPr rtlCol="0" anchor="t"/>
+          <a:lstStyle/>
+          <a:p>
+            <a:r>
+              <a:rPr lang="en-SG" sz="1200" b="1" dirty="0" err="1">
+                <a:solidFill>
+                  <a:srgbClr val="0070C0"/>
+                </a:solidFill>
+              </a:rPr>
+              <a:t>GenerateQuestion</a:t>
+            </a:r>
+            <a:endParaRPr lang="en-SG" sz="1200" b="1" dirty="0">
+              <a:solidFill>
+                <a:srgbClr val="0070C0"/>
+              </a:solidFill>
+            </a:endParaRPr>
+          </a:p>
+        </p:txBody>
+      </p:sp>
+      <p:sp>
+        <p:nvSpPr>
+          <p:cNvPr id="3" name="Rectangle 8"/>
+          <p:cNvSpPr/>
+          <p:nvPr/>
+        </p:nvSpPr>
+        <p:spPr>
+          <a:xfrm>
+            <a:off x="337471" y="1239747"/>
+            <a:ext cx="1013367" cy="259999"/>
+          </a:xfrm>
+          <a:prstGeom prst="rect">
+            <a:avLst/>
+          </a:prstGeom>
+          <a:solidFill>
+            <a:srgbClr val="0070C0"/>
+          </a:solidFill>
+          <a:ln w="19050">
+            <a:solidFill>
+              <a:srgbClr val="0070C0"/>
+            </a:solidFill>
+          </a:ln>
+          <a:effectLst/>
+        </p:spPr>
+        <p:style>
+          <a:lnRef idx="1">
+            <a:schemeClr val="accent2"/>
+          </a:lnRef>
+          <a:fillRef idx="2">
+            <a:schemeClr val="accent2"/>
+          </a:fillRef>
+          <a:effectRef idx="1">
+            <a:schemeClr val="accent2"/>
+          </a:effectRef>
+          <a:fontRef idx="minor">
+            <a:schemeClr val="dk1"/>
+          </a:fontRef>
+        </p:style>
+        <p:txBody>
+          <a:bodyPr rtlCol="0" anchor="ctr"/>
+          <a:lstStyle/>
+          <a:p>
+            <a:pPr algn="ctr"/>
+            <a:r>
+              <a:rPr lang="en-US" sz="1000" dirty="0">
+                <a:solidFill>
+                  <a:schemeClr val="bg1"/>
+                </a:solidFill>
+              </a:rPr>
+              <a:t>:</a:t>
+            </a:r>
+            <a:r>
+              <a:rPr lang="en-US" sz="1000" dirty="0" err="1">
+                <a:solidFill>
+                  <a:schemeClr val="bg1"/>
+                </a:solidFill>
+              </a:rPr>
+              <a:t>LogicManager</a:t>
+            </a:r>
+            <a:endParaRPr lang="en-SG" sz="1000" dirty="0">
+              <a:solidFill>
+                <a:schemeClr val="bg1"/>
+              </a:solidFill>
+            </a:endParaRPr>
+          </a:p>
+        </p:txBody>
+      </p:sp>
+      <p:sp>
+        <p:nvSpPr>
+          <p:cNvPr id="59" name="Rectangle 8"/>
+          <p:cNvSpPr/>
+          <p:nvPr/>
+        </p:nvSpPr>
+        <p:spPr>
+          <a:xfrm>
+            <a:off x="1435250" y="1219200"/>
+            <a:ext cx="1081155" cy="243122"/>
+          </a:xfrm>
+          <a:prstGeom prst="rect">
+            <a:avLst/>
+          </a:prstGeom>
+          <a:solidFill>
+            <a:srgbClr val="0070C0"/>
+          </a:solidFill>
+          <a:ln w="19050">
+            <a:solidFill>
+              <a:srgbClr val="0070C0"/>
+            </a:solidFill>
+          </a:ln>
+          <a:effectLst/>
+        </p:spPr>
+        <p:style>
+          <a:lnRef idx="1">
+            <a:schemeClr val="accent2"/>
+          </a:lnRef>
+          <a:fillRef idx="2">
+            <a:schemeClr val="accent2"/>
+          </a:fillRef>
+          <a:effectRef idx="1">
+            <a:schemeClr val="accent2"/>
+          </a:effectRef>
+          <a:fontRef idx="minor">
+            <a:schemeClr val="dk1"/>
+          </a:fontRef>
+        </p:style>
+        <p:txBody>
+          <a:bodyPr rtlCol="0" anchor="ctr"/>
+          <a:lstStyle/>
+          <a:p>
+            <a:pPr algn="ctr"/>
+            <a:r>
+              <a:rPr lang="en-US" sz="1000" dirty="0">
+                <a:solidFill>
+                  <a:schemeClr val="bg1"/>
+                </a:solidFill>
+              </a:rPr>
+              <a:t>:</a:t>
+            </a:r>
+            <a:r>
+              <a:rPr lang="en-US" sz="1000" dirty="0" err="1">
+                <a:solidFill>
+                  <a:schemeClr val="bg1"/>
+                </a:solidFill>
+              </a:rPr>
+              <a:t>TopDeckParser</a:t>
+            </a:r>
+            <a:endParaRPr lang="en-SG" sz="1000" dirty="0">
+              <a:solidFill>
+                <a:schemeClr val="bg1"/>
+              </a:solidFill>
+            </a:endParaRPr>
+          </a:p>
+        </p:txBody>
+      </p:sp>
+      <p:sp>
+        <p:nvSpPr>
+          <p:cNvPr id="63" name="Rectangle 8"/>
+          <p:cNvSpPr/>
+          <p:nvPr/>
+        </p:nvSpPr>
+        <p:spPr>
+          <a:xfrm flipH="1">
+            <a:off x="722049" y="1827110"/>
+            <a:ext cx="181640" cy="3517212"/>
+          </a:xfrm>
+          <a:prstGeom prst="rect">
+            <a:avLst/>
+          </a:prstGeom>
+          <a:solidFill>
+            <a:srgbClr val="0070C0"/>
+          </a:solidFill>
+          <a:ln w="19050">
+            <a:solidFill>
+              <a:srgbClr val="0070C0"/>
+            </a:solidFill>
+          </a:ln>
+          <a:effectLst/>
+        </p:spPr>
+        <p:style>
+          <a:lnRef idx="1">
+            <a:schemeClr val="accent2"/>
+          </a:lnRef>
+          <a:fillRef idx="2">
+            <a:schemeClr val="accent2"/>
+          </a:fillRef>
+          <a:effectRef idx="1">
+            <a:schemeClr val="accent2"/>
+          </a:effectRef>
+          <a:fontRef idx="minor">
+            <a:schemeClr val="dk1"/>
+          </a:fontRef>
+        </p:style>
+        <p:txBody>
+          <a:bodyPr rtlCol="0" anchor="ctr"/>
+          <a:lstStyle/>
+          <a:p>
+            <a:pPr algn="ctr"/>
+            <a:endParaRPr lang="en-SG" sz="1200" dirty="0">
+              <a:solidFill>
+                <a:schemeClr val="bg1"/>
+              </a:solidFill>
+            </a:endParaRPr>
+          </a:p>
+        </p:txBody>
+      </p:sp>
+      <p:sp>
+        <p:nvSpPr>
+          <p:cNvPr id="71" name="Rectangle 8"/>
+          <p:cNvSpPr/>
+          <p:nvPr/>
+        </p:nvSpPr>
+        <p:spPr>
+          <a:xfrm>
+            <a:off x="3485990" y="2066524"/>
+            <a:ext cx="1323650" cy="290687"/>
+          </a:xfrm>
+          <a:prstGeom prst="rect">
+            <a:avLst/>
+          </a:prstGeom>
+          <a:solidFill>
+            <a:srgbClr val="0070C0"/>
+          </a:solidFill>
+          <a:ln w="19050">
+            <a:solidFill>
+              <a:srgbClr val="0070C0"/>
+            </a:solidFill>
+          </a:ln>
+          <a:effectLst/>
+        </p:spPr>
+        <p:style>
+          <a:lnRef idx="1">
+            <a:schemeClr val="accent2"/>
+          </a:lnRef>
+          <a:fillRef idx="2">
+            <a:schemeClr val="accent2"/>
+          </a:fillRef>
+          <a:effectRef idx="1">
+            <a:schemeClr val="accent2"/>
+          </a:effectRef>
+          <a:fontRef idx="minor">
+            <a:schemeClr val="dk1"/>
+          </a:fontRef>
+        </p:style>
+        <p:txBody>
+          <a:bodyPr rtlCol="0" anchor="ctr"/>
+          <a:lstStyle/>
+          <a:p>
+            <a:pPr algn="ctr"/>
+            <a:r>
+              <a:rPr lang="en-US" sz="900" dirty="0">
+                <a:solidFill>
+                  <a:schemeClr val="bg1"/>
+                </a:solidFill>
+              </a:rPr>
+              <a:t>:</a:t>
+            </a:r>
+            <a:r>
+              <a:rPr lang="en-US" sz="900" dirty="0" err="1">
+                <a:solidFill>
+                  <a:schemeClr val="bg1"/>
+                </a:solidFill>
+              </a:rPr>
+              <a:t>GenerateQuestion</a:t>
+            </a:r>
+            <a:endParaRPr lang="en-US" sz="900" dirty="0">
+              <a:solidFill>
+                <a:schemeClr val="bg1"/>
+              </a:solidFill>
+            </a:endParaRPr>
+          </a:p>
+          <a:p>
+            <a:pPr algn="ctr"/>
+            <a:r>
+              <a:rPr lang="en-US" sz="900" dirty="0" err="1">
+                <a:solidFill>
+                  <a:schemeClr val="bg1"/>
+                </a:solidFill>
+              </a:rPr>
+              <a:t>CommandParser</a:t>
+            </a:r>
+            <a:endParaRPr lang="en-SG" sz="900" dirty="0">
+              <a:solidFill>
+                <a:schemeClr val="bg1"/>
+              </a:solidFill>
+            </a:endParaRPr>
+          </a:p>
+        </p:txBody>
+      </p:sp>
+      <p:sp>
+        <p:nvSpPr>
+          <p:cNvPr id="72" name="Rectangle 8"/>
+          <p:cNvSpPr/>
+          <p:nvPr/>
+        </p:nvSpPr>
+        <p:spPr>
+          <a:xfrm flipH="1">
+            <a:off x="1693587" y="1713130"/>
+            <a:ext cx="138261" cy="1326607"/>
+          </a:xfrm>
+          <a:prstGeom prst="rect">
+            <a:avLst/>
+          </a:prstGeom>
+          <a:solidFill>
+            <a:srgbClr val="0070C0"/>
+          </a:solidFill>
+          <a:ln w="19050">
+            <a:solidFill>
+              <a:srgbClr val="0070C0"/>
+            </a:solidFill>
+          </a:ln>
+          <a:effectLst/>
+        </p:spPr>
+        <p:style>
+          <a:lnRef idx="1">
+            <a:schemeClr val="accent2"/>
+          </a:lnRef>
+          <a:fillRef idx="2">
+            <a:schemeClr val="accent2"/>
+          </a:fillRef>
+          <a:effectRef idx="1">
+            <a:schemeClr val="accent2"/>
+          </a:effectRef>
+          <a:fontRef idx="minor">
+            <a:schemeClr val="dk1"/>
+          </a:fontRef>
+        </p:style>
+        <p:txBody>
+          <a:bodyPr rtlCol="0" anchor="ctr"/>
+          <a:lstStyle/>
+          <a:p>
+            <a:pPr algn="ctr"/>
+            <a:endParaRPr lang="en-SG" sz="1200" dirty="0">
+              <a:solidFill>
+                <a:schemeClr val="bg1"/>
+              </a:solidFill>
+            </a:endParaRPr>
+          </a:p>
+        </p:txBody>
+      </p:sp>
+      <p:sp>
+        <p:nvSpPr>
+          <p:cNvPr id="73" name="Rectangle 8"/>
+          <p:cNvSpPr/>
+          <p:nvPr/>
+        </p:nvSpPr>
+        <p:spPr>
+          <a:xfrm flipH="1">
+            <a:off x="3996937" y="2357210"/>
+            <a:ext cx="154634" cy="121622"/>
+          </a:xfrm>
+          <a:prstGeom prst="rect">
+            <a:avLst/>
+          </a:prstGeom>
+          <a:solidFill>
+            <a:srgbClr val="0070C0"/>
+          </a:solidFill>
+          <a:ln w="19050">
+            <a:solidFill>
+              <a:srgbClr val="0070C0"/>
+            </a:solidFill>
+          </a:ln>
+          <a:effectLst/>
+        </p:spPr>
+        <p:style>
+          <a:lnRef idx="1">
+            <a:schemeClr val="accent2"/>
+          </a:lnRef>
+          <a:fillRef idx="2">
+            <a:schemeClr val="accent2"/>
+          </a:fillRef>
+          <a:effectRef idx="1">
+            <a:schemeClr val="accent2"/>
+          </a:effectRef>
+          <a:fontRef idx="minor">
+            <a:schemeClr val="dk1"/>
+          </a:fontRef>
+        </p:style>
+        <p:txBody>
+          <a:bodyPr rtlCol="0" anchor="ctr"/>
+          <a:lstStyle/>
+          <a:p>
+            <a:pPr algn="ctr"/>
+            <a:endParaRPr lang="en-SG" sz="1200" dirty="0">
+              <a:solidFill>
+                <a:schemeClr val="bg1"/>
+              </a:solidFill>
+            </a:endParaRPr>
+          </a:p>
+        </p:txBody>
+      </p:sp>
+      <p:sp>
+        <p:nvSpPr>
+          <p:cNvPr id="74" name="Rectangle 8"/>
+          <p:cNvSpPr/>
+          <p:nvPr/>
+        </p:nvSpPr>
+        <p:spPr>
+          <a:xfrm flipH="1">
+            <a:off x="3996937" y="2602722"/>
+            <a:ext cx="154634" cy="371558"/>
+          </a:xfrm>
+          <a:prstGeom prst="rect">
+            <a:avLst/>
+          </a:prstGeom>
+          <a:solidFill>
+            <a:srgbClr val="0070C0"/>
+          </a:solidFill>
+          <a:ln w="19050">
+            <a:solidFill>
+              <a:srgbClr val="0070C0"/>
+            </a:solidFill>
+          </a:ln>
+          <a:effectLst/>
+        </p:spPr>
+        <p:style>
+          <a:lnRef idx="1">
+            <a:schemeClr val="accent2"/>
+          </a:lnRef>
+          <a:fillRef idx="2">
+            <a:schemeClr val="accent2"/>
+          </a:fillRef>
+          <a:effectRef idx="1">
+            <a:schemeClr val="accent2"/>
+          </a:effectRef>
+          <a:fontRef idx="minor">
+            <a:schemeClr val="dk1"/>
+          </a:fontRef>
+        </p:style>
+        <p:txBody>
+          <a:bodyPr rtlCol="0" anchor="ctr"/>
+          <a:lstStyle/>
+          <a:p>
+            <a:pPr algn="ctr"/>
+            <a:endParaRPr lang="en-SG" sz="1200" dirty="0">
+              <a:solidFill>
+                <a:schemeClr val="bg1"/>
+              </a:solidFill>
+            </a:endParaRPr>
+          </a:p>
+        </p:txBody>
+      </p:sp>
+      <p:sp>
+        <p:nvSpPr>
+          <p:cNvPr id="76" name="Rectangle 62"/>
+          <p:cNvSpPr/>
+          <p:nvPr/>
+        </p:nvSpPr>
+        <p:spPr>
+          <a:xfrm>
+            <a:off x="4898615" y="2667000"/>
+            <a:ext cx="1863298" cy="346760"/>
+          </a:xfrm>
+          <a:prstGeom prst="rect">
+            <a:avLst/>
+          </a:prstGeom>
+          <a:solidFill>
+            <a:srgbClr val="0070C0"/>
+          </a:solidFill>
+          <a:ln w="19050">
+            <a:solidFill>
+              <a:srgbClr val="0070C0"/>
+            </a:solidFill>
+          </a:ln>
+          <a:effectLst/>
+        </p:spPr>
+        <p:style>
+          <a:lnRef idx="1">
+            <a:schemeClr val="accent2"/>
+          </a:lnRef>
+          <a:fillRef idx="2">
+            <a:schemeClr val="accent2"/>
+          </a:fillRef>
+          <a:effectRef idx="1">
+            <a:schemeClr val="accent2"/>
+          </a:effectRef>
+          <a:fontRef idx="minor">
+            <a:schemeClr val="dk1"/>
+          </a:fontRef>
+        </p:style>
+        <p:txBody>
+          <a:bodyPr rtlCol="0" anchor="ctr"/>
+          <a:lstStyle/>
+          <a:p>
+            <a:pPr algn="ctr"/>
+            <a:r>
+              <a:rPr lang="en-US" sz="900" dirty="0" err="1">
+                <a:solidFill>
+                  <a:schemeClr val="bg1"/>
+                </a:solidFill>
+              </a:rPr>
+              <a:t>g:GenerateQuestionCommand</a:t>
+            </a:r>
+            <a:endParaRPr lang="en-SG" sz="900" dirty="0">
+              <a:solidFill>
+                <a:schemeClr val="bg1"/>
+              </a:solidFill>
+            </a:endParaRPr>
+          </a:p>
+        </p:txBody>
+      </p:sp>
+      <p:sp>
+        <p:nvSpPr>
+          <p:cNvPr id="77" name="Rectangle 8"/>
+          <p:cNvSpPr/>
+          <p:nvPr/>
+        </p:nvSpPr>
+        <p:spPr>
+          <a:xfrm flipH="1">
+            <a:off x="5215155" y="2939480"/>
+            <a:ext cx="154634" cy="257109"/>
+          </a:xfrm>
+          <a:prstGeom prst="rect">
+            <a:avLst/>
+          </a:prstGeom>
+          <a:solidFill>
+            <a:srgbClr val="0070C0"/>
+          </a:solidFill>
+          <a:ln w="19050">
+            <a:solidFill>
+              <a:srgbClr val="0070C0"/>
+            </a:solidFill>
+          </a:ln>
+          <a:effectLst/>
+        </p:spPr>
+        <p:style>
+          <a:lnRef idx="1">
+            <a:schemeClr val="accent2"/>
+          </a:lnRef>
+          <a:fillRef idx="2">
+            <a:schemeClr val="accent2"/>
+          </a:fillRef>
+          <a:effectRef idx="1">
+            <a:schemeClr val="accent2"/>
+          </a:effectRef>
+          <a:fontRef idx="minor">
+            <a:schemeClr val="dk1"/>
+          </a:fontRef>
+        </p:style>
+        <p:txBody>
+          <a:bodyPr rtlCol="0" anchor="ctr"/>
+          <a:lstStyle/>
+          <a:p>
+            <a:pPr algn="ctr"/>
+            <a:endParaRPr lang="en-SG" sz="1200" dirty="0">
+              <a:solidFill>
+                <a:schemeClr val="bg1"/>
+              </a:solidFill>
+            </a:endParaRPr>
+          </a:p>
+        </p:txBody>
+      </p:sp>
+      <p:sp>
+        <p:nvSpPr>
+          <p:cNvPr id="78" name="Rectangle 8"/>
+          <p:cNvSpPr/>
+          <p:nvPr/>
+        </p:nvSpPr>
+        <p:spPr>
+          <a:xfrm flipH="1">
+            <a:off x="5201606" y="3393232"/>
+            <a:ext cx="177437" cy="2086371"/>
+          </a:xfrm>
+          <a:prstGeom prst="rect">
+            <a:avLst/>
+          </a:prstGeom>
+          <a:solidFill>
+            <a:srgbClr val="0070C0"/>
+          </a:solidFill>
+          <a:ln w="19050">
+            <a:solidFill>
+              <a:srgbClr val="0070C0"/>
+            </a:solidFill>
+          </a:ln>
+          <a:effectLst/>
+        </p:spPr>
+        <p:style>
+          <a:lnRef idx="1">
+            <a:schemeClr val="accent2"/>
+          </a:lnRef>
+          <a:fillRef idx="2">
+            <a:schemeClr val="accent2"/>
+          </a:fillRef>
+          <a:effectRef idx="1">
+            <a:schemeClr val="accent2"/>
+          </a:effectRef>
+          <a:fontRef idx="minor">
+            <a:schemeClr val="dk1"/>
+          </a:fontRef>
+        </p:style>
+        <p:txBody>
+          <a:bodyPr rtlCol="0" anchor="ctr"/>
+          <a:lstStyle/>
+          <a:p>
+            <a:pPr algn="ctr"/>
+            <a:endParaRPr lang="en-SG" sz="1200" dirty="0">
+              <a:solidFill>
+                <a:schemeClr val="bg1"/>
+              </a:solidFill>
+            </a:endParaRPr>
+          </a:p>
+        </p:txBody>
+      </p:sp>
+      <p:sp>
+        <p:nvSpPr>
+          <p:cNvPr id="79" name="Rectangle 8"/>
+          <p:cNvSpPr/>
+          <p:nvPr/>
+        </p:nvSpPr>
+        <p:spPr>
+          <a:xfrm>
+            <a:off x="6826449" y="984111"/>
+            <a:ext cx="765758" cy="430077"/>
+          </a:xfrm>
+          <a:prstGeom prst="rect">
+            <a:avLst/>
+          </a:prstGeom>
+          <a:solidFill>
+            <a:schemeClr val="accent5">
+              <a:lumMod val="75000"/>
+            </a:schemeClr>
+          </a:solidFill>
+          <a:ln w="19050">
+            <a:noFill/>
+          </a:ln>
+          <a:effectLst/>
+        </p:spPr>
+        <p:style>
+          <a:lnRef idx="1">
+            <a:schemeClr val="accent2"/>
+          </a:lnRef>
+          <a:fillRef idx="2">
+            <a:schemeClr val="accent2"/>
+          </a:fillRef>
+          <a:effectRef idx="1">
+            <a:schemeClr val="accent2"/>
+          </a:effectRef>
+          <a:fontRef idx="minor">
+            <a:schemeClr val="dk1"/>
+          </a:fontRef>
+        </p:style>
+        <p:txBody>
+          <a:bodyPr rtlCol="0" anchor="ctr"/>
+          <a:lstStyle/>
+          <a:p>
+            <a:pPr algn="ctr"/>
+            <a:r>
+              <a:rPr lang="en-US" sz="1200" dirty="0">
+                <a:solidFill>
+                  <a:schemeClr val="bg1"/>
+                </a:solidFill>
+              </a:rPr>
+              <a:t>:Card</a:t>
+            </a:r>
+            <a:endParaRPr lang="en-SG" sz="1200" dirty="0">
+              <a:solidFill>
+                <a:schemeClr val="bg1"/>
+              </a:solidFill>
+            </a:endParaRPr>
+          </a:p>
+        </p:txBody>
+      </p:sp>
+      <p:sp>
+        <p:nvSpPr>
+          <p:cNvPr id="80" name="Rectangle 8"/>
+          <p:cNvSpPr/>
+          <p:nvPr/>
+        </p:nvSpPr>
+        <p:spPr>
+          <a:xfrm>
+            <a:off x="7167932" y="3367294"/>
+            <a:ext cx="152399" cy="267376"/>
+          </a:xfrm>
+          <a:prstGeom prst="rect">
+            <a:avLst/>
+          </a:prstGeom>
+          <a:solidFill>
+            <a:schemeClr val="accent5">
+              <a:lumMod val="75000"/>
+            </a:schemeClr>
+          </a:solidFill>
+          <a:ln w="19050">
+            <a:noFill/>
+          </a:ln>
+          <a:effectLst/>
+        </p:spPr>
+        <p:style>
+          <a:lnRef idx="1">
+            <a:schemeClr val="accent2"/>
+          </a:lnRef>
+          <a:fillRef idx="2">
+            <a:schemeClr val="accent2"/>
+          </a:fillRef>
+          <a:effectRef idx="1">
+            <a:schemeClr val="accent2"/>
+          </a:effectRef>
+          <a:fontRef idx="minor">
+            <a:schemeClr val="dk1"/>
+          </a:fontRef>
+        </p:style>
+        <p:txBody>
+          <a:bodyPr rtlCol="0" anchor="ctr"/>
+          <a:lstStyle/>
+          <a:p>
+            <a:pPr algn="ctr"/>
+            <a:endParaRPr lang="en-SG" sz="1200" dirty="0">
+              <a:solidFill>
+                <a:schemeClr val="bg1"/>
+              </a:solidFill>
+            </a:endParaRPr>
+          </a:p>
+        </p:txBody>
+      </p:sp>
+      <p:cxnSp>
+        <p:nvCxnSpPr>
+          <p:cNvPr id="41" name="Straight Arrow Connector 40"/>
+          <p:cNvCxnSpPr>
+            <a:cxnSpLocks/>
+            <a:stCxn id="63" idx="0"/>
+          </p:cNvCxnSpPr>
+          <p:nvPr/>
+        </p:nvCxnSpPr>
+        <p:spPr>
+          <a:xfrm>
+            <a:off x="812870" y="1827110"/>
+            <a:ext cx="882077" cy="0"/>
+          </a:xfrm>
+          <a:prstGeom prst="straightConnector1">
+            <a:avLst/>
+          </a:prstGeom>
+          <a:ln w="19050">
+            <a:tailEnd type="arrow"/>
+          </a:ln>
+        </p:spPr>
+        <p:style>
+          <a:lnRef idx="1">
+            <a:schemeClr val="accent1"/>
+          </a:lnRef>
+          <a:fillRef idx="0">
+            <a:schemeClr val="accent1"/>
+          </a:fillRef>
+          <a:effectRef idx="0">
+            <a:schemeClr val="accent1"/>
+          </a:effectRef>
+          <a:fontRef idx="minor">
+            <a:schemeClr val="tx1"/>
+          </a:fontRef>
+        </p:style>
+      </p:cxnSp>
+      <p:cxnSp>
+        <p:nvCxnSpPr>
+          <p:cNvPr id="46" name="Straight Arrow Connector 45"/>
+          <p:cNvCxnSpPr>
+            <a:cxnSpLocks/>
+          </p:cNvCxnSpPr>
+          <p:nvPr/>
+        </p:nvCxnSpPr>
+        <p:spPr>
+          <a:xfrm>
+            <a:off x="2936121" y="2250231"/>
+            <a:ext cx="537679" cy="0"/>
+          </a:xfrm>
+          <a:prstGeom prst="straightConnector1">
+            <a:avLst/>
+          </a:prstGeom>
+          <a:ln w="12700">
+            <a:tailEnd type="arrow"/>
+          </a:ln>
+        </p:spPr>
+        <p:style>
+          <a:lnRef idx="1">
+            <a:schemeClr val="accent1"/>
+          </a:lnRef>
+          <a:fillRef idx="0">
+            <a:schemeClr val="accent1"/>
+          </a:fillRef>
+          <a:effectRef idx="0">
+            <a:schemeClr val="accent1"/>
+          </a:effectRef>
+          <a:fontRef idx="minor">
+            <a:schemeClr val="tx1"/>
+          </a:fontRef>
+        </p:style>
+      </p:cxnSp>
+      <p:cxnSp>
+        <p:nvCxnSpPr>
+          <p:cNvPr id="52" name="Straight Arrow Connector 51"/>
+          <p:cNvCxnSpPr/>
+          <p:nvPr/>
+        </p:nvCxnSpPr>
+        <p:spPr>
+          <a:xfrm flipH="1">
+            <a:off x="-341400" y="5207671"/>
+            <a:ext cx="1063450" cy="0"/>
+          </a:xfrm>
+          <a:prstGeom prst="straightConnector1">
+            <a:avLst/>
+          </a:prstGeom>
+          <a:ln w="19050">
+            <a:prstDash val="sysDash"/>
+            <a:tailEnd type="arrow"/>
+          </a:ln>
+        </p:spPr>
+        <p:style>
+          <a:lnRef idx="1">
+            <a:schemeClr val="accent1"/>
+          </a:lnRef>
+          <a:fillRef idx="0">
+            <a:schemeClr val="accent1"/>
+          </a:fillRef>
+          <a:effectRef idx="0">
+            <a:schemeClr val="accent1"/>
+          </a:effectRef>
+          <a:fontRef idx="minor">
+            <a:schemeClr val="tx1"/>
+          </a:fontRef>
+        </p:style>
+      </p:cxnSp>
+      <p:sp>
+        <p:nvSpPr>
+          <p:cNvPr id="53" name="TextBox 52"/>
+          <p:cNvSpPr txBox="1"/>
+          <p:nvPr/>
+        </p:nvSpPr>
+        <p:spPr>
+          <a:xfrm>
+            <a:off x="157583" y="4979071"/>
+            <a:ext cx="511679" cy="261610"/>
+          </a:xfrm>
+          <a:prstGeom prst="rect">
+            <a:avLst/>
+          </a:prstGeom>
+          <a:noFill/>
+          <a:ln>
+            <a:noFill/>
+          </a:ln>
+        </p:spPr>
+        <p:txBody>
+          <a:bodyPr wrap="none" rtlCol="0">
+            <a:spAutoFit/>
+          </a:bodyPr>
+          <a:lstStyle/>
+          <a:p>
+            <a:r>
+              <a:rPr lang="en-US" sz="1100" dirty="0">
+                <a:solidFill>
+                  <a:srgbClr val="0070C0"/>
+                </a:solidFill>
+              </a:rPr>
+              <a:t>result</a:t>
+            </a:r>
+            <a:endParaRPr lang="en-US" sz="1400" dirty="0">
+              <a:solidFill>
+                <a:srgbClr val="0070C0"/>
+              </a:solidFill>
+            </a:endParaRPr>
+          </a:p>
+        </p:txBody>
+      </p:sp>
+      <p:cxnSp>
+        <p:nvCxnSpPr>
+          <p:cNvPr id="66" name="Straight Arrow Connector 65"/>
+          <p:cNvCxnSpPr/>
+          <p:nvPr/>
+        </p:nvCxnSpPr>
+        <p:spPr>
+          <a:xfrm flipV="1">
+            <a:off x="-341400" y="1827108"/>
+            <a:ext cx="1063450" cy="2"/>
+          </a:xfrm>
+          <a:prstGeom prst="straightConnector1">
+            <a:avLst/>
+          </a:prstGeom>
+          <a:ln w="19050">
+            <a:solidFill>
+              <a:srgbClr val="00B050"/>
+            </a:solidFill>
+            <a:tailEnd type="arrow"/>
+          </a:ln>
+        </p:spPr>
+        <p:style>
+          <a:lnRef idx="1">
+            <a:schemeClr val="accent1"/>
+          </a:lnRef>
+          <a:fillRef idx="0">
+            <a:schemeClr val="accent1"/>
+          </a:fillRef>
+          <a:effectRef idx="0">
+            <a:schemeClr val="accent1"/>
+          </a:effectRef>
+          <a:fontRef idx="minor">
+            <a:schemeClr val="tx1"/>
+          </a:fontRef>
+        </p:style>
+      </p:cxnSp>
+      <p:sp>
+        <p:nvSpPr>
+          <p:cNvPr id="105" name="TextBox 104"/>
+          <p:cNvSpPr txBox="1"/>
+          <p:nvPr/>
+        </p:nvSpPr>
+        <p:spPr>
+          <a:xfrm>
+            <a:off x="-29269" y="1600201"/>
+            <a:ext cx="846707" cy="246221"/>
+          </a:xfrm>
+          <a:prstGeom prst="rect">
+            <a:avLst/>
+          </a:prstGeom>
+          <a:noFill/>
+          <a:ln>
+            <a:noFill/>
+          </a:ln>
+        </p:spPr>
+        <p:txBody>
+          <a:bodyPr wrap="none" rtlCol="0">
+            <a:spAutoFit/>
+          </a:bodyPr>
+          <a:lstStyle/>
+          <a:p>
+            <a:r>
+              <a:rPr lang="en-US" sz="1000" dirty="0">
+                <a:solidFill>
+                  <a:srgbClr val="0070C0"/>
+                </a:solidFill>
+              </a:rPr>
+              <a:t>execute(“2”)</a:t>
+            </a:r>
+          </a:p>
+        </p:txBody>
+      </p:sp>
+      <p:sp>
+        <p:nvSpPr>
+          <p:cNvPr id="106" name="TextBox 105"/>
+          <p:cNvSpPr txBox="1"/>
+          <p:nvPr/>
+        </p:nvSpPr>
+        <p:spPr>
+          <a:xfrm>
+            <a:off x="880298" y="1623308"/>
+            <a:ext cx="748923" cy="215444"/>
+          </a:xfrm>
+          <a:prstGeom prst="rect">
+            <a:avLst/>
+          </a:prstGeom>
+          <a:noFill/>
+          <a:ln>
+            <a:noFill/>
+          </a:ln>
+        </p:spPr>
+        <p:txBody>
+          <a:bodyPr wrap="none" rtlCol="0">
+            <a:spAutoFit/>
+          </a:bodyPr>
+          <a:lstStyle/>
+          <a:p>
+            <a:r>
+              <a:rPr lang="en-US" sz="800" dirty="0">
+                <a:solidFill>
+                  <a:srgbClr val="0070C0"/>
+                </a:solidFill>
+              </a:rPr>
+              <a:t>parse(“2”, “”)</a:t>
+            </a:r>
+          </a:p>
+        </p:txBody>
+      </p:sp>
+      <p:cxnSp>
+        <p:nvCxnSpPr>
+          <p:cNvPr id="81" name="Straight Connector 80"/>
+          <p:cNvCxnSpPr>
+            <a:cxnSpLocks/>
+            <a:endCxn id="63" idx="0"/>
+          </p:cNvCxnSpPr>
+          <p:nvPr/>
+        </p:nvCxnSpPr>
+        <p:spPr>
+          <a:xfrm>
+            <a:off x="799368" y="1499746"/>
+            <a:ext cx="13503" cy="327364"/>
+          </a:xfrm>
+          <a:prstGeom prst="line">
+            <a:avLst/>
+          </a:prstGeom>
+          <a:ln>
+            <a:prstDash val="sysDash"/>
+          </a:ln>
+        </p:spPr>
+        <p:style>
+          <a:lnRef idx="1">
+            <a:schemeClr val="accent1"/>
+          </a:lnRef>
+          <a:fillRef idx="0">
+            <a:schemeClr val="accent1"/>
+          </a:fillRef>
+          <a:effectRef idx="0">
+            <a:schemeClr val="accent1"/>
+          </a:effectRef>
+          <a:fontRef idx="minor">
+            <a:schemeClr val="tx1"/>
+          </a:fontRef>
+        </p:style>
+      </p:cxnSp>
+      <p:cxnSp>
+        <p:nvCxnSpPr>
+          <p:cNvPr id="84" name="Straight Connector 83"/>
+          <p:cNvCxnSpPr>
+            <a:cxnSpLocks/>
+            <a:endCxn id="72" idx="0"/>
+          </p:cNvCxnSpPr>
+          <p:nvPr/>
+        </p:nvCxnSpPr>
+        <p:spPr>
+          <a:xfrm flipH="1">
+            <a:off x="1762715" y="1385767"/>
+            <a:ext cx="8188" cy="327362"/>
+          </a:xfrm>
+          <a:prstGeom prst="line">
+            <a:avLst/>
+          </a:prstGeom>
+          <a:ln>
+            <a:prstDash val="sysDash"/>
+          </a:ln>
+        </p:spPr>
+        <p:style>
+          <a:lnRef idx="1">
+            <a:schemeClr val="accent1"/>
+          </a:lnRef>
+          <a:fillRef idx="0">
+            <a:schemeClr val="accent1"/>
+          </a:fillRef>
+          <a:effectRef idx="0">
+            <a:schemeClr val="accent1"/>
+          </a:effectRef>
+          <a:fontRef idx="minor">
+            <a:schemeClr val="tx1"/>
+          </a:fontRef>
+        </p:style>
+      </p:cxnSp>
+      <p:cxnSp>
+        <p:nvCxnSpPr>
+          <p:cNvPr id="93" name="Straight Connector 92"/>
+          <p:cNvCxnSpPr>
+            <a:cxnSpLocks/>
+            <a:stCxn id="73" idx="2"/>
+            <a:endCxn id="74" idx="0"/>
+          </p:cNvCxnSpPr>
+          <p:nvPr/>
+        </p:nvCxnSpPr>
+        <p:spPr>
+          <a:xfrm>
+            <a:off x="4074254" y="2478833"/>
+            <a:ext cx="0" cy="123890"/>
+          </a:xfrm>
+          <a:prstGeom prst="line">
+            <a:avLst/>
+          </a:prstGeom>
+          <a:ln>
+            <a:prstDash val="sysDash"/>
+          </a:ln>
+        </p:spPr>
+        <p:style>
+          <a:lnRef idx="1">
+            <a:schemeClr val="accent1"/>
+          </a:lnRef>
+          <a:fillRef idx="0">
+            <a:schemeClr val="accent1"/>
+          </a:fillRef>
+          <a:effectRef idx="0">
+            <a:schemeClr val="accent1"/>
+          </a:effectRef>
+          <a:fontRef idx="minor">
+            <a:schemeClr val="tx1"/>
+          </a:fontRef>
+        </p:style>
+      </p:cxnSp>
+      <p:cxnSp>
+        <p:nvCxnSpPr>
+          <p:cNvPr id="98" name="Straight Connector 97"/>
+          <p:cNvCxnSpPr>
+            <a:cxnSpLocks/>
+            <a:stCxn id="77" idx="2"/>
+            <a:endCxn id="78" idx="0"/>
+          </p:cNvCxnSpPr>
+          <p:nvPr/>
+        </p:nvCxnSpPr>
+        <p:spPr>
+          <a:xfrm flipH="1">
+            <a:off x="5290323" y="3196589"/>
+            <a:ext cx="2150" cy="196643"/>
+          </a:xfrm>
+          <a:prstGeom prst="line">
+            <a:avLst/>
+          </a:prstGeom>
+          <a:ln>
+            <a:prstDash val="sysDash"/>
+          </a:ln>
+        </p:spPr>
+        <p:style>
+          <a:lnRef idx="1">
+            <a:schemeClr val="accent1"/>
+          </a:lnRef>
+          <a:fillRef idx="0">
+            <a:schemeClr val="accent1"/>
+          </a:fillRef>
+          <a:effectRef idx="0">
+            <a:schemeClr val="accent1"/>
+          </a:effectRef>
+          <a:fontRef idx="minor">
+            <a:schemeClr val="tx1"/>
+          </a:fontRef>
+        </p:style>
+      </p:cxnSp>
+      <p:cxnSp>
+        <p:nvCxnSpPr>
+          <p:cNvPr id="107" name="Straight Connector 106"/>
+          <p:cNvCxnSpPr>
+            <a:cxnSpLocks/>
+            <a:stCxn id="79" idx="2"/>
+            <a:endCxn id="80" idx="0"/>
+          </p:cNvCxnSpPr>
+          <p:nvPr/>
+        </p:nvCxnSpPr>
+        <p:spPr>
+          <a:xfrm>
+            <a:off x="7209328" y="1414189"/>
+            <a:ext cx="34802" cy="1953107"/>
+          </a:xfrm>
+          <a:prstGeom prst="line">
+            <a:avLst/>
+          </a:prstGeom>
+          <a:ln>
+            <a:solidFill>
+              <a:schemeClr val="accent5">
+                <a:lumMod val="75000"/>
+              </a:schemeClr>
+            </a:solidFill>
+            <a:prstDash val="sysDash"/>
+          </a:ln>
+        </p:spPr>
+        <p:style>
+          <a:lnRef idx="1">
+            <a:schemeClr val="accent1"/>
+          </a:lnRef>
+          <a:fillRef idx="0">
+            <a:schemeClr val="accent1"/>
+          </a:fillRef>
+          <a:effectRef idx="0">
+            <a:schemeClr val="accent1"/>
+          </a:effectRef>
+          <a:fontRef idx="minor">
+            <a:schemeClr val="tx1"/>
+          </a:fontRef>
+        </p:style>
+      </p:cxnSp>
+      <p:cxnSp>
+        <p:nvCxnSpPr>
+          <p:cNvPr id="110" name="Straight Connector 109"/>
+          <p:cNvCxnSpPr>
+            <a:cxnSpLocks/>
+            <a:stCxn id="80" idx="2"/>
+          </p:cNvCxnSpPr>
+          <p:nvPr/>
+        </p:nvCxnSpPr>
+        <p:spPr>
+          <a:xfrm>
+            <a:off x="7244130" y="3634672"/>
+            <a:ext cx="0" cy="133081"/>
+          </a:xfrm>
+          <a:prstGeom prst="line">
+            <a:avLst/>
+          </a:prstGeom>
+          <a:ln>
+            <a:solidFill>
+              <a:schemeClr val="accent4">
+                <a:lumMod val="60000"/>
+                <a:lumOff val="40000"/>
+              </a:schemeClr>
+            </a:solidFill>
+            <a:prstDash val="sysDash"/>
+          </a:ln>
+        </p:spPr>
+        <p:style>
+          <a:lnRef idx="1">
+            <a:schemeClr val="accent1"/>
+          </a:lnRef>
+          <a:fillRef idx="0">
+            <a:schemeClr val="accent1"/>
+          </a:fillRef>
+          <a:effectRef idx="0">
+            <a:schemeClr val="accent1"/>
+          </a:effectRef>
+          <a:fontRef idx="minor">
+            <a:schemeClr val="tx1"/>
+          </a:fontRef>
+        </p:style>
+      </p:cxnSp>
+      <p:cxnSp>
+        <p:nvCxnSpPr>
+          <p:cNvPr id="113" name="Straight Arrow Connector 112"/>
+          <p:cNvCxnSpPr/>
+          <p:nvPr/>
+        </p:nvCxnSpPr>
+        <p:spPr>
+          <a:xfrm flipH="1">
+            <a:off x="2936120" y="2478832"/>
+            <a:ext cx="1060818" cy="0"/>
+          </a:xfrm>
+          <a:prstGeom prst="straightConnector1">
+            <a:avLst/>
+          </a:prstGeom>
+          <a:ln w="12700">
+            <a:prstDash val="sysDash"/>
+            <a:tailEnd type="arrow"/>
+          </a:ln>
+        </p:spPr>
+        <p:style>
+          <a:lnRef idx="1">
+            <a:schemeClr val="accent1"/>
+          </a:lnRef>
+          <a:fillRef idx="0">
+            <a:schemeClr val="accent1"/>
+          </a:fillRef>
+          <a:effectRef idx="0">
+            <a:schemeClr val="accent1"/>
+          </a:effectRef>
+          <a:fontRef idx="minor">
+            <a:schemeClr val="tx1"/>
+          </a:fontRef>
+        </p:style>
+      </p:cxnSp>
+      <p:cxnSp>
+        <p:nvCxnSpPr>
+          <p:cNvPr id="115" name="Straight Arrow Connector 114"/>
+          <p:cNvCxnSpPr>
+            <a:cxnSpLocks/>
+          </p:cNvCxnSpPr>
+          <p:nvPr/>
+        </p:nvCxnSpPr>
+        <p:spPr>
+          <a:xfrm flipV="1">
+            <a:off x="2993191" y="2678954"/>
+            <a:ext cx="943908" cy="1793"/>
+          </a:xfrm>
+          <a:prstGeom prst="straightConnector1">
+            <a:avLst/>
+          </a:prstGeom>
+          <a:ln>
+            <a:tailEnd type="arrow"/>
+          </a:ln>
+        </p:spPr>
+        <p:style>
+          <a:lnRef idx="1">
+            <a:schemeClr val="accent1"/>
+          </a:lnRef>
+          <a:fillRef idx="0">
+            <a:schemeClr val="accent1"/>
+          </a:fillRef>
+          <a:effectRef idx="0">
+            <a:schemeClr val="accent1"/>
+          </a:effectRef>
+          <a:fontRef idx="minor">
+            <a:schemeClr val="tx1"/>
+          </a:fontRef>
+        </p:style>
+      </p:cxnSp>
+      <p:cxnSp>
+        <p:nvCxnSpPr>
+          <p:cNvPr id="117" name="Straight Arrow Connector 116"/>
+          <p:cNvCxnSpPr/>
+          <p:nvPr/>
+        </p:nvCxnSpPr>
+        <p:spPr>
+          <a:xfrm>
+            <a:off x="4164847" y="2772751"/>
+            <a:ext cx="722111" cy="0"/>
+          </a:xfrm>
+          <a:prstGeom prst="straightConnector1">
+            <a:avLst/>
+          </a:prstGeom>
+          <a:ln>
+            <a:tailEnd type="arrow"/>
+          </a:ln>
+        </p:spPr>
+        <p:style>
+          <a:lnRef idx="1">
+            <a:schemeClr val="accent1"/>
+          </a:lnRef>
+          <a:fillRef idx="0">
+            <a:schemeClr val="accent1"/>
+          </a:fillRef>
+          <a:effectRef idx="0">
+            <a:schemeClr val="accent1"/>
+          </a:effectRef>
+          <a:fontRef idx="minor">
+            <a:schemeClr val="tx1"/>
+          </a:fontRef>
+        </p:style>
+      </p:cxnSp>
+      <p:cxnSp>
+        <p:nvCxnSpPr>
+          <p:cNvPr id="121" name="Straight Arrow Connector 120"/>
+          <p:cNvCxnSpPr>
+            <a:cxnSpLocks/>
+          </p:cNvCxnSpPr>
+          <p:nvPr/>
+        </p:nvCxnSpPr>
+        <p:spPr>
+          <a:xfrm flipH="1">
+            <a:off x="854810" y="2971707"/>
+            <a:ext cx="816902" cy="0"/>
+          </a:xfrm>
+          <a:prstGeom prst="straightConnector1">
+            <a:avLst/>
+          </a:prstGeom>
+          <a:ln>
+            <a:prstDash val="sysDash"/>
+            <a:tailEnd type="arrow"/>
+          </a:ln>
+        </p:spPr>
+        <p:style>
+          <a:lnRef idx="1">
+            <a:schemeClr val="accent1"/>
+          </a:lnRef>
+          <a:fillRef idx="0">
+            <a:schemeClr val="accent1"/>
+          </a:fillRef>
+          <a:effectRef idx="0">
+            <a:schemeClr val="accent1"/>
+          </a:effectRef>
+          <a:fontRef idx="minor">
+            <a:schemeClr val="tx1"/>
+          </a:fontRef>
+        </p:style>
+      </p:cxnSp>
+      <p:sp>
+        <p:nvSpPr>
+          <p:cNvPr id="125" name="TextBox 124"/>
+          <p:cNvSpPr txBox="1"/>
+          <p:nvPr/>
+        </p:nvSpPr>
+        <p:spPr>
+          <a:xfrm>
+            <a:off x="1103801" y="2673021"/>
+            <a:ext cx="250390" cy="261610"/>
+          </a:xfrm>
+          <a:prstGeom prst="rect">
+            <a:avLst/>
+          </a:prstGeom>
+          <a:noFill/>
+          <a:ln>
+            <a:noFill/>
+          </a:ln>
+        </p:spPr>
+        <p:txBody>
+          <a:bodyPr wrap="none" rtlCol="0">
+            <a:spAutoFit/>
+          </a:bodyPr>
+          <a:lstStyle/>
+          <a:p>
+            <a:r>
+              <a:rPr lang="en-US" sz="1100" dirty="0">
+                <a:solidFill>
+                  <a:srgbClr val="0070C0"/>
+                </a:solidFill>
+              </a:rPr>
+              <a:t>g</a:t>
+            </a:r>
+            <a:endParaRPr lang="en-US" sz="1400" dirty="0">
+              <a:solidFill>
+                <a:srgbClr val="0070C0"/>
+              </a:solidFill>
+            </a:endParaRPr>
+          </a:p>
+        </p:txBody>
+      </p:sp>
+      <p:cxnSp>
+        <p:nvCxnSpPr>
+          <p:cNvPr id="126" name="Straight Arrow Connector 125"/>
+          <p:cNvCxnSpPr>
+            <a:stCxn id="74" idx="2"/>
+          </p:cNvCxnSpPr>
+          <p:nvPr/>
+        </p:nvCxnSpPr>
+        <p:spPr>
+          <a:xfrm flipH="1">
+            <a:off x="2936121" y="2974280"/>
+            <a:ext cx="1138135" cy="0"/>
+          </a:xfrm>
+          <a:prstGeom prst="straightConnector1">
+            <a:avLst/>
+          </a:prstGeom>
+          <a:ln>
+            <a:prstDash val="sysDash"/>
+            <a:tailEnd type="arrow"/>
+          </a:ln>
+        </p:spPr>
+        <p:style>
+          <a:lnRef idx="1">
+            <a:schemeClr val="accent1"/>
+          </a:lnRef>
+          <a:fillRef idx="0">
+            <a:schemeClr val="accent1"/>
+          </a:fillRef>
+          <a:effectRef idx="0">
+            <a:schemeClr val="accent1"/>
+          </a:effectRef>
+          <a:fontRef idx="minor">
+            <a:schemeClr val="tx1"/>
+          </a:fontRef>
+        </p:style>
+      </p:cxnSp>
+      <p:cxnSp>
+        <p:nvCxnSpPr>
+          <p:cNvPr id="129" name="Straight Arrow Connector 128"/>
+          <p:cNvCxnSpPr>
+            <a:cxnSpLocks/>
+          </p:cNvCxnSpPr>
+          <p:nvPr/>
+        </p:nvCxnSpPr>
+        <p:spPr>
+          <a:xfrm>
+            <a:off x="876683" y="3464277"/>
+            <a:ext cx="4324922" cy="0"/>
+          </a:xfrm>
+          <a:prstGeom prst="straightConnector1">
+            <a:avLst/>
+          </a:prstGeom>
+          <a:ln>
+            <a:tailEnd type="arrow"/>
+          </a:ln>
+        </p:spPr>
+        <p:style>
+          <a:lnRef idx="1">
+            <a:schemeClr val="accent1"/>
+          </a:lnRef>
+          <a:fillRef idx="0">
+            <a:schemeClr val="accent1"/>
+          </a:fillRef>
+          <a:effectRef idx="0">
+            <a:schemeClr val="accent1"/>
+          </a:effectRef>
+          <a:fontRef idx="minor">
+            <a:schemeClr val="tx1"/>
+          </a:fontRef>
+        </p:style>
+      </p:cxnSp>
+      <p:cxnSp>
+        <p:nvCxnSpPr>
+          <p:cNvPr id="133" name="Straight Arrow Connector 132"/>
+          <p:cNvCxnSpPr>
+            <a:cxnSpLocks/>
+          </p:cNvCxnSpPr>
+          <p:nvPr/>
+        </p:nvCxnSpPr>
+        <p:spPr>
+          <a:xfrm flipH="1" flipV="1">
+            <a:off x="4163229" y="2939241"/>
+            <a:ext cx="1051448" cy="1"/>
+          </a:xfrm>
+          <a:prstGeom prst="straightConnector1">
+            <a:avLst/>
+          </a:prstGeom>
+          <a:ln>
+            <a:prstDash val="sysDash"/>
+            <a:tailEnd type="arrow"/>
+          </a:ln>
+        </p:spPr>
+        <p:style>
+          <a:lnRef idx="1">
+            <a:schemeClr val="accent1"/>
+          </a:lnRef>
+          <a:fillRef idx="0">
+            <a:schemeClr val="accent1"/>
+          </a:fillRef>
+          <a:effectRef idx="0">
+            <a:schemeClr val="accent1"/>
+          </a:effectRef>
+          <a:fontRef idx="minor">
+            <a:schemeClr val="tx1"/>
+          </a:fontRef>
+        </p:style>
+      </p:cxnSp>
+      <p:cxnSp>
+        <p:nvCxnSpPr>
+          <p:cNvPr id="137" name="Straight Arrow Connector 136"/>
+          <p:cNvCxnSpPr>
+            <a:cxnSpLocks/>
+          </p:cNvCxnSpPr>
+          <p:nvPr/>
+        </p:nvCxnSpPr>
+        <p:spPr>
+          <a:xfrm flipH="1">
+            <a:off x="903691" y="5264842"/>
+            <a:ext cx="4276045" cy="0"/>
+          </a:xfrm>
+          <a:prstGeom prst="straightConnector1">
+            <a:avLst/>
+          </a:prstGeom>
+          <a:ln>
+            <a:prstDash val="sysDash"/>
+            <a:tailEnd type="arrow"/>
+          </a:ln>
+        </p:spPr>
+        <p:style>
+          <a:lnRef idx="1">
+            <a:schemeClr val="accent1"/>
+          </a:lnRef>
+          <a:fillRef idx="0">
+            <a:schemeClr val="accent1"/>
+          </a:fillRef>
+          <a:effectRef idx="0">
+            <a:schemeClr val="accent1"/>
+          </a:effectRef>
+          <a:fontRef idx="minor">
+            <a:schemeClr val="tx1"/>
+          </a:fontRef>
+        </p:style>
+      </p:cxnSp>
+      <p:sp>
+        <p:nvSpPr>
+          <p:cNvPr id="138" name="TextBox 137"/>
+          <p:cNvSpPr txBox="1"/>
+          <p:nvPr/>
+        </p:nvSpPr>
+        <p:spPr>
+          <a:xfrm>
+            <a:off x="3252057" y="3206977"/>
+            <a:ext cx="723275" cy="261610"/>
+          </a:xfrm>
+          <a:prstGeom prst="rect">
+            <a:avLst/>
+          </a:prstGeom>
+          <a:noFill/>
+          <a:ln>
+            <a:noFill/>
+          </a:ln>
+        </p:spPr>
+        <p:txBody>
+          <a:bodyPr wrap="none" rtlCol="0">
+            <a:spAutoFit/>
+          </a:bodyPr>
+          <a:lstStyle/>
+          <a:p>
+            <a:r>
+              <a:rPr lang="en-US" sz="1100" dirty="0">
+                <a:solidFill>
+                  <a:srgbClr val="0070C0"/>
+                </a:solidFill>
+              </a:rPr>
+              <a:t>execute()</a:t>
+            </a:r>
+            <a:endParaRPr lang="en-US" sz="1400" dirty="0">
+              <a:solidFill>
+                <a:srgbClr val="0070C0"/>
+              </a:solidFill>
+            </a:endParaRPr>
+          </a:p>
+        </p:txBody>
+      </p:sp>
+      <p:sp>
+        <p:nvSpPr>
+          <p:cNvPr id="139" name="TextBox 138"/>
+          <p:cNvSpPr txBox="1"/>
+          <p:nvPr/>
+        </p:nvSpPr>
+        <p:spPr>
+          <a:xfrm>
+            <a:off x="3148847" y="4168490"/>
+            <a:ext cx="511679" cy="261610"/>
+          </a:xfrm>
+          <a:prstGeom prst="rect">
+            <a:avLst/>
+          </a:prstGeom>
+          <a:noFill/>
+          <a:ln>
+            <a:noFill/>
+          </a:ln>
+        </p:spPr>
+        <p:txBody>
+          <a:bodyPr wrap="none" rtlCol="0">
+            <a:spAutoFit/>
+          </a:bodyPr>
+          <a:lstStyle/>
+          <a:p>
+            <a:r>
+              <a:rPr lang="en-US" sz="1100" dirty="0">
+                <a:solidFill>
+                  <a:srgbClr val="0070C0"/>
+                </a:solidFill>
+              </a:rPr>
+              <a:t>result</a:t>
+            </a:r>
+            <a:endParaRPr lang="en-US" sz="1400" dirty="0">
+              <a:solidFill>
+                <a:srgbClr val="0070C0"/>
+              </a:solidFill>
+            </a:endParaRPr>
+          </a:p>
+        </p:txBody>
+      </p:sp>
+      <p:cxnSp>
+        <p:nvCxnSpPr>
+          <p:cNvPr id="140" name="Straight Connector 139"/>
+          <p:cNvCxnSpPr>
+            <a:cxnSpLocks/>
+          </p:cNvCxnSpPr>
+          <p:nvPr/>
+        </p:nvCxnSpPr>
+        <p:spPr>
+          <a:xfrm>
+            <a:off x="5292491" y="5482750"/>
+            <a:ext cx="1" cy="398970"/>
+          </a:xfrm>
+          <a:prstGeom prst="line">
+            <a:avLst/>
+          </a:prstGeom>
+          <a:ln>
+            <a:prstDash val="sysDash"/>
+          </a:ln>
+        </p:spPr>
+        <p:style>
+          <a:lnRef idx="1">
+            <a:schemeClr val="accent1"/>
+          </a:lnRef>
+          <a:fillRef idx="0">
+            <a:schemeClr val="accent1"/>
+          </a:fillRef>
+          <a:effectRef idx="0">
+            <a:schemeClr val="accent1"/>
+          </a:effectRef>
+          <a:fontRef idx="minor">
+            <a:schemeClr val="tx1"/>
+          </a:fontRef>
+        </p:style>
+      </p:cxnSp>
+      <p:cxnSp>
+        <p:nvCxnSpPr>
+          <p:cNvPr id="146" name="Straight Arrow Connector 145"/>
+          <p:cNvCxnSpPr>
+            <a:cxnSpLocks/>
+          </p:cNvCxnSpPr>
+          <p:nvPr/>
+        </p:nvCxnSpPr>
+        <p:spPr>
+          <a:xfrm>
+            <a:off x="5391540" y="3393231"/>
+            <a:ext cx="1750498" cy="0"/>
+          </a:xfrm>
+          <a:prstGeom prst="straightConnector1">
+            <a:avLst/>
+          </a:prstGeom>
+          <a:ln>
+            <a:tailEnd type="arrow"/>
+          </a:ln>
+        </p:spPr>
+        <p:style>
+          <a:lnRef idx="1">
+            <a:schemeClr val="accent1"/>
+          </a:lnRef>
+          <a:fillRef idx="0">
+            <a:schemeClr val="accent1"/>
+          </a:fillRef>
+          <a:effectRef idx="0">
+            <a:schemeClr val="accent1"/>
+          </a:effectRef>
+          <a:fontRef idx="minor">
+            <a:schemeClr val="tx1"/>
+          </a:fontRef>
+        </p:style>
+      </p:cxnSp>
+      <p:sp>
+        <p:nvSpPr>
+          <p:cNvPr id="158" name="TextBox 157"/>
+          <p:cNvSpPr txBox="1"/>
+          <p:nvPr/>
+        </p:nvSpPr>
+        <p:spPr>
+          <a:xfrm>
+            <a:off x="5908573" y="3146828"/>
+            <a:ext cx="853119" cy="246221"/>
+          </a:xfrm>
+          <a:prstGeom prst="rect">
+            <a:avLst/>
+          </a:prstGeom>
+          <a:noFill/>
+          <a:ln>
+            <a:noFill/>
+          </a:ln>
+        </p:spPr>
+        <p:txBody>
+          <a:bodyPr wrap="none" rtlCol="0">
+            <a:spAutoFit/>
+          </a:bodyPr>
+          <a:lstStyle/>
+          <a:p>
+            <a:r>
+              <a:rPr lang="en-US" sz="1000" dirty="0" err="1">
+                <a:solidFill>
+                  <a:schemeClr val="accent4"/>
+                </a:solidFill>
+              </a:rPr>
+              <a:t>addRating</a:t>
+            </a:r>
+            <a:r>
+              <a:rPr lang="en-US" sz="1000" dirty="0">
+                <a:solidFill>
+                  <a:schemeClr val="accent4"/>
+                </a:solidFill>
+              </a:rPr>
+              <a:t>(2)</a:t>
+            </a:r>
+          </a:p>
+        </p:txBody>
+      </p:sp>
+      <p:sp>
+        <p:nvSpPr>
+          <p:cNvPr id="159" name="Rectangle 62"/>
+          <p:cNvSpPr/>
+          <p:nvPr/>
+        </p:nvSpPr>
+        <p:spPr>
+          <a:xfrm>
+            <a:off x="5802321" y="4724400"/>
+            <a:ext cx="1093641" cy="346760"/>
+          </a:xfrm>
+          <a:prstGeom prst="rect">
+            <a:avLst/>
+          </a:prstGeom>
+          <a:solidFill>
+            <a:srgbClr val="0070C0"/>
+          </a:solidFill>
+          <a:ln w="19050">
+            <a:solidFill>
+              <a:srgbClr val="0070C0"/>
+            </a:solidFill>
+          </a:ln>
+          <a:effectLst/>
+        </p:spPr>
+        <p:style>
+          <a:lnRef idx="1">
+            <a:schemeClr val="accent2"/>
+          </a:lnRef>
+          <a:fillRef idx="2">
+            <a:schemeClr val="accent2"/>
+          </a:fillRef>
+          <a:effectRef idx="1">
+            <a:schemeClr val="accent2"/>
+          </a:effectRef>
+          <a:fontRef idx="minor">
+            <a:schemeClr val="dk1"/>
+          </a:fontRef>
+        </p:style>
+        <p:txBody>
+          <a:bodyPr rtlCol="0" anchor="ctr"/>
+          <a:lstStyle/>
+          <a:p>
+            <a:pPr algn="ctr"/>
+            <a:r>
+              <a:rPr lang="en-US" sz="1050" dirty="0" err="1">
+                <a:solidFill>
+                  <a:schemeClr val="bg1"/>
+                </a:solidFill>
+              </a:rPr>
+              <a:t>result:Command</a:t>
+            </a:r>
+            <a:r>
+              <a:rPr lang="en-US" sz="1050" dirty="0">
+                <a:solidFill>
+                  <a:schemeClr val="bg1"/>
+                </a:solidFill>
+              </a:rPr>
+              <a:t> Result</a:t>
+            </a:r>
+            <a:endParaRPr lang="en-SG" sz="1050" dirty="0">
+              <a:solidFill>
+                <a:schemeClr val="bg1"/>
+              </a:solidFill>
+            </a:endParaRPr>
+          </a:p>
+        </p:txBody>
+      </p:sp>
+      <p:cxnSp>
+        <p:nvCxnSpPr>
+          <p:cNvPr id="161" name="Straight Arrow Connector 160"/>
+          <p:cNvCxnSpPr>
+            <a:cxnSpLocks/>
+          </p:cNvCxnSpPr>
+          <p:nvPr/>
+        </p:nvCxnSpPr>
+        <p:spPr>
+          <a:xfrm flipH="1">
+            <a:off x="5369794" y="3621831"/>
+            <a:ext cx="1772245" cy="0"/>
+          </a:xfrm>
+          <a:prstGeom prst="straightConnector1">
+            <a:avLst/>
+          </a:prstGeom>
+          <a:ln>
+            <a:solidFill>
+              <a:schemeClr val="accent4">
+                <a:lumMod val="60000"/>
+                <a:lumOff val="40000"/>
+              </a:schemeClr>
+            </a:solidFill>
+            <a:prstDash val="sysDash"/>
+            <a:tailEnd type="arrow"/>
+          </a:ln>
+        </p:spPr>
+        <p:style>
+          <a:lnRef idx="1">
+            <a:schemeClr val="accent1"/>
+          </a:lnRef>
+          <a:fillRef idx="0">
+            <a:schemeClr val="accent1"/>
+          </a:fillRef>
+          <a:effectRef idx="0">
+            <a:schemeClr val="accent1"/>
+          </a:effectRef>
+          <a:fontRef idx="minor">
+            <a:schemeClr val="tx1"/>
+          </a:fontRef>
+        </p:style>
+      </p:cxnSp>
+      <p:cxnSp>
+        <p:nvCxnSpPr>
+          <p:cNvPr id="166" name="Straight Arrow Connector 165"/>
+          <p:cNvCxnSpPr>
+            <a:endCxn id="159" idx="1"/>
+          </p:cNvCxnSpPr>
+          <p:nvPr/>
+        </p:nvCxnSpPr>
+        <p:spPr>
+          <a:xfrm>
+            <a:off x="5369793" y="4897780"/>
+            <a:ext cx="432529" cy="0"/>
+          </a:xfrm>
+          <a:prstGeom prst="straightConnector1">
+            <a:avLst/>
+          </a:prstGeom>
+          <a:ln>
+            <a:tailEnd type="arrow"/>
+          </a:ln>
+        </p:spPr>
+        <p:style>
+          <a:lnRef idx="1">
+            <a:schemeClr val="accent1"/>
+          </a:lnRef>
+          <a:fillRef idx="0">
+            <a:schemeClr val="accent1"/>
+          </a:fillRef>
+          <a:effectRef idx="0">
+            <a:schemeClr val="accent1"/>
+          </a:effectRef>
+          <a:fontRef idx="minor">
+            <a:schemeClr val="tx1"/>
+          </a:fontRef>
+        </p:style>
+      </p:cxnSp>
+      <p:sp>
+        <p:nvSpPr>
+          <p:cNvPr id="167" name="Rectangle 8"/>
+          <p:cNvSpPr/>
+          <p:nvPr/>
+        </p:nvSpPr>
+        <p:spPr>
+          <a:xfrm flipH="1">
+            <a:off x="6250984" y="5060625"/>
+            <a:ext cx="173285" cy="180056"/>
+          </a:xfrm>
+          <a:prstGeom prst="rect">
+            <a:avLst/>
+          </a:prstGeom>
+          <a:solidFill>
+            <a:srgbClr val="0070C0"/>
+          </a:solidFill>
+          <a:ln w="19050">
+            <a:solidFill>
+              <a:srgbClr val="0070C0"/>
+            </a:solidFill>
+          </a:ln>
+          <a:effectLst/>
+        </p:spPr>
+        <p:style>
+          <a:lnRef idx="1">
+            <a:schemeClr val="accent2"/>
+          </a:lnRef>
+          <a:fillRef idx="2">
+            <a:schemeClr val="accent2"/>
+          </a:fillRef>
+          <a:effectRef idx="1">
+            <a:schemeClr val="accent2"/>
+          </a:effectRef>
+          <a:fontRef idx="minor">
+            <a:schemeClr val="dk1"/>
+          </a:fontRef>
+        </p:style>
+        <p:txBody>
+          <a:bodyPr rtlCol="0" anchor="ctr"/>
+          <a:lstStyle/>
+          <a:p>
+            <a:pPr algn="ctr"/>
+            <a:endParaRPr lang="en-SG" sz="1200" dirty="0">
+              <a:solidFill>
+                <a:schemeClr val="bg1"/>
+              </a:solidFill>
+            </a:endParaRPr>
+          </a:p>
+        </p:txBody>
+      </p:sp>
+      <p:cxnSp>
+        <p:nvCxnSpPr>
+          <p:cNvPr id="169" name="Straight Arrow Connector 168"/>
+          <p:cNvCxnSpPr/>
+          <p:nvPr/>
+        </p:nvCxnSpPr>
+        <p:spPr>
+          <a:xfrm flipH="1">
+            <a:off x="5369793" y="5240681"/>
+            <a:ext cx="979349" cy="0"/>
+          </a:xfrm>
+          <a:prstGeom prst="straightConnector1">
+            <a:avLst/>
+          </a:prstGeom>
+          <a:ln>
+            <a:solidFill>
+              <a:srgbClr val="0070C0"/>
+            </a:solidFill>
+            <a:prstDash val="sysDash"/>
+            <a:tailEnd type="arrow"/>
+          </a:ln>
+        </p:spPr>
+        <p:style>
+          <a:lnRef idx="1">
+            <a:schemeClr val="accent1"/>
+          </a:lnRef>
+          <a:fillRef idx="0">
+            <a:schemeClr val="accent1"/>
+          </a:fillRef>
+          <a:effectRef idx="0">
+            <a:schemeClr val="accent1"/>
+          </a:effectRef>
+          <a:fontRef idx="minor">
+            <a:schemeClr val="tx1"/>
+          </a:fontRef>
+        </p:style>
+      </p:cxnSp>
+      <p:sp>
+        <p:nvSpPr>
+          <p:cNvPr id="49" name="Rectangle 8">
+            <a:extLst>
+              <a:ext uri="{FF2B5EF4-FFF2-40B4-BE49-F238E27FC236}">
+                <a16:creationId xmlns:a16="http://schemas.microsoft.com/office/drawing/2014/main" id="{A59F472E-3A6C-2445-AD28-14BA696E0A6E}"/>
+              </a:ext>
+            </a:extLst>
+          </p:cNvPr>
+          <p:cNvSpPr/>
+          <p:nvPr/>
+        </p:nvSpPr>
+        <p:spPr>
+          <a:xfrm>
+            <a:off x="8626300" y="1035564"/>
+            <a:ext cx="817752" cy="430077"/>
+          </a:xfrm>
+          <a:prstGeom prst="rect">
+            <a:avLst/>
+          </a:prstGeom>
+          <a:solidFill>
+            <a:schemeClr val="accent4">
+              <a:lumMod val="60000"/>
+              <a:lumOff val="40000"/>
+            </a:schemeClr>
+          </a:solidFill>
+          <a:ln w="19050">
+            <a:solidFill>
+              <a:schemeClr val="accent4">
+                <a:lumMod val="60000"/>
+                <a:lumOff val="40000"/>
+              </a:schemeClr>
+            </a:solidFill>
+          </a:ln>
+          <a:effectLst/>
+        </p:spPr>
+        <p:style>
+          <a:lnRef idx="1">
+            <a:schemeClr val="accent2"/>
+          </a:lnRef>
+          <a:fillRef idx="2">
+            <a:schemeClr val="accent2"/>
+          </a:fillRef>
+          <a:effectRef idx="1">
+            <a:schemeClr val="accent2"/>
+          </a:effectRef>
+          <a:fontRef idx="minor">
+            <a:schemeClr val="dk1"/>
+          </a:fontRef>
+        </p:style>
+        <p:txBody>
+          <a:bodyPr rtlCol="0" anchor="ctr"/>
+          <a:lstStyle/>
+          <a:p>
+            <a:pPr algn="ctr"/>
+            <a:r>
+              <a:rPr lang="en-US" sz="1000" dirty="0">
+                <a:solidFill>
+                  <a:schemeClr val="bg1"/>
+                </a:solidFill>
+              </a:rPr>
+              <a:t>:</a:t>
+            </a:r>
+            <a:r>
+              <a:rPr lang="en-US" sz="1000" dirty="0" err="1">
+                <a:solidFill>
+                  <a:schemeClr val="bg1"/>
+                </a:solidFill>
+              </a:rPr>
+              <a:t>StudyView</a:t>
+            </a:r>
+            <a:endParaRPr lang="en-SG" sz="1000" dirty="0">
+              <a:solidFill>
+                <a:schemeClr val="bg1"/>
+              </a:solidFill>
+            </a:endParaRPr>
+          </a:p>
+        </p:txBody>
+      </p:sp>
+      <p:sp>
+        <p:nvSpPr>
+          <p:cNvPr id="60" name="Rectangle 8">
+            <a:extLst>
+              <a:ext uri="{FF2B5EF4-FFF2-40B4-BE49-F238E27FC236}">
+                <a16:creationId xmlns:a16="http://schemas.microsoft.com/office/drawing/2014/main" id="{CDDEF2DC-E2B8-FC45-9E6A-9258C9687CF4}"/>
+              </a:ext>
+            </a:extLst>
+          </p:cNvPr>
+          <p:cNvSpPr/>
+          <p:nvPr/>
+        </p:nvSpPr>
+        <p:spPr>
+          <a:xfrm>
+            <a:off x="8970037" y="3755009"/>
+            <a:ext cx="164580" cy="441160"/>
+          </a:xfrm>
+          <a:prstGeom prst="rect">
+            <a:avLst/>
+          </a:prstGeom>
+          <a:solidFill>
+            <a:schemeClr val="accent4">
+              <a:lumMod val="60000"/>
+              <a:lumOff val="40000"/>
+            </a:schemeClr>
+          </a:solidFill>
+          <a:ln w="19050">
+            <a:solidFill>
+              <a:schemeClr val="accent4">
+                <a:lumMod val="60000"/>
+                <a:lumOff val="40000"/>
+              </a:schemeClr>
+            </a:solidFill>
+          </a:ln>
+          <a:effectLst/>
+        </p:spPr>
+        <p:style>
+          <a:lnRef idx="1">
+            <a:schemeClr val="accent2"/>
+          </a:lnRef>
+          <a:fillRef idx="2">
+            <a:schemeClr val="accent2"/>
+          </a:fillRef>
+          <a:effectRef idx="1">
+            <a:schemeClr val="accent2"/>
+          </a:effectRef>
+          <a:fontRef idx="minor">
+            <a:schemeClr val="dk1"/>
+          </a:fontRef>
+        </p:style>
+        <p:txBody>
+          <a:bodyPr rtlCol="0" anchor="ctr"/>
+          <a:lstStyle/>
+          <a:p>
+            <a:pPr algn="ctr"/>
+            <a:endParaRPr lang="en-SG" sz="1200" dirty="0">
+              <a:solidFill>
+                <a:schemeClr val="bg1"/>
+              </a:solidFill>
+            </a:endParaRPr>
+          </a:p>
+        </p:txBody>
+      </p:sp>
+      <p:cxnSp>
+        <p:nvCxnSpPr>
+          <p:cNvPr id="61" name="Straight Connector 60">
+            <a:extLst>
+              <a:ext uri="{FF2B5EF4-FFF2-40B4-BE49-F238E27FC236}">
+                <a16:creationId xmlns:a16="http://schemas.microsoft.com/office/drawing/2014/main" id="{45B2EF2B-8E1F-9A44-8DB4-7BC427C8C656}"/>
+              </a:ext>
+            </a:extLst>
+          </p:cNvPr>
+          <p:cNvCxnSpPr>
+            <a:cxnSpLocks/>
+            <a:stCxn id="49" idx="2"/>
+            <a:endCxn id="60" idx="0"/>
+          </p:cNvCxnSpPr>
+          <p:nvPr/>
+        </p:nvCxnSpPr>
+        <p:spPr>
+          <a:xfrm>
+            <a:off x="9035175" y="1465639"/>
+            <a:ext cx="17152" cy="2289370"/>
+          </a:xfrm>
+          <a:prstGeom prst="line">
+            <a:avLst/>
+          </a:prstGeom>
+          <a:ln>
+            <a:solidFill>
+              <a:schemeClr val="accent4">
+                <a:lumMod val="60000"/>
+                <a:lumOff val="40000"/>
+              </a:schemeClr>
+            </a:solidFill>
+            <a:prstDash val="sysDash"/>
+          </a:ln>
+        </p:spPr>
+        <p:style>
+          <a:lnRef idx="1">
+            <a:schemeClr val="accent1"/>
+          </a:lnRef>
+          <a:fillRef idx="0">
+            <a:schemeClr val="accent1"/>
+          </a:fillRef>
+          <a:effectRef idx="0">
+            <a:schemeClr val="accent1"/>
+          </a:effectRef>
+          <a:fontRef idx="minor">
+            <a:schemeClr val="tx1"/>
+          </a:fontRef>
+        </p:style>
+      </p:cxnSp>
+      <p:cxnSp>
+        <p:nvCxnSpPr>
+          <p:cNvPr id="62" name="Straight Connector 61">
+            <a:extLst>
+              <a:ext uri="{FF2B5EF4-FFF2-40B4-BE49-F238E27FC236}">
+                <a16:creationId xmlns:a16="http://schemas.microsoft.com/office/drawing/2014/main" id="{76E5EABE-8464-B245-874B-EE4449625D28}"/>
+              </a:ext>
+            </a:extLst>
+          </p:cNvPr>
+          <p:cNvCxnSpPr>
+            <a:cxnSpLocks/>
+            <a:stCxn id="60" idx="2"/>
+          </p:cNvCxnSpPr>
+          <p:nvPr/>
+        </p:nvCxnSpPr>
+        <p:spPr>
+          <a:xfrm flipH="1">
+            <a:off x="9018023" y="4196169"/>
+            <a:ext cx="34304" cy="1290446"/>
+          </a:xfrm>
+          <a:prstGeom prst="line">
+            <a:avLst/>
+          </a:prstGeom>
+          <a:ln>
+            <a:solidFill>
+              <a:schemeClr val="accent4">
+                <a:lumMod val="60000"/>
+                <a:lumOff val="40000"/>
+              </a:schemeClr>
+            </a:solidFill>
+            <a:prstDash val="sysDash"/>
+          </a:ln>
+        </p:spPr>
+        <p:style>
+          <a:lnRef idx="1">
+            <a:schemeClr val="accent1"/>
+          </a:lnRef>
+          <a:fillRef idx="0">
+            <a:schemeClr val="accent1"/>
+          </a:fillRef>
+          <a:effectRef idx="0">
+            <a:schemeClr val="accent1"/>
+          </a:effectRef>
+          <a:fontRef idx="minor">
+            <a:schemeClr val="tx1"/>
+          </a:fontRef>
+        </p:style>
+      </p:cxnSp>
+      <p:sp>
+        <p:nvSpPr>
+          <p:cNvPr id="65" name="Rectangle 8">
+            <a:extLst>
+              <a:ext uri="{FF2B5EF4-FFF2-40B4-BE49-F238E27FC236}">
+                <a16:creationId xmlns:a16="http://schemas.microsoft.com/office/drawing/2014/main" id="{7DA9F07D-0EE0-EB41-9568-4CF2A589EB1E}"/>
+              </a:ext>
+            </a:extLst>
+          </p:cNvPr>
+          <p:cNvSpPr/>
+          <p:nvPr/>
+        </p:nvSpPr>
+        <p:spPr>
+          <a:xfrm>
+            <a:off x="8972763" y="4309389"/>
+            <a:ext cx="152398" cy="353527"/>
+          </a:xfrm>
+          <a:prstGeom prst="rect">
+            <a:avLst/>
+          </a:prstGeom>
+          <a:solidFill>
+            <a:schemeClr val="accent4">
+              <a:lumMod val="60000"/>
+              <a:lumOff val="40000"/>
+            </a:schemeClr>
+          </a:solidFill>
+          <a:ln w="19050">
+            <a:solidFill>
+              <a:schemeClr val="accent4">
+                <a:lumMod val="60000"/>
+                <a:lumOff val="40000"/>
+              </a:schemeClr>
+            </a:solidFill>
+          </a:ln>
+          <a:effectLst/>
+        </p:spPr>
+        <p:style>
+          <a:lnRef idx="1">
+            <a:schemeClr val="accent2"/>
+          </a:lnRef>
+          <a:fillRef idx="2">
+            <a:schemeClr val="accent2"/>
+          </a:fillRef>
+          <a:effectRef idx="1">
+            <a:schemeClr val="accent2"/>
+          </a:effectRef>
+          <a:fontRef idx="minor">
+            <a:schemeClr val="dk1"/>
+          </a:fontRef>
+        </p:style>
+        <p:txBody>
+          <a:bodyPr rtlCol="0" anchor="ctr"/>
+          <a:lstStyle/>
+          <a:p>
+            <a:pPr algn="ctr"/>
+            <a:endParaRPr lang="en-SG" sz="1200" dirty="0">
+              <a:solidFill>
+                <a:schemeClr val="bg1"/>
+              </a:solidFill>
+            </a:endParaRPr>
+          </a:p>
+        </p:txBody>
+      </p:sp>
+      <p:sp>
+        <p:nvSpPr>
+          <p:cNvPr id="75" name="Rectangle 8">
+            <a:extLst>
+              <a:ext uri="{FF2B5EF4-FFF2-40B4-BE49-F238E27FC236}">
+                <a16:creationId xmlns:a16="http://schemas.microsoft.com/office/drawing/2014/main" id="{6797A8EC-C858-1040-BE8C-6A719C8C2164}"/>
+              </a:ext>
+            </a:extLst>
+          </p:cNvPr>
+          <p:cNvSpPr/>
+          <p:nvPr/>
+        </p:nvSpPr>
+        <p:spPr>
+          <a:xfrm>
+            <a:off x="2592602" y="1225258"/>
+            <a:ext cx="1209241" cy="228601"/>
+          </a:xfrm>
+          <a:prstGeom prst="rect">
+            <a:avLst/>
+          </a:prstGeom>
+          <a:solidFill>
+            <a:srgbClr val="0070C0"/>
+          </a:solidFill>
+          <a:ln w="19050">
+            <a:solidFill>
+              <a:srgbClr val="0070C0"/>
+            </a:solidFill>
+          </a:ln>
+          <a:effectLst/>
+        </p:spPr>
+        <p:style>
+          <a:lnRef idx="1">
+            <a:schemeClr val="accent2"/>
+          </a:lnRef>
+          <a:fillRef idx="2">
+            <a:schemeClr val="accent2"/>
+          </a:fillRef>
+          <a:effectRef idx="1">
+            <a:schemeClr val="accent2"/>
+          </a:effectRef>
+          <a:fontRef idx="minor">
+            <a:schemeClr val="dk1"/>
+          </a:fontRef>
+        </p:style>
+        <p:txBody>
+          <a:bodyPr rtlCol="0" anchor="ctr"/>
+          <a:lstStyle/>
+          <a:p>
+            <a:pPr algn="ctr"/>
+            <a:r>
+              <a:rPr lang="en-US" sz="1000" dirty="0">
+                <a:solidFill>
+                  <a:schemeClr val="bg1"/>
+                </a:solidFill>
+              </a:rPr>
+              <a:t>:</a:t>
+            </a:r>
+            <a:r>
+              <a:rPr lang="en-US" sz="1000" dirty="0" err="1">
+                <a:solidFill>
+                  <a:schemeClr val="bg1"/>
+                </a:solidFill>
+              </a:rPr>
+              <a:t>StudyViewParser</a:t>
+            </a:r>
+            <a:endParaRPr lang="en-SG" sz="1000" dirty="0">
+              <a:solidFill>
+                <a:schemeClr val="bg1"/>
+              </a:solidFill>
+            </a:endParaRPr>
+          </a:p>
+        </p:txBody>
+      </p:sp>
+      <p:sp>
+        <p:nvSpPr>
+          <p:cNvPr id="82" name="Rectangle 8">
+            <a:extLst>
+              <a:ext uri="{FF2B5EF4-FFF2-40B4-BE49-F238E27FC236}">
+                <a16:creationId xmlns:a16="http://schemas.microsoft.com/office/drawing/2014/main" id="{793A708D-20DF-054A-90E4-3C2330E56DF7}"/>
+              </a:ext>
+            </a:extLst>
+          </p:cNvPr>
+          <p:cNvSpPr/>
+          <p:nvPr/>
+        </p:nvSpPr>
+        <p:spPr>
+          <a:xfrm flipH="1">
+            <a:off x="2800528" y="1549466"/>
+            <a:ext cx="161911" cy="1547410"/>
+          </a:xfrm>
+          <a:prstGeom prst="rect">
+            <a:avLst/>
+          </a:prstGeom>
+          <a:solidFill>
+            <a:srgbClr val="0070C0"/>
+          </a:solidFill>
+          <a:ln w="19050">
+            <a:solidFill>
+              <a:srgbClr val="0070C0"/>
+            </a:solidFill>
+          </a:ln>
+          <a:effectLst/>
+        </p:spPr>
+        <p:style>
+          <a:lnRef idx="1">
+            <a:schemeClr val="accent2"/>
+          </a:lnRef>
+          <a:fillRef idx="2">
+            <a:schemeClr val="accent2"/>
+          </a:fillRef>
+          <a:effectRef idx="1">
+            <a:schemeClr val="accent2"/>
+          </a:effectRef>
+          <a:fontRef idx="minor">
+            <a:schemeClr val="dk1"/>
+          </a:fontRef>
+        </p:style>
+        <p:txBody>
+          <a:bodyPr rtlCol="0" anchor="ctr"/>
+          <a:lstStyle/>
+          <a:p>
+            <a:pPr algn="ctr"/>
+            <a:endParaRPr lang="en-SG" sz="1200" dirty="0">
+              <a:solidFill>
+                <a:schemeClr val="bg1"/>
+              </a:solidFill>
+            </a:endParaRPr>
+          </a:p>
+        </p:txBody>
+      </p:sp>
+      <p:cxnSp>
+        <p:nvCxnSpPr>
+          <p:cNvPr id="83" name="Straight Arrow Connector 82">
+            <a:extLst>
+              <a:ext uri="{FF2B5EF4-FFF2-40B4-BE49-F238E27FC236}">
+                <a16:creationId xmlns:a16="http://schemas.microsoft.com/office/drawing/2014/main" id="{4E5F5D16-5F26-274B-B2AC-8BAFC234FDCA}"/>
+              </a:ext>
+            </a:extLst>
+          </p:cNvPr>
+          <p:cNvCxnSpPr>
+            <a:cxnSpLocks/>
+          </p:cNvCxnSpPr>
+          <p:nvPr/>
+        </p:nvCxnSpPr>
+        <p:spPr>
+          <a:xfrm>
+            <a:off x="1848221" y="1827108"/>
+            <a:ext cx="952309" cy="0"/>
+          </a:xfrm>
+          <a:prstGeom prst="straightConnector1">
+            <a:avLst/>
+          </a:prstGeom>
+          <a:ln w="19050">
+            <a:tailEnd type="arrow"/>
+          </a:ln>
+        </p:spPr>
+        <p:style>
+          <a:lnRef idx="1">
+            <a:schemeClr val="accent1"/>
+          </a:lnRef>
+          <a:fillRef idx="0">
+            <a:schemeClr val="accent1"/>
+          </a:fillRef>
+          <a:effectRef idx="0">
+            <a:schemeClr val="accent1"/>
+          </a:effectRef>
+          <a:fontRef idx="minor">
+            <a:schemeClr val="tx1"/>
+          </a:fontRef>
+        </p:style>
+      </p:cxnSp>
+      <p:sp>
+        <p:nvSpPr>
+          <p:cNvPr id="85" name="TextBox 84">
+            <a:extLst>
+              <a:ext uri="{FF2B5EF4-FFF2-40B4-BE49-F238E27FC236}">
+                <a16:creationId xmlns:a16="http://schemas.microsoft.com/office/drawing/2014/main" id="{3A6217D5-30AF-D448-BC5E-892D42151945}"/>
+              </a:ext>
+            </a:extLst>
+          </p:cNvPr>
+          <p:cNvSpPr txBox="1"/>
+          <p:nvPr/>
+        </p:nvSpPr>
+        <p:spPr>
+          <a:xfrm>
+            <a:off x="1915761" y="1651191"/>
+            <a:ext cx="748923" cy="215444"/>
+          </a:xfrm>
+          <a:prstGeom prst="rect">
+            <a:avLst/>
+          </a:prstGeom>
+          <a:noFill/>
+          <a:ln>
+            <a:noFill/>
+          </a:ln>
+        </p:spPr>
+        <p:txBody>
+          <a:bodyPr wrap="none" rtlCol="0">
+            <a:spAutoFit/>
+          </a:bodyPr>
+          <a:lstStyle/>
+          <a:p>
+            <a:r>
+              <a:rPr lang="en-US" sz="800" dirty="0">
+                <a:solidFill>
+                  <a:srgbClr val="0070C0"/>
+                </a:solidFill>
+              </a:rPr>
+              <a:t>parse(“2”, “”)</a:t>
+            </a:r>
+          </a:p>
+        </p:txBody>
+      </p:sp>
+      <p:cxnSp>
+        <p:nvCxnSpPr>
+          <p:cNvPr id="86" name="Straight Connector 85">
+            <a:extLst>
+              <a:ext uri="{FF2B5EF4-FFF2-40B4-BE49-F238E27FC236}">
+                <a16:creationId xmlns:a16="http://schemas.microsoft.com/office/drawing/2014/main" id="{B93543B7-3CE2-774D-A224-6F85BDE839D0}"/>
+              </a:ext>
+            </a:extLst>
+          </p:cNvPr>
+          <p:cNvCxnSpPr>
+            <a:cxnSpLocks/>
+            <a:endCxn id="82" idx="0"/>
+          </p:cNvCxnSpPr>
+          <p:nvPr/>
+        </p:nvCxnSpPr>
+        <p:spPr>
+          <a:xfrm>
+            <a:off x="2874837" y="1414188"/>
+            <a:ext cx="6644" cy="135279"/>
+          </a:xfrm>
+          <a:prstGeom prst="line">
+            <a:avLst/>
+          </a:prstGeom>
+          <a:ln>
+            <a:prstDash val="sysDash"/>
+          </a:ln>
+        </p:spPr>
+        <p:style>
+          <a:lnRef idx="1">
+            <a:schemeClr val="accent1"/>
+          </a:lnRef>
+          <a:fillRef idx="0">
+            <a:schemeClr val="accent1"/>
+          </a:fillRef>
+          <a:effectRef idx="0">
+            <a:schemeClr val="accent1"/>
+          </a:effectRef>
+          <a:fontRef idx="minor">
+            <a:schemeClr val="tx1"/>
+          </a:fontRef>
+        </p:style>
+      </p:cxnSp>
+      <p:sp>
+        <p:nvSpPr>
+          <p:cNvPr id="87" name="TextBox 86">
+            <a:extLst>
+              <a:ext uri="{FF2B5EF4-FFF2-40B4-BE49-F238E27FC236}">
+                <a16:creationId xmlns:a16="http://schemas.microsoft.com/office/drawing/2014/main" id="{1303F750-8A1F-3946-991F-6783EF0C0248}"/>
+              </a:ext>
+            </a:extLst>
+          </p:cNvPr>
+          <p:cNvSpPr txBox="1"/>
+          <p:nvPr/>
+        </p:nvSpPr>
+        <p:spPr>
+          <a:xfrm>
+            <a:off x="2913300" y="2048041"/>
+            <a:ext cx="614271" cy="215444"/>
+          </a:xfrm>
+          <a:prstGeom prst="rect">
+            <a:avLst/>
+          </a:prstGeom>
+          <a:noFill/>
+          <a:ln>
+            <a:noFill/>
+          </a:ln>
+        </p:spPr>
+        <p:txBody>
+          <a:bodyPr wrap="none" rtlCol="0">
+            <a:spAutoFit/>
+          </a:bodyPr>
+          <a:lstStyle/>
+          <a:p>
+            <a:r>
+              <a:rPr lang="en-US" sz="800" dirty="0">
+                <a:solidFill>
+                  <a:srgbClr val="0070C0"/>
+                </a:solidFill>
+              </a:rPr>
+              <a:t>parse(“2”)</a:t>
+            </a:r>
+          </a:p>
+        </p:txBody>
+      </p:sp>
+      <p:sp>
+        <p:nvSpPr>
+          <p:cNvPr id="27" name="Rectangle 26">
+            <a:extLst>
+              <a:ext uri="{FF2B5EF4-FFF2-40B4-BE49-F238E27FC236}">
+                <a16:creationId xmlns:a16="http://schemas.microsoft.com/office/drawing/2014/main" id="{873CA403-E43F-1043-B1F0-15EC5C22493C}"/>
+              </a:ext>
+            </a:extLst>
+          </p:cNvPr>
+          <p:cNvSpPr/>
+          <p:nvPr/>
+        </p:nvSpPr>
+        <p:spPr>
+          <a:xfrm>
+            <a:off x="2800528" y="1589139"/>
+            <a:ext cx="7998821" cy="3755185"/>
+          </a:xfrm>
+          <a:prstGeom prst="rect">
+            <a:avLst/>
+          </a:prstGeom>
+          <a:noFill/>
+          <a:ln w="19050"/>
+        </p:spPr>
+        <p:style>
+          <a:lnRef idx="2">
+            <a:schemeClr val="accent1">
+              <a:shade val="50000"/>
+            </a:schemeClr>
+          </a:lnRef>
+          <a:fillRef idx="1">
+            <a:schemeClr val="accent1"/>
+          </a:fillRef>
+          <a:effectRef idx="0">
+            <a:schemeClr val="accent1"/>
+          </a:effectRef>
+          <a:fontRef idx="minor">
+            <a:schemeClr val="lt1"/>
+          </a:fontRef>
+        </p:style>
+        <p:txBody>
+          <a:bodyPr rtlCol="0" anchor="ctr"/>
+          <a:lstStyle/>
+          <a:p>
+            <a:pPr algn="ctr"/>
+            <a:endParaRPr lang="en-US"/>
+          </a:p>
+        </p:txBody>
+      </p:sp>
+      <p:cxnSp>
+        <p:nvCxnSpPr>
+          <p:cNvPr id="88" name="Straight Arrow Connector 87">
+            <a:extLst>
+              <a:ext uri="{FF2B5EF4-FFF2-40B4-BE49-F238E27FC236}">
+                <a16:creationId xmlns:a16="http://schemas.microsoft.com/office/drawing/2014/main" id="{CA9B0F67-8A19-BE4B-AA51-B5CAB16CD827}"/>
+              </a:ext>
+            </a:extLst>
+          </p:cNvPr>
+          <p:cNvCxnSpPr>
+            <a:cxnSpLocks/>
+          </p:cNvCxnSpPr>
+          <p:nvPr/>
+        </p:nvCxnSpPr>
+        <p:spPr>
+          <a:xfrm>
+            <a:off x="5361898" y="3886202"/>
+            <a:ext cx="3556677" cy="28573"/>
+          </a:xfrm>
+          <a:prstGeom prst="straightConnector1">
+            <a:avLst/>
+          </a:prstGeom>
+          <a:ln>
+            <a:tailEnd type="arrow"/>
+          </a:ln>
+        </p:spPr>
+        <p:style>
+          <a:lnRef idx="1">
+            <a:schemeClr val="accent1"/>
+          </a:lnRef>
+          <a:fillRef idx="0">
+            <a:schemeClr val="accent1"/>
+          </a:fillRef>
+          <a:effectRef idx="0">
+            <a:schemeClr val="accent1"/>
+          </a:effectRef>
+          <a:fontRef idx="minor">
+            <a:schemeClr val="tx1"/>
+          </a:fontRef>
+        </p:style>
+      </p:cxnSp>
+      <p:cxnSp>
+        <p:nvCxnSpPr>
+          <p:cNvPr id="89" name="Straight Arrow Connector 88">
+            <a:extLst>
+              <a:ext uri="{FF2B5EF4-FFF2-40B4-BE49-F238E27FC236}">
+                <a16:creationId xmlns:a16="http://schemas.microsoft.com/office/drawing/2014/main" id="{7AB8C0F8-4F39-0C4C-8CC9-6D4FD1B57738}"/>
+              </a:ext>
+            </a:extLst>
+          </p:cNvPr>
+          <p:cNvCxnSpPr>
+            <a:cxnSpLocks/>
+          </p:cNvCxnSpPr>
+          <p:nvPr/>
+        </p:nvCxnSpPr>
+        <p:spPr>
+          <a:xfrm flipH="1" flipV="1">
+            <a:off x="5391543" y="4117807"/>
+            <a:ext cx="3578494" cy="8946"/>
+          </a:xfrm>
+          <a:prstGeom prst="straightConnector1">
+            <a:avLst/>
+          </a:prstGeom>
+          <a:ln>
+            <a:solidFill>
+              <a:schemeClr val="accent4">
+                <a:lumMod val="60000"/>
+                <a:lumOff val="40000"/>
+              </a:schemeClr>
+            </a:solidFill>
+            <a:prstDash val="sysDash"/>
+            <a:tailEnd type="arrow"/>
+          </a:ln>
+        </p:spPr>
+        <p:style>
+          <a:lnRef idx="1">
+            <a:schemeClr val="accent1"/>
+          </a:lnRef>
+          <a:fillRef idx="0">
+            <a:schemeClr val="accent1"/>
+          </a:fillRef>
+          <a:effectRef idx="0">
+            <a:schemeClr val="accent1"/>
+          </a:effectRef>
+          <a:fontRef idx="minor">
+            <a:schemeClr val="tx1"/>
+          </a:fontRef>
+        </p:style>
+      </p:cxnSp>
+      <p:sp>
+        <p:nvSpPr>
+          <p:cNvPr id="92" name="TextBox 91">
+            <a:extLst>
+              <a:ext uri="{FF2B5EF4-FFF2-40B4-BE49-F238E27FC236}">
+                <a16:creationId xmlns:a16="http://schemas.microsoft.com/office/drawing/2014/main" id="{38A3E351-DA5C-654F-A77B-092FB2D8A3D0}"/>
+              </a:ext>
+            </a:extLst>
+          </p:cNvPr>
+          <p:cNvSpPr txBox="1"/>
+          <p:nvPr/>
+        </p:nvSpPr>
+        <p:spPr>
+          <a:xfrm>
+            <a:off x="5911415" y="3675022"/>
+            <a:ext cx="1142282" cy="246221"/>
+          </a:xfrm>
+          <a:prstGeom prst="rect">
+            <a:avLst/>
+          </a:prstGeom>
+          <a:noFill/>
+          <a:ln>
+            <a:noFill/>
+          </a:ln>
+        </p:spPr>
+        <p:txBody>
+          <a:bodyPr wrap="square" rtlCol="0">
+            <a:spAutoFit/>
+          </a:bodyPr>
+          <a:lstStyle/>
+          <a:p>
+            <a:r>
+              <a:rPr lang="en-US" sz="1000" dirty="0" err="1">
+                <a:solidFill>
+                  <a:schemeClr val="accent4"/>
+                </a:solidFill>
+              </a:rPr>
+              <a:t>generateCard</a:t>
+            </a:r>
+            <a:r>
+              <a:rPr lang="en-US" sz="1000" dirty="0">
+                <a:solidFill>
+                  <a:schemeClr val="accent4"/>
+                </a:solidFill>
+              </a:rPr>
+              <a:t>()</a:t>
+            </a:r>
+          </a:p>
+        </p:txBody>
+      </p:sp>
+      <p:cxnSp>
+        <p:nvCxnSpPr>
+          <p:cNvPr id="111" name="Straight Arrow Connector 110">
+            <a:extLst>
+              <a:ext uri="{FF2B5EF4-FFF2-40B4-BE49-F238E27FC236}">
+                <a16:creationId xmlns:a16="http://schemas.microsoft.com/office/drawing/2014/main" id="{586DC224-59C7-9E45-A8D4-45463E1F2887}"/>
+              </a:ext>
+            </a:extLst>
+          </p:cNvPr>
+          <p:cNvCxnSpPr>
+            <a:cxnSpLocks/>
+          </p:cNvCxnSpPr>
+          <p:nvPr/>
+        </p:nvCxnSpPr>
+        <p:spPr>
+          <a:xfrm flipH="1">
+            <a:off x="1801898" y="2987012"/>
+            <a:ext cx="992193" cy="0"/>
+          </a:xfrm>
+          <a:prstGeom prst="straightConnector1">
+            <a:avLst/>
+          </a:prstGeom>
+          <a:ln>
+            <a:prstDash val="sysDash"/>
+            <a:tailEnd type="arrow"/>
+          </a:ln>
+        </p:spPr>
+        <p:style>
+          <a:lnRef idx="1">
+            <a:schemeClr val="accent1"/>
+          </a:lnRef>
+          <a:fillRef idx="0">
+            <a:schemeClr val="accent1"/>
+          </a:fillRef>
+          <a:effectRef idx="0">
+            <a:schemeClr val="accent1"/>
+          </a:effectRef>
+          <a:fontRef idx="minor">
+            <a:schemeClr val="tx1"/>
+          </a:fontRef>
+        </p:style>
+      </p:cxnSp>
+      <p:sp>
+        <p:nvSpPr>
+          <p:cNvPr id="112" name="TextBox 111">
+            <a:extLst>
+              <a:ext uri="{FF2B5EF4-FFF2-40B4-BE49-F238E27FC236}">
+                <a16:creationId xmlns:a16="http://schemas.microsoft.com/office/drawing/2014/main" id="{0E8BA27E-0C04-A847-9E1F-ADB7971D7138}"/>
+              </a:ext>
+            </a:extLst>
+          </p:cNvPr>
+          <p:cNvSpPr txBox="1"/>
+          <p:nvPr/>
+        </p:nvSpPr>
+        <p:spPr>
+          <a:xfrm>
+            <a:off x="2053397" y="2772752"/>
+            <a:ext cx="258404" cy="261610"/>
+          </a:xfrm>
+          <a:prstGeom prst="rect">
+            <a:avLst/>
+          </a:prstGeom>
+          <a:noFill/>
+          <a:ln>
+            <a:noFill/>
+          </a:ln>
+        </p:spPr>
+        <p:txBody>
+          <a:bodyPr wrap="square" rtlCol="0">
+            <a:spAutoFit/>
+          </a:bodyPr>
+          <a:lstStyle/>
+          <a:p>
+            <a:r>
+              <a:rPr lang="en-US" sz="1100" dirty="0">
+                <a:solidFill>
+                  <a:srgbClr val="0070C0"/>
+                </a:solidFill>
+              </a:rPr>
+              <a:t>g</a:t>
+            </a:r>
+            <a:endParaRPr lang="en-US" sz="1400" dirty="0">
+              <a:solidFill>
+                <a:srgbClr val="0070C0"/>
+              </a:solidFill>
+            </a:endParaRPr>
+          </a:p>
+        </p:txBody>
+      </p:sp>
+      <p:sp>
+        <p:nvSpPr>
+          <p:cNvPr id="90" name="Snip and Round Single Corner Rectangle 89">
+            <a:extLst>
+              <a:ext uri="{FF2B5EF4-FFF2-40B4-BE49-F238E27FC236}">
+                <a16:creationId xmlns:a16="http://schemas.microsoft.com/office/drawing/2014/main" id="{4AB6165D-0C7C-1041-B4CE-BB810AE7AE1A}"/>
+              </a:ext>
+            </a:extLst>
+          </p:cNvPr>
+          <p:cNvSpPr/>
+          <p:nvPr/>
+        </p:nvSpPr>
+        <p:spPr>
+          <a:xfrm rot="10800000" flipH="1">
+            <a:off x="2800528" y="1591090"/>
+            <a:ext cx="409639" cy="307875"/>
+          </a:xfrm>
+          <a:prstGeom prst="snipRoundRect">
+            <a:avLst/>
+          </a:prstGeom>
+          <a:noFill/>
+        </p:spPr>
+        <p:style>
+          <a:lnRef idx="2">
+            <a:schemeClr val="accent1">
+              <a:shade val="50000"/>
+            </a:schemeClr>
+          </a:lnRef>
+          <a:fillRef idx="1">
+            <a:schemeClr val="accent1"/>
+          </a:fillRef>
+          <a:effectRef idx="0">
+            <a:schemeClr val="accent1"/>
+          </a:effectRef>
+          <a:fontRef idx="minor">
+            <a:schemeClr val="lt1"/>
+          </a:fontRef>
+        </p:style>
+        <p:txBody>
+          <a:bodyPr rtlCol="0" anchor="ctr"/>
+          <a:lstStyle/>
+          <a:p>
+            <a:pPr algn="ctr"/>
+            <a:endParaRPr lang="en-US"/>
+          </a:p>
+        </p:txBody>
+      </p:sp>
+      <p:sp>
+        <p:nvSpPr>
+          <p:cNvPr id="97" name="TextBox 96">
+            <a:extLst>
+              <a:ext uri="{FF2B5EF4-FFF2-40B4-BE49-F238E27FC236}">
+                <a16:creationId xmlns:a16="http://schemas.microsoft.com/office/drawing/2014/main" id="{A23D1445-FFBA-7F43-A132-3A1DA0DC78B6}"/>
+              </a:ext>
+            </a:extLst>
+          </p:cNvPr>
+          <p:cNvSpPr txBox="1"/>
+          <p:nvPr/>
+        </p:nvSpPr>
+        <p:spPr>
+          <a:xfrm>
+            <a:off x="3176848" y="1623309"/>
+            <a:ext cx="1957160" cy="369332"/>
+          </a:xfrm>
+          <a:prstGeom prst="rect">
+            <a:avLst/>
+          </a:prstGeom>
+          <a:noFill/>
+        </p:spPr>
+        <p:txBody>
+          <a:bodyPr wrap="square" rtlCol="0">
+            <a:spAutoFit/>
+          </a:bodyPr>
+          <a:lstStyle/>
+          <a:p>
+            <a:r>
+              <a:rPr lang="en-US" sz="900" dirty="0">
+                <a:solidFill>
+                  <a:schemeClr val="tx2">
+                    <a:lumMod val="75000"/>
+                  </a:schemeClr>
+                </a:solidFill>
+              </a:rPr>
+              <a:t>[not preset commands]</a:t>
+            </a:r>
+          </a:p>
+          <a:p>
+            <a:r>
+              <a:rPr lang="en-US" sz="900" dirty="0">
+                <a:solidFill>
+                  <a:schemeClr val="tx2">
+                    <a:lumMod val="75000"/>
+                  </a:schemeClr>
+                </a:solidFill>
+              </a:rPr>
+              <a:t>[</a:t>
+            </a:r>
+            <a:r>
+              <a:rPr lang="en-US" sz="900" dirty="0" err="1">
+                <a:solidFill>
+                  <a:schemeClr val="tx2">
+                    <a:lumMod val="75000"/>
+                  </a:schemeClr>
+                </a:solidFill>
+              </a:rPr>
+              <a:t>this.studyView.isInAnswerState</a:t>
+            </a:r>
+            <a:r>
+              <a:rPr lang="en-US" sz="900" dirty="0">
+                <a:solidFill>
+                  <a:schemeClr val="tx2">
+                    <a:lumMod val="75000"/>
+                  </a:schemeClr>
+                </a:solidFill>
+              </a:rPr>
+              <a:t>()]</a:t>
+            </a:r>
+          </a:p>
+        </p:txBody>
+      </p:sp>
+      <p:sp>
+        <p:nvSpPr>
+          <p:cNvPr id="127" name="TextBox 126">
+            <a:extLst>
+              <a:ext uri="{FF2B5EF4-FFF2-40B4-BE49-F238E27FC236}">
+                <a16:creationId xmlns:a16="http://schemas.microsoft.com/office/drawing/2014/main" id="{367C14E6-7B10-CE4E-9D5E-28EE4CF85B53}"/>
+              </a:ext>
+            </a:extLst>
+          </p:cNvPr>
+          <p:cNvSpPr txBox="1"/>
+          <p:nvPr/>
+        </p:nvSpPr>
+        <p:spPr>
+          <a:xfrm>
+            <a:off x="2810550" y="1629613"/>
+            <a:ext cx="352001" cy="230832"/>
+          </a:xfrm>
+          <a:prstGeom prst="rect">
+            <a:avLst/>
+          </a:prstGeom>
+          <a:noFill/>
+        </p:spPr>
+        <p:txBody>
+          <a:bodyPr wrap="square" rtlCol="0">
+            <a:spAutoFit/>
+          </a:bodyPr>
+          <a:lstStyle/>
+          <a:p>
+            <a:r>
+              <a:rPr lang="en-US" sz="900" dirty="0">
+                <a:solidFill>
+                  <a:schemeClr val="tx2">
+                    <a:lumMod val="75000"/>
+                  </a:schemeClr>
+                </a:solidFill>
+              </a:rPr>
+              <a:t>opt</a:t>
+            </a:r>
+          </a:p>
+        </p:txBody>
+      </p:sp>
+      <p:cxnSp>
+        <p:nvCxnSpPr>
+          <p:cNvPr id="130" name="Straight Arrow Connector 129">
+            <a:extLst>
+              <a:ext uri="{FF2B5EF4-FFF2-40B4-BE49-F238E27FC236}">
+                <a16:creationId xmlns:a16="http://schemas.microsoft.com/office/drawing/2014/main" id="{439F2EF1-C89D-0744-8A67-B902DF4C6E7B}"/>
+              </a:ext>
+            </a:extLst>
+          </p:cNvPr>
+          <p:cNvCxnSpPr>
+            <a:cxnSpLocks/>
+            <a:endCxn id="65" idx="1"/>
+          </p:cNvCxnSpPr>
+          <p:nvPr/>
+        </p:nvCxnSpPr>
+        <p:spPr>
+          <a:xfrm>
+            <a:off x="5423338" y="4486153"/>
+            <a:ext cx="3549425" cy="0"/>
+          </a:xfrm>
+          <a:prstGeom prst="straightConnector1">
+            <a:avLst/>
+          </a:prstGeom>
+          <a:ln>
+            <a:tailEnd type="arrow"/>
+          </a:ln>
+        </p:spPr>
+        <p:style>
+          <a:lnRef idx="1">
+            <a:schemeClr val="accent1"/>
+          </a:lnRef>
+          <a:fillRef idx="0">
+            <a:schemeClr val="accent1"/>
+          </a:fillRef>
+          <a:effectRef idx="0">
+            <a:schemeClr val="accent1"/>
+          </a:effectRef>
+          <a:fontRef idx="minor">
+            <a:schemeClr val="tx1"/>
+          </a:fontRef>
+        </p:style>
+      </p:cxnSp>
+      <p:cxnSp>
+        <p:nvCxnSpPr>
+          <p:cNvPr id="131" name="Straight Arrow Connector 130">
+            <a:extLst>
+              <a:ext uri="{FF2B5EF4-FFF2-40B4-BE49-F238E27FC236}">
+                <a16:creationId xmlns:a16="http://schemas.microsoft.com/office/drawing/2014/main" id="{DA0B23B8-2297-CD40-96DE-ADDA7DEC0C0E}"/>
+              </a:ext>
+            </a:extLst>
+          </p:cNvPr>
+          <p:cNvCxnSpPr>
+            <a:cxnSpLocks/>
+          </p:cNvCxnSpPr>
+          <p:nvPr/>
+        </p:nvCxnSpPr>
+        <p:spPr>
+          <a:xfrm flipH="1" flipV="1">
+            <a:off x="5349766" y="4608786"/>
+            <a:ext cx="3584027" cy="1"/>
+          </a:xfrm>
+          <a:prstGeom prst="straightConnector1">
+            <a:avLst/>
+          </a:prstGeom>
+          <a:ln>
+            <a:solidFill>
+              <a:schemeClr val="accent4">
+                <a:lumMod val="60000"/>
+                <a:lumOff val="40000"/>
+              </a:schemeClr>
+            </a:solidFill>
+            <a:prstDash val="sysDash"/>
+            <a:tailEnd type="arrow"/>
+          </a:ln>
+        </p:spPr>
+        <p:style>
+          <a:lnRef idx="1">
+            <a:schemeClr val="accent1"/>
+          </a:lnRef>
+          <a:fillRef idx="0">
+            <a:schemeClr val="accent1"/>
+          </a:fillRef>
+          <a:effectRef idx="0">
+            <a:schemeClr val="accent1"/>
+          </a:effectRef>
+          <a:fontRef idx="minor">
+            <a:schemeClr val="tx1"/>
+          </a:fontRef>
+        </p:style>
+      </p:cxnSp>
+      <p:sp>
+        <p:nvSpPr>
+          <p:cNvPr id="132" name="TextBox 131">
+            <a:extLst>
+              <a:ext uri="{FF2B5EF4-FFF2-40B4-BE49-F238E27FC236}">
+                <a16:creationId xmlns:a16="http://schemas.microsoft.com/office/drawing/2014/main" id="{385ADB19-8E8E-3B43-9B10-EAD713F11F90}"/>
+              </a:ext>
+            </a:extLst>
+          </p:cNvPr>
+          <p:cNvSpPr txBox="1"/>
+          <p:nvPr/>
+        </p:nvSpPr>
+        <p:spPr>
+          <a:xfrm>
+            <a:off x="5981654" y="4230723"/>
+            <a:ext cx="1393232" cy="230832"/>
+          </a:xfrm>
+          <a:prstGeom prst="rect">
+            <a:avLst/>
+          </a:prstGeom>
+          <a:noFill/>
+          <a:ln>
+            <a:noFill/>
+          </a:ln>
+        </p:spPr>
+        <p:txBody>
+          <a:bodyPr wrap="square" rtlCol="0">
+            <a:spAutoFit/>
+          </a:bodyPr>
+          <a:lstStyle/>
+          <a:p>
+            <a:r>
+              <a:rPr lang="en-US" sz="900" dirty="0" err="1">
+                <a:solidFill>
+                  <a:schemeClr val="accent4"/>
+                </a:solidFill>
+              </a:rPr>
+              <a:t>setStudyState</a:t>
+            </a:r>
+            <a:r>
+              <a:rPr lang="en-US" sz="900" dirty="0">
+                <a:solidFill>
+                  <a:schemeClr val="accent4"/>
+                </a:solidFill>
+              </a:rPr>
+              <a:t>(QUESTION)</a:t>
+            </a:r>
+          </a:p>
+        </p:txBody>
+      </p:sp>
+      <p:sp>
+        <p:nvSpPr>
+          <p:cNvPr id="70" name="Rectangle 8">
+            <a:extLst>
+              <a:ext uri="{FF2B5EF4-FFF2-40B4-BE49-F238E27FC236}">
+                <a16:creationId xmlns:a16="http://schemas.microsoft.com/office/drawing/2014/main" id="{C0DD70DF-2695-7747-B93E-61AA60A6F74A}"/>
+              </a:ext>
+            </a:extLst>
+          </p:cNvPr>
+          <p:cNvSpPr/>
+          <p:nvPr/>
+        </p:nvSpPr>
+        <p:spPr>
+          <a:xfrm>
+            <a:off x="9789221" y="2465539"/>
+            <a:ext cx="590244" cy="430077"/>
+          </a:xfrm>
+          <a:prstGeom prst="rect">
+            <a:avLst/>
+          </a:prstGeom>
+          <a:solidFill>
+            <a:schemeClr val="accent4">
+              <a:lumMod val="60000"/>
+              <a:lumOff val="40000"/>
+            </a:schemeClr>
+          </a:solidFill>
+          <a:ln w="19050">
+            <a:noFill/>
+          </a:ln>
+          <a:effectLst/>
+        </p:spPr>
+        <p:style>
+          <a:lnRef idx="1">
+            <a:schemeClr val="accent2"/>
+          </a:lnRef>
+          <a:fillRef idx="2">
+            <a:schemeClr val="accent2"/>
+          </a:fillRef>
+          <a:effectRef idx="1">
+            <a:schemeClr val="accent2"/>
+          </a:effectRef>
+          <a:fontRef idx="minor">
+            <a:schemeClr val="dk1"/>
+          </a:fontRef>
+        </p:style>
+        <p:txBody>
+          <a:bodyPr rtlCol="0" anchor="ctr"/>
+          <a:lstStyle/>
+          <a:p>
+            <a:pPr algn="ctr"/>
+            <a:r>
+              <a:rPr lang="en-US" sz="1000" dirty="0">
+                <a:solidFill>
+                  <a:schemeClr val="bg1"/>
+                </a:solidFill>
+              </a:rPr>
+              <a:t>:Deck</a:t>
+            </a:r>
+          </a:p>
+          <a:p>
+            <a:pPr algn="ctr"/>
+            <a:r>
+              <a:rPr lang="en-US" sz="1000" dirty="0">
+                <a:solidFill>
+                  <a:schemeClr val="bg1"/>
+                </a:solidFill>
+              </a:rPr>
+              <a:t>Shuffler</a:t>
+            </a:r>
+            <a:endParaRPr lang="en-SG" sz="1000" dirty="0">
+              <a:solidFill>
+                <a:schemeClr val="bg1"/>
+              </a:solidFill>
+            </a:endParaRPr>
+          </a:p>
+        </p:txBody>
+      </p:sp>
+      <p:sp>
+        <p:nvSpPr>
+          <p:cNvPr id="91" name="Rectangle 8">
+            <a:extLst>
+              <a:ext uri="{FF2B5EF4-FFF2-40B4-BE49-F238E27FC236}">
+                <a16:creationId xmlns:a16="http://schemas.microsoft.com/office/drawing/2014/main" id="{E40722F4-47BE-854A-9060-F3EAE55043E1}"/>
+              </a:ext>
+            </a:extLst>
+          </p:cNvPr>
+          <p:cNvSpPr/>
+          <p:nvPr/>
+        </p:nvSpPr>
+        <p:spPr>
+          <a:xfrm>
+            <a:off x="10017824" y="3767752"/>
+            <a:ext cx="130479" cy="350056"/>
+          </a:xfrm>
+          <a:prstGeom prst="rect">
+            <a:avLst/>
+          </a:prstGeom>
+          <a:solidFill>
+            <a:schemeClr val="accent4">
+              <a:lumMod val="60000"/>
+              <a:lumOff val="40000"/>
+            </a:schemeClr>
+          </a:solidFill>
+          <a:ln w="19050">
+            <a:noFill/>
+          </a:ln>
+          <a:effectLst/>
+        </p:spPr>
+        <p:style>
+          <a:lnRef idx="1">
+            <a:schemeClr val="accent2"/>
+          </a:lnRef>
+          <a:fillRef idx="2">
+            <a:schemeClr val="accent2"/>
+          </a:fillRef>
+          <a:effectRef idx="1">
+            <a:schemeClr val="accent2"/>
+          </a:effectRef>
+          <a:fontRef idx="minor">
+            <a:schemeClr val="dk1"/>
+          </a:fontRef>
+        </p:style>
+        <p:txBody>
+          <a:bodyPr rtlCol="0" anchor="ctr"/>
+          <a:lstStyle/>
+          <a:p>
+            <a:pPr algn="ctr"/>
+            <a:endParaRPr lang="en-SG" sz="1200" dirty="0">
+              <a:solidFill>
+                <a:schemeClr val="bg1"/>
+              </a:solidFill>
+            </a:endParaRPr>
+          </a:p>
+        </p:txBody>
+      </p:sp>
+      <p:cxnSp>
+        <p:nvCxnSpPr>
+          <p:cNvPr id="94" name="Straight Connector 93">
+            <a:extLst>
+              <a:ext uri="{FF2B5EF4-FFF2-40B4-BE49-F238E27FC236}">
+                <a16:creationId xmlns:a16="http://schemas.microsoft.com/office/drawing/2014/main" id="{B6B7F820-EE52-4047-A1A1-A90E078165B6}"/>
+              </a:ext>
+            </a:extLst>
+          </p:cNvPr>
+          <p:cNvCxnSpPr>
+            <a:cxnSpLocks/>
+            <a:stCxn id="70" idx="2"/>
+          </p:cNvCxnSpPr>
+          <p:nvPr/>
+        </p:nvCxnSpPr>
+        <p:spPr>
+          <a:xfrm flipH="1">
+            <a:off x="10074668" y="2895615"/>
+            <a:ext cx="9676" cy="890908"/>
+          </a:xfrm>
+          <a:prstGeom prst="line">
+            <a:avLst/>
+          </a:prstGeom>
+          <a:ln>
+            <a:solidFill>
+              <a:schemeClr val="accent4">
+                <a:lumMod val="60000"/>
+                <a:lumOff val="40000"/>
+              </a:schemeClr>
+            </a:solidFill>
+            <a:prstDash val="sysDash"/>
+          </a:ln>
+        </p:spPr>
+        <p:style>
+          <a:lnRef idx="1">
+            <a:schemeClr val="accent1"/>
+          </a:lnRef>
+          <a:fillRef idx="0">
+            <a:schemeClr val="accent1"/>
+          </a:fillRef>
+          <a:effectRef idx="0">
+            <a:schemeClr val="accent1"/>
+          </a:effectRef>
+          <a:fontRef idx="minor">
+            <a:schemeClr val="tx1"/>
+          </a:fontRef>
+        </p:style>
+      </p:cxnSp>
+      <p:cxnSp>
+        <p:nvCxnSpPr>
+          <p:cNvPr id="95" name="Straight Arrow Connector 94">
+            <a:extLst>
+              <a:ext uri="{FF2B5EF4-FFF2-40B4-BE49-F238E27FC236}">
+                <a16:creationId xmlns:a16="http://schemas.microsoft.com/office/drawing/2014/main" id="{1A5E55D0-DC42-AF4D-855E-DD1E0464CB75}"/>
+              </a:ext>
+            </a:extLst>
+          </p:cNvPr>
+          <p:cNvCxnSpPr>
+            <a:cxnSpLocks/>
+          </p:cNvCxnSpPr>
+          <p:nvPr/>
+        </p:nvCxnSpPr>
+        <p:spPr>
+          <a:xfrm>
+            <a:off x="9159052" y="3805852"/>
+            <a:ext cx="863052" cy="0"/>
+          </a:xfrm>
+          <a:prstGeom prst="straightConnector1">
+            <a:avLst/>
+          </a:prstGeom>
+          <a:ln>
+            <a:solidFill>
+              <a:schemeClr val="tx2">
+                <a:lumMod val="60000"/>
+                <a:lumOff val="40000"/>
+              </a:schemeClr>
+            </a:solidFill>
+            <a:tailEnd type="arrow"/>
+          </a:ln>
+        </p:spPr>
+        <p:style>
+          <a:lnRef idx="1">
+            <a:schemeClr val="accent1"/>
+          </a:lnRef>
+          <a:fillRef idx="0">
+            <a:schemeClr val="accent1"/>
+          </a:fillRef>
+          <a:effectRef idx="0">
+            <a:schemeClr val="accent1"/>
+          </a:effectRef>
+          <a:fontRef idx="minor">
+            <a:schemeClr val="tx1"/>
+          </a:fontRef>
+        </p:style>
+      </p:cxnSp>
+      <p:cxnSp>
+        <p:nvCxnSpPr>
+          <p:cNvPr id="96" name="Straight Arrow Connector 95">
+            <a:extLst>
+              <a:ext uri="{FF2B5EF4-FFF2-40B4-BE49-F238E27FC236}">
+                <a16:creationId xmlns:a16="http://schemas.microsoft.com/office/drawing/2014/main" id="{86C82BB5-1117-4C4D-BB30-9E679F6243DC}"/>
+              </a:ext>
+            </a:extLst>
+          </p:cNvPr>
+          <p:cNvCxnSpPr>
+            <a:cxnSpLocks/>
+          </p:cNvCxnSpPr>
+          <p:nvPr/>
+        </p:nvCxnSpPr>
+        <p:spPr>
+          <a:xfrm flipH="1">
+            <a:off x="9148697" y="3897335"/>
+            <a:ext cx="832211" cy="0"/>
+          </a:xfrm>
+          <a:prstGeom prst="straightConnector1">
+            <a:avLst/>
+          </a:prstGeom>
+          <a:ln>
+            <a:solidFill>
+              <a:schemeClr val="accent4">
+                <a:lumMod val="60000"/>
+                <a:lumOff val="40000"/>
+              </a:schemeClr>
+            </a:solidFill>
+            <a:prstDash val="sysDash"/>
+            <a:tailEnd type="arrow"/>
+          </a:ln>
+        </p:spPr>
+        <p:style>
+          <a:lnRef idx="1">
+            <a:schemeClr val="accent1"/>
+          </a:lnRef>
+          <a:fillRef idx="0">
+            <a:schemeClr val="accent1"/>
+          </a:fillRef>
+          <a:effectRef idx="0">
+            <a:schemeClr val="accent1"/>
+          </a:effectRef>
+          <a:fontRef idx="minor">
+            <a:schemeClr val="tx1"/>
+          </a:fontRef>
+        </p:style>
+      </p:cxnSp>
+      <p:sp>
+        <p:nvSpPr>
+          <p:cNvPr id="99" name="TextBox 98">
+            <a:extLst>
+              <a:ext uri="{FF2B5EF4-FFF2-40B4-BE49-F238E27FC236}">
+                <a16:creationId xmlns:a16="http://schemas.microsoft.com/office/drawing/2014/main" id="{E3E7BE60-8640-5F46-AC1C-7985549190B9}"/>
+              </a:ext>
+            </a:extLst>
+          </p:cNvPr>
+          <p:cNvSpPr txBox="1"/>
+          <p:nvPr/>
+        </p:nvSpPr>
+        <p:spPr>
+          <a:xfrm>
+            <a:off x="9943664" y="3544287"/>
+            <a:ext cx="916859" cy="230832"/>
+          </a:xfrm>
+          <a:prstGeom prst="rect">
+            <a:avLst/>
+          </a:prstGeom>
+          <a:noFill/>
+          <a:ln>
+            <a:noFill/>
+          </a:ln>
+        </p:spPr>
+        <p:txBody>
+          <a:bodyPr wrap="square" rtlCol="0">
+            <a:spAutoFit/>
+          </a:bodyPr>
+          <a:lstStyle/>
+          <a:p>
+            <a:r>
+              <a:rPr lang="en-US" sz="900" dirty="0" err="1">
+                <a:solidFill>
+                  <a:schemeClr val="accent4">
+                    <a:lumMod val="75000"/>
+                  </a:schemeClr>
+                </a:solidFill>
+              </a:rPr>
+              <a:t>generateCard</a:t>
+            </a:r>
+            <a:r>
+              <a:rPr lang="en-US" sz="900" dirty="0">
+                <a:solidFill>
+                  <a:schemeClr val="accent4">
+                    <a:lumMod val="75000"/>
+                  </a:schemeClr>
+                </a:solidFill>
+              </a:rPr>
+              <a:t>()</a:t>
+            </a:r>
+          </a:p>
+        </p:txBody>
+      </p:sp>
+      <p:cxnSp>
+        <p:nvCxnSpPr>
+          <p:cNvPr id="100" name="Straight Connector 99">
+            <a:extLst>
+              <a:ext uri="{FF2B5EF4-FFF2-40B4-BE49-F238E27FC236}">
+                <a16:creationId xmlns:a16="http://schemas.microsoft.com/office/drawing/2014/main" id="{628695BB-0801-924D-A0B1-1232E2B8A8E6}"/>
+              </a:ext>
+            </a:extLst>
+          </p:cNvPr>
+          <p:cNvCxnSpPr/>
+          <p:nvPr/>
+        </p:nvCxnSpPr>
+        <p:spPr>
+          <a:xfrm>
+            <a:off x="10093482" y="4086808"/>
+            <a:ext cx="1" cy="1388274"/>
+          </a:xfrm>
+          <a:prstGeom prst="line">
+            <a:avLst/>
+          </a:prstGeom>
+          <a:ln>
+            <a:solidFill>
+              <a:schemeClr val="accent4">
+                <a:lumMod val="60000"/>
+                <a:lumOff val="40000"/>
+              </a:schemeClr>
+            </a:solidFill>
+            <a:prstDash val="sysDash"/>
+          </a:ln>
+        </p:spPr>
+        <p:style>
+          <a:lnRef idx="1">
+            <a:schemeClr val="accent1"/>
+          </a:lnRef>
+          <a:fillRef idx="0">
+            <a:schemeClr val="accent1"/>
+          </a:fillRef>
+          <a:effectRef idx="0">
+            <a:schemeClr val="accent1"/>
+          </a:effectRef>
+          <a:fontRef idx="minor">
+            <a:schemeClr val="tx1"/>
+          </a:fontRef>
+        </p:style>
+      </p:cxnSp>
+      <p:cxnSp>
+        <p:nvCxnSpPr>
+          <p:cNvPr id="35" name="Curved Connector 34">
+            <a:extLst>
+              <a:ext uri="{FF2B5EF4-FFF2-40B4-BE49-F238E27FC236}">
+                <a16:creationId xmlns:a16="http://schemas.microsoft.com/office/drawing/2014/main" id="{3FF23EB7-7877-C147-9609-046E8C7AEC4D}"/>
+              </a:ext>
+            </a:extLst>
+          </p:cNvPr>
+          <p:cNvCxnSpPr>
+            <a:cxnSpLocks/>
+            <a:stCxn id="91" idx="0"/>
+            <a:endCxn id="91" idx="3"/>
+          </p:cNvCxnSpPr>
+          <p:nvPr/>
+        </p:nvCxnSpPr>
+        <p:spPr>
+          <a:xfrm rot="16200000" flipH="1">
+            <a:off x="10028168" y="3822648"/>
+            <a:ext cx="175028" cy="65239"/>
+          </a:xfrm>
+          <a:prstGeom prst="curvedConnector4">
+            <a:avLst>
+              <a:gd name="adj1" fmla="val 8387"/>
+              <a:gd name="adj2" fmla="val 450404"/>
+            </a:avLst>
+          </a:prstGeom>
+          <a:ln>
+            <a:solidFill>
+              <a:schemeClr val="accent4">
+                <a:lumMod val="60000"/>
+                <a:lumOff val="40000"/>
+              </a:schemeClr>
+            </a:solidFill>
+            <a:tailEnd type="triangle"/>
+          </a:ln>
+        </p:spPr>
+        <p:style>
+          <a:lnRef idx="1">
+            <a:schemeClr val="accent1"/>
+          </a:lnRef>
+          <a:fillRef idx="0">
+            <a:schemeClr val="accent1"/>
+          </a:fillRef>
+          <a:effectRef idx="0">
+            <a:schemeClr val="accent1"/>
+          </a:effectRef>
+          <a:fontRef idx="minor">
+            <a:schemeClr val="tx1"/>
+          </a:fontRef>
+        </p:style>
+      </p:cxnSp>
+      <p:sp>
+        <p:nvSpPr>
+          <p:cNvPr id="109" name="Rectangle 108">
+            <a:extLst>
+              <a:ext uri="{FF2B5EF4-FFF2-40B4-BE49-F238E27FC236}">
+                <a16:creationId xmlns:a16="http://schemas.microsoft.com/office/drawing/2014/main" id="{BF6AC7DA-8B99-B542-BAF1-3F94300A0CCF}"/>
+              </a:ext>
+            </a:extLst>
+          </p:cNvPr>
+          <p:cNvSpPr/>
+          <p:nvPr/>
+        </p:nvSpPr>
+        <p:spPr>
+          <a:xfrm>
+            <a:off x="4008844" y="2418127"/>
+            <a:ext cx="6790505" cy="2958417"/>
+          </a:xfrm>
+          <a:prstGeom prst="rect">
+            <a:avLst/>
+          </a:prstGeom>
+          <a:noFill/>
+          <a:ln w="19050"/>
+        </p:spPr>
+        <p:style>
+          <a:lnRef idx="2">
+            <a:schemeClr val="accent1">
+              <a:shade val="50000"/>
+            </a:schemeClr>
+          </a:lnRef>
+          <a:fillRef idx="1">
+            <a:schemeClr val="accent1"/>
+          </a:fillRef>
+          <a:effectRef idx="0">
+            <a:schemeClr val="accent1"/>
+          </a:effectRef>
+          <a:fontRef idx="minor">
+            <a:schemeClr val="lt1"/>
+          </a:fontRef>
+        </p:style>
+        <p:txBody>
+          <a:bodyPr rtlCol="0" anchor="ctr"/>
+          <a:lstStyle/>
+          <a:p>
+            <a:pPr algn="ctr"/>
+            <a:endParaRPr lang="en-US"/>
+          </a:p>
+        </p:txBody>
+      </p:sp>
+      <p:sp>
+        <p:nvSpPr>
+          <p:cNvPr id="114" name="TextBox 113">
+            <a:extLst>
+              <a:ext uri="{FF2B5EF4-FFF2-40B4-BE49-F238E27FC236}">
+                <a16:creationId xmlns:a16="http://schemas.microsoft.com/office/drawing/2014/main" id="{D4C47E47-C319-F94F-896C-516469AB3DDA}"/>
+              </a:ext>
+            </a:extLst>
+          </p:cNvPr>
+          <p:cNvSpPr txBox="1"/>
+          <p:nvPr/>
+        </p:nvSpPr>
+        <p:spPr>
+          <a:xfrm>
+            <a:off x="4517354" y="2405432"/>
+            <a:ext cx="1957160" cy="230832"/>
+          </a:xfrm>
+          <a:prstGeom prst="rect">
+            <a:avLst/>
+          </a:prstGeom>
+          <a:noFill/>
+        </p:spPr>
+        <p:txBody>
+          <a:bodyPr wrap="square" rtlCol="0">
+            <a:spAutoFit/>
+          </a:bodyPr>
+          <a:lstStyle/>
+          <a:p>
+            <a:r>
+              <a:rPr lang="en-US" sz="900" dirty="0">
+                <a:solidFill>
+                  <a:schemeClr val="tx2">
+                    <a:lumMod val="75000"/>
+                  </a:schemeClr>
+                </a:solidFill>
+              </a:rPr>
+              <a:t>[</a:t>
+            </a:r>
+            <a:r>
+              <a:rPr lang="en-US" sz="900" dirty="0" err="1">
+                <a:solidFill>
+                  <a:schemeClr val="tx2">
+                    <a:lumMod val="75000"/>
+                  </a:schemeClr>
+                </a:solidFill>
+              </a:rPr>
+              <a:t>userInput</a:t>
+            </a:r>
+            <a:r>
+              <a:rPr lang="en-US" sz="900" dirty="0">
+                <a:solidFill>
+                  <a:schemeClr val="tx2">
+                    <a:lumMod val="75000"/>
+                  </a:schemeClr>
+                </a:solidFill>
+              </a:rPr>
+              <a:t> between 1-5]</a:t>
+            </a:r>
+          </a:p>
+        </p:txBody>
+      </p:sp>
+      <p:sp>
+        <p:nvSpPr>
+          <p:cNvPr id="116" name="Snip and Round Single Corner Rectangle 115">
+            <a:extLst>
+              <a:ext uri="{FF2B5EF4-FFF2-40B4-BE49-F238E27FC236}">
+                <a16:creationId xmlns:a16="http://schemas.microsoft.com/office/drawing/2014/main" id="{3DF46909-54A8-B24C-8482-2E85AF60305D}"/>
+              </a:ext>
+            </a:extLst>
+          </p:cNvPr>
+          <p:cNvSpPr/>
+          <p:nvPr/>
+        </p:nvSpPr>
+        <p:spPr>
+          <a:xfrm rot="10800000" flipH="1">
+            <a:off x="4021079" y="2434710"/>
+            <a:ext cx="409639" cy="225474"/>
+          </a:xfrm>
+          <a:prstGeom prst="snipRoundRect">
+            <a:avLst/>
+          </a:prstGeom>
+          <a:noFill/>
+        </p:spPr>
+        <p:style>
+          <a:lnRef idx="2">
+            <a:schemeClr val="accent1">
+              <a:shade val="50000"/>
+            </a:schemeClr>
+          </a:lnRef>
+          <a:fillRef idx="1">
+            <a:schemeClr val="accent1"/>
+          </a:fillRef>
+          <a:effectRef idx="0">
+            <a:schemeClr val="accent1"/>
+          </a:effectRef>
+          <a:fontRef idx="minor">
+            <a:schemeClr val="lt1"/>
+          </a:fontRef>
+        </p:style>
+        <p:txBody>
+          <a:bodyPr rtlCol="0" anchor="ctr"/>
+          <a:lstStyle/>
+          <a:p>
+            <a:pPr algn="ctr"/>
+            <a:endParaRPr lang="en-US"/>
+          </a:p>
+        </p:txBody>
+      </p:sp>
+      <p:sp>
+        <p:nvSpPr>
+          <p:cNvPr id="118" name="TextBox 117">
+            <a:extLst>
+              <a:ext uri="{FF2B5EF4-FFF2-40B4-BE49-F238E27FC236}">
+                <a16:creationId xmlns:a16="http://schemas.microsoft.com/office/drawing/2014/main" id="{189D1704-A409-F143-88F8-B01443A478D3}"/>
+              </a:ext>
+            </a:extLst>
+          </p:cNvPr>
+          <p:cNvSpPr txBox="1"/>
+          <p:nvPr/>
+        </p:nvSpPr>
+        <p:spPr>
+          <a:xfrm>
+            <a:off x="4123038" y="2432077"/>
+            <a:ext cx="352001" cy="230832"/>
+          </a:xfrm>
+          <a:prstGeom prst="rect">
+            <a:avLst/>
+          </a:prstGeom>
+          <a:noFill/>
+        </p:spPr>
+        <p:txBody>
+          <a:bodyPr wrap="square" rtlCol="0">
+            <a:spAutoFit/>
+          </a:bodyPr>
+          <a:lstStyle/>
+          <a:p>
+            <a:r>
+              <a:rPr lang="en-US" sz="900" dirty="0">
+                <a:solidFill>
+                  <a:schemeClr val="tx2">
+                    <a:lumMod val="75000"/>
+                  </a:schemeClr>
+                </a:solidFill>
+              </a:rPr>
+              <a:t>opt</a:t>
+            </a:r>
+          </a:p>
+        </p:txBody>
+      </p:sp>
+      <p:sp>
+        <p:nvSpPr>
+          <p:cNvPr id="119" name="Rectangle 8">
+            <a:extLst>
+              <a:ext uri="{FF2B5EF4-FFF2-40B4-BE49-F238E27FC236}">
+                <a16:creationId xmlns:a16="http://schemas.microsoft.com/office/drawing/2014/main" id="{7C32634B-FA14-6D49-B0DD-F6BB8B79B9E2}"/>
+              </a:ext>
+            </a:extLst>
+          </p:cNvPr>
+          <p:cNvSpPr/>
+          <p:nvPr/>
+        </p:nvSpPr>
+        <p:spPr>
+          <a:xfrm>
+            <a:off x="7701799" y="2483394"/>
+            <a:ext cx="734300" cy="353582"/>
+          </a:xfrm>
+          <a:prstGeom prst="rect">
+            <a:avLst/>
+          </a:prstGeom>
+          <a:solidFill>
+            <a:schemeClr val="accent5">
+              <a:lumMod val="75000"/>
+            </a:schemeClr>
+          </a:solidFill>
+          <a:ln w="19050">
+            <a:noFill/>
+          </a:ln>
+          <a:effectLst/>
+        </p:spPr>
+        <p:style>
+          <a:lnRef idx="1">
+            <a:schemeClr val="accent2"/>
+          </a:lnRef>
+          <a:fillRef idx="2">
+            <a:schemeClr val="accent2"/>
+          </a:fillRef>
+          <a:effectRef idx="1">
+            <a:schemeClr val="accent2"/>
+          </a:effectRef>
+          <a:fontRef idx="minor">
+            <a:schemeClr val="dk1"/>
+          </a:fontRef>
+        </p:style>
+        <p:txBody>
+          <a:bodyPr rtlCol="0" anchor="ctr"/>
+          <a:lstStyle/>
+          <a:p>
+            <a:pPr algn="ctr"/>
+            <a:r>
+              <a:rPr lang="en-US" sz="1000" dirty="0">
+                <a:solidFill>
+                  <a:schemeClr val="bg1"/>
+                </a:solidFill>
+              </a:rPr>
+              <a:t>:Difficulty</a:t>
+            </a:r>
+            <a:endParaRPr lang="en-SG" sz="1000" dirty="0">
+              <a:solidFill>
+                <a:schemeClr val="bg1"/>
+              </a:solidFill>
+            </a:endParaRPr>
+          </a:p>
+        </p:txBody>
+      </p:sp>
+      <p:sp>
+        <p:nvSpPr>
+          <p:cNvPr id="120" name="Rectangle 8">
+            <a:extLst>
+              <a:ext uri="{FF2B5EF4-FFF2-40B4-BE49-F238E27FC236}">
+                <a16:creationId xmlns:a16="http://schemas.microsoft.com/office/drawing/2014/main" id="{D7DAAA6E-B729-824A-BFA3-249EF5F25D76}"/>
+              </a:ext>
+            </a:extLst>
+          </p:cNvPr>
+          <p:cNvSpPr/>
+          <p:nvPr/>
+        </p:nvSpPr>
+        <p:spPr>
+          <a:xfrm>
+            <a:off x="7969517" y="3276655"/>
+            <a:ext cx="174744" cy="388210"/>
+          </a:xfrm>
+          <a:prstGeom prst="rect">
+            <a:avLst/>
+          </a:prstGeom>
+          <a:solidFill>
+            <a:schemeClr val="accent5">
+              <a:lumMod val="75000"/>
+            </a:schemeClr>
+          </a:solidFill>
+          <a:ln w="19050">
+            <a:noFill/>
+          </a:ln>
+          <a:effectLst/>
+        </p:spPr>
+        <p:style>
+          <a:lnRef idx="1">
+            <a:schemeClr val="accent2"/>
+          </a:lnRef>
+          <a:fillRef idx="2">
+            <a:schemeClr val="accent2"/>
+          </a:fillRef>
+          <a:effectRef idx="1">
+            <a:schemeClr val="accent2"/>
+          </a:effectRef>
+          <a:fontRef idx="minor">
+            <a:schemeClr val="dk1"/>
+          </a:fontRef>
+        </p:style>
+        <p:txBody>
+          <a:bodyPr rtlCol="0" anchor="ctr"/>
+          <a:lstStyle/>
+          <a:p>
+            <a:pPr algn="ctr"/>
+            <a:endParaRPr lang="en-SG" sz="1200" dirty="0">
+              <a:solidFill>
+                <a:schemeClr val="bg1"/>
+              </a:solidFill>
+            </a:endParaRPr>
+          </a:p>
+        </p:txBody>
+      </p:sp>
+      <p:cxnSp>
+        <p:nvCxnSpPr>
+          <p:cNvPr id="122" name="Straight Connector 121">
+            <a:extLst>
+              <a:ext uri="{FF2B5EF4-FFF2-40B4-BE49-F238E27FC236}">
+                <a16:creationId xmlns:a16="http://schemas.microsoft.com/office/drawing/2014/main" id="{20A4B761-B239-3B47-AC8F-A67F8C3F4DCB}"/>
+              </a:ext>
+            </a:extLst>
+          </p:cNvPr>
+          <p:cNvCxnSpPr>
+            <a:cxnSpLocks/>
+            <a:stCxn id="119" idx="2"/>
+            <a:endCxn id="120" idx="0"/>
+          </p:cNvCxnSpPr>
+          <p:nvPr/>
+        </p:nvCxnSpPr>
+        <p:spPr>
+          <a:xfrm flipH="1">
+            <a:off x="8056889" y="2836976"/>
+            <a:ext cx="12061" cy="439678"/>
+          </a:xfrm>
+          <a:prstGeom prst="line">
+            <a:avLst/>
+          </a:prstGeom>
+          <a:ln>
+            <a:solidFill>
+              <a:schemeClr val="accent5">
+                <a:lumMod val="75000"/>
+              </a:schemeClr>
+            </a:solidFill>
+            <a:prstDash val="sysDash"/>
+          </a:ln>
+        </p:spPr>
+        <p:style>
+          <a:lnRef idx="1">
+            <a:schemeClr val="accent1"/>
+          </a:lnRef>
+          <a:fillRef idx="0">
+            <a:schemeClr val="accent1"/>
+          </a:fillRef>
+          <a:effectRef idx="0">
+            <a:schemeClr val="accent1"/>
+          </a:effectRef>
+          <a:fontRef idx="minor">
+            <a:schemeClr val="tx1"/>
+          </a:fontRef>
+        </p:style>
+      </p:cxnSp>
+      <p:cxnSp>
+        <p:nvCxnSpPr>
+          <p:cNvPr id="123" name="Curved Connector 122">
+            <a:extLst>
+              <a:ext uri="{FF2B5EF4-FFF2-40B4-BE49-F238E27FC236}">
+                <a16:creationId xmlns:a16="http://schemas.microsoft.com/office/drawing/2014/main" id="{F51F60E2-04C3-9F47-A560-284E13BB8CEE}"/>
+              </a:ext>
+            </a:extLst>
+          </p:cNvPr>
+          <p:cNvCxnSpPr>
+            <a:cxnSpLocks/>
+          </p:cNvCxnSpPr>
+          <p:nvPr/>
+        </p:nvCxnSpPr>
+        <p:spPr>
+          <a:xfrm rot="16200000" flipH="1">
+            <a:off x="8039482" y="3355133"/>
+            <a:ext cx="195608" cy="76199"/>
+          </a:xfrm>
+          <a:prstGeom prst="curvedConnector4">
+            <a:avLst>
+              <a:gd name="adj1" fmla="val -116866"/>
+              <a:gd name="adj2" fmla="val 400004"/>
+            </a:avLst>
+          </a:prstGeom>
+          <a:ln>
+            <a:tailEnd type="triangle"/>
+          </a:ln>
+        </p:spPr>
+        <p:style>
+          <a:lnRef idx="1">
+            <a:schemeClr val="accent1"/>
+          </a:lnRef>
+          <a:fillRef idx="0">
+            <a:schemeClr val="accent1"/>
+          </a:fillRef>
+          <a:effectRef idx="0">
+            <a:schemeClr val="accent1"/>
+          </a:effectRef>
+          <a:fontRef idx="minor">
+            <a:schemeClr val="tx1"/>
+          </a:fontRef>
+        </p:style>
+      </p:cxnSp>
+      <p:cxnSp>
+        <p:nvCxnSpPr>
+          <p:cNvPr id="124" name="Straight Arrow Connector 123">
+            <a:extLst>
+              <a:ext uri="{FF2B5EF4-FFF2-40B4-BE49-F238E27FC236}">
+                <a16:creationId xmlns:a16="http://schemas.microsoft.com/office/drawing/2014/main" id="{80173E08-3F35-F64A-B73E-92BEFF88473A}"/>
+              </a:ext>
+            </a:extLst>
+          </p:cNvPr>
+          <p:cNvCxnSpPr>
+            <a:cxnSpLocks/>
+          </p:cNvCxnSpPr>
+          <p:nvPr/>
+        </p:nvCxnSpPr>
+        <p:spPr>
+          <a:xfrm>
+            <a:off x="7329962" y="3397709"/>
+            <a:ext cx="617063" cy="0"/>
+          </a:xfrm>
+          <a:prstGeom prst="straightConnector1">
+            <a:avLst/>
+          </a:prstGeom>
+          <a:ln>
+            <a:tailEnd type="arrow"/>
+          </a:ln>
+        </p:spPr>
+        <p:style>
+          <a:lnRef idx="1">
+            <a:schemeClr val="accent1"/>
+          </a:lnRef>
+          <a:fillRef idx="0">
+            <a:schemeClr val="accent1"/>
+          </a:fillRef>
+          <a:effectRef idx="0">
+            <a:schemeClr val="accent1"/>
+          </a:effectRef>
+          <a:fontRef idx="minor">
+            <a:schemeClr val="tx1"/>
+          </a:fontRef>
+        </p:style>
+      </p:cxnSp>
+      <p:cxnSp>
+        <p:nvCxnSpPr>
+          <p:cNvPr id="128" name="Straight Arrow Connector 127">
+            <a:extLst>
+              <a:ext uri="{FF2B5EF4-FFF2-40B4-BE49-F238E27FC236}">
+                <a16:creationId xmlns:a16="http://schemas.microsoft.com/office/drawing/2014/main" id="{95926A4E-15F5-2D47-8CA9-022A4BE7A726}"/>
+              </a:ext>
+            </a:extLst>
+          </p:cNvPr>
+          <p:cNvCxnSpPr>
+            <a:cxnSpLocks/>
+          </p:cNvCxnSpPr>
+          <p:nvPr/>
+        </p:nvCxnSpPr>
+        <p:spPr>
+          <a:xfrm flipH="1">
+            <a:off x="7308374" y="3583358"/>
+            <a:ext cx="610076" cy="0"/>
+          </a:xfrm>
+          <a:prstGeom prst="straightConnector1">
+            <a:avLst/>
+          </a:prstGeom>
+          <a:ln>
+            <a:solidFill>
+              <a:schemeClr val="accent4">
+                <a:lumMod val="60000"/>
+                <a:lumOff val="40000"/>
+              </a:schemeClr>
+            </a:solidFill>
+            <a:prstDash val="sysDash"/>
+            <a:tailEnd type="arrow"/>
+          </a:ln>
+        </p:spPr>
+        <p:style>
+          <a:lnRef idx="1">
+            <a:schemeClr val="accent1"/>
+          </a:lnRef>
+          <a:fillRef idx="0">
+            <a:schemeClr val="accent1"/>
+          </a:fillRef>
+          <a:effectRef idx="0">
+            <a:schemeClr val="accent1"/>
+          </a:effectRef>
+          <a:fontRef idx="minor">
+            <a:schemeClr val="tx1"/>
+          </a:fontRef>
+        </p:style>
+      </p:cxnSp>
+      <p:sp>
+        <p:nvSpPr>
+          <p:cNvPr id="147" name="TextBox 146">
+            <a:extLst>
+              <a:ext uri="{FF2B5EF4-FFF2-40B4-BE49-F238E27FC236}">
+                <a16:creationId xmlns:a16="http://schemas.microsoft.com/office/drawing/2014/main" id="{C909A122-2685-BE48-BEA3-3CA35DE224E1}"/>
+              </a:ext>
+            </a:extLst>
+          </p:cNvPr>
+          <p:cNvSpPr txBox="1"/>
+          <p:nvPr/>
+        </p:nvSpPr>
+        <p:spPr>
+          <a:xfrm>
+            <a:off x="7568189" y="3000820"/>
+            <a:ext cx="911821" cy="230832"/>
+          </a:xfrm>
+          <a:prstGeom prst="rect">
+            <a:avLst/>
+          </a:prstGeom>
+          <a:noFill/>
+          <a:ln>
+            <a:noFill/>
+          </a:ln>
+        </p:spPr>
+        <p:txBody>
+          <a:bodyPr wrap="square" rtlCol="0">
+            <a:spAutoFit/>
+          </a:bodyPr>
+          <a:lstStyle/>
+          <a:p>
+            <a:r>
+              <a:rPr lang="en-US" sz="900" dirty="0" err="1">
+                <a:solidFill>
+                  <a:schemeClr val="accent5">
+                    <a:lumMod val="75000"/>
+                  </a:schemeClr>
+                </a:solidFill>
+              </a:rPr>
+              <a:t>addDifficulty</a:t>
+            </a:r>
+            <a:r>
+              <a:rPr lang="en-US" sz="900" dirty="0">
+                <a:solidFill>
+                  <a:schemeClr val="accent5">
+                    <a:lumMod val="75000"/>
+                  </a:schemeClr>
+                </a:solidFill>
+              </a:rPr>
+              <a:t>()</a:t>
+            </a:r>
+          </a:p>
+        </p:txBody>
+      </p:sp>
+      <p:cxnSp>
+        <p:nvCxnSpPr>
+          <p:cNvPr id="162" name="Curved Connector 161">
+            <a:extLst>
+              <a:ext uri="{FF2B5EF4-FFF2-40B4-BE49-F238E27FC236}">
+                <a16:creationId xmlns:a16="http://schemas.microsoft.com/office/drawing/2014/main" id="{84FD34D6-EB20-FF49-911F-D4A71C484514}"/>
+              </a:ext>
+            </a:extLst>
+          </p:cNvPr>
+          <p:cNvCxnSpPr>
+            <a:cxnSpLocks/>
+          </p:cNvCxnSpPr>
+          <p:nvPr/>
+        </p:nvCxnSpPr>
+        <p:spPr>
+          <a:xfrm>
+            <a:off x="9087116" y="4019552"/>
+            <a:ext cx="123159" cy="107201"/>
+          </a:xfrm>
+          <a:prstGeom prst="curvedConnector3">
+            <a:avLst>
+              <a:gd name="adj1" fmla="val 204679"/>
+            </a:avLst>
+          </a:prstGeom>
+          <a:ln>
+            <a:solidFill>
+              <a:schemeClr val="accent4">
+                <a:lumMod val="60000"/>
+                <a:lumOff val="40000"/>
+              </a:schemeClr>
+            </a:solidFill>
+            <a:tailEnd type="triangle"/>
+          </a:ln>
+        </p:spPr>
+        <p:style>
+          <a:lnRef idx="1">
+            <a:schemeClr val="accent1"/>
+          </a:lnRef>
+          <a:fillRef idx="0">
+            <a:schemeClr val="accent1"/>
+          </a:fillRef>
+          <a:effectRef idx="0">
+            <a:schemeClr val="accent1"/>
+          </a:effectRef>
+          <a:fontRef idx="minor">
+            <a:schemeClr val="tx1"/>
+          </a:fontRef>
+        </p:style>
+      </p:cxnSp>
+      <p:sp>
+        <p:nvSpPr>
+          <p:cNvPr id="174" name="TextBox 173">
+            <a:extLst>
+              <a:ext uri="{FF2B5EF4-FFF2-40B4-BE49-F238E27FC236}">
+                <a16:creationId xmlns:a16="http://schemas.microsoft.com/office/drawing/2014/main" id="{52D08F8E-333C-B94A-8FA2-111F2B7F38D0}"/>
+              </a:ext>
+            </a:extLst>
+          </p:cNvPr>
+          <p:cNvSpPr txBox="1"/>
+          <p:nvPr/>
+        </p:nvSpPr>
+        <p:spPr>
+          <a:xfrm>
+            <a:off x="9119237" y="3888159"/>
+            <a:ext cx="1018098" cy="215444"/>
+          </a:xfrm>
+          <a:prstGeom prst="rect">
+            <a:avLst/>
+          </a:prstGeom>
+          <a:noFill/>
+          <a:ln>
+            <a:noFill/>
+          </a:ln>
+        </p:spPr>
+        <p:txBody>
+          <a:bodyPr wrap="square" rtlCol="0">
+            <a:spAutoFit/>
+          </a:bodyPr>
+          <a:lstStyle/>
+          <a:p>
+            <a:r>
+              <a:rPr lang="en-US" sz="800" dirty="0" err="1">
+                <a:solidFill>
+                  <a:schemeClr val="accent4"/>
+                </a:solidFill>
+              </a:rPr>
+              <a:t>setCurrentCard</a:t>
+            </a:r>
+            <a:r>
+              <a:rPr lang="en-US" sz="800" dirty="0">
+                <a:solidFill>
+                  <a:schemeClr val="accent4"/>
+                </a:solidFill>
+              </a:rPr>
+              <a:t>()</a:t>
+            </a:r>
+          </a:p>
+        </p:txBody>
+      </p:sp>
+    </p:spTree>
+    <p:extLst>
+      <p:ext uri="{BB962C8B-B14F-4D97-AF65-F5344CB8AC3E}">
+        <p14:creationId xmlns:p14="http://schemas.microsoft.com/office/powerpoint/2010/main" val="1044463494"/>
       </p:ext>
     </p:extLst>
   </p:cSld>
